--- a/traffic_violation.pptx
+++ b/traffic_violation.pptx
@@ -5,10 +5,10 @@
     <p:sldMasterId id="2147483648" r:id="rId1"/>
   </p:sldMasterIdLst>
   <p:notesMasterIdLst>
-    <p:notesMasterId r:id="rId10"/>
+    <p:notesMasterId r:id="rId14"/>
   </p:notesMasterIdLst>
   <p:handoutMasterIdLst>
-    <p:handoutMasterId r:id="rId11"/>
+    <p:handoutMasterId r:id="rId15"/>
   </p:handoutMasterIdLst>
   <p:sldIdLst>
     <p:sldId id="256" r:id="rId2"/>
@@ -16,9 +16,13 @@
     <p:sldId id="263" r:id="rId4"/>
     <p:sldId id="259" r:id="rId5"/>
     <p:sldId id="260" r:id="rId6"/>
-    <p:sldId id="261" r:id="rId7"/>
-    <p:sldId id="262" r:id="rId8"/>
-    <p:sldId id="258" r:id="rId9"/>
+    <p:sldId id="264" r:id="rId7"/>
+    <p:sldId id="272" r:id="rId8"/>
+    <p:sldId id="273" r:id="rId9"/>
+    <p:sldId id="271" r:id="rId10"/>
+    <p:sldId id="261" r:id="rId11"/>
+    <p:sldId id="262" r:id="rId12"/>
+    <p:sldId id="258" r:id="rId13"/>
   </p:sldIdLst>
   <p:sldSz cx="9144000" cy="6858000" type="screen4x3"/>
   <p:notesSz cx="6858000" cy="9144000"/>
@@ -3188,7 +3192,7 @@
 </p:sld>
 </file>
 
-<file path=ppt/slides/slide2.xml><?xml version="1.0" encoding="utf-8"?>
+<file path=ppt/slides/slide10.xml><?xml version="1.0" encoding="utf-8"?>
 <p:sld xmlns:a="http://schemas.openxmlformats.org/drawingml/2006/main" xmlns:r="http://schemas.openxmlformats.org/officeDocument/2006/relationships" xmlns:p="http://schemas.openxmlformats.org/presentationml/2006/main">
   <p:cSld>
     <p:spTree>
@@ -3207,10 +3211,10 @@
       </p:grpSpPr>
       <p:sp>
         <p:nvSpPr>
-          <p:cNvPr id="36866" name="Rectangle 2">
-            <a:extLst>
-              <a:ext uri="{FF2B5EF4-FFF2-40B4-BE49-F238E27FC236}">
-                <a16:creationId xmlns:a16="http://schemas.microsoft.com/office/drawing/2014/main" id="{CDA7C01D-4B24-EB8D-EDB4-B649E153775E}"/>
+          <p:cNvPr id="114690" name="Rectangle 2">
+            <a:extLst>
+              <a:ext uri="{FF2B5EF4-FFF2-40B4-BE49-F238E27FC236}">
+                <a16:creationId xmlns:a16="http://schemas.microsoft.com/office/drawing/2014/main" id="{E38F1BDF-7654-66E1-0814-7A6BC9C85A34}"/>
               </a:ext>
             </a:extLst>
           </p:cNvPr>
@@ -3223,29 +3227,28 @@
         </p:nvSpPr>
         <p:spPr>
           <a:xfrm>
-            <a:off x="1476375" y="476250"/>
-            <a:ext cx="7488238" cy="504825"/>
+            <a:off x="1871663" y="188913"/>
+            <a:ext cx="7092950" cy="647700"/>
           </a:xfrm>
         </p:spPr>
         <p:txBody>
           <a:bodyPr/>
           <a:lstStyle/>
           <a:p>
-            <a:r>
-              <a:rPr lang="en-US" altLang="en-US" sz="3200" dirty="0">
-                <a:latin typeface="Tahoma" panose="020B0604030504040204" pitchFamily="34" charset="0"/>
-              </a:rPr>
-              <a:t>In Focus</a:t>
-            </a:r>
+            <a:endParaRPr lang="en-US" altLang="en-US">
+              <a:solidFill>
+                <a:schemeClr val="tx1"/>
+              </a:solidFill>
+            </a:endParaRPr>
           </a:p>
         </p:txBody>
       </p:sp>
       <p:sp>
         <p:nvSpPr>
-          <p:cNvPr id="36867" name="Rectangle 3">
-            <a:extLst>
-              <a:ext uri="{FF2B5EF4-FFF2-40B4-BE49-F238E27FC236}">
-                <a16:creationId xmlns:a16="http://schemas.microsoft.com/office/drawing/2014/main" id="{789FEF1C-AD0C-4A03-25D3-75882E410332}"/>
+          <p:cNvPr id="114691" name="Rectangle 3">
+            <a:extLst>
+              <a:ext uri="{FF2B5EF4-FFF2-40B4-BE49-F238E27FC236}">
+                <a16:creationId xmlns:a16="http://schemas.microsoft.com/office/drawing/2014/main" id="{C532EC86-DEA2-C8B9-0652-CDA52A320F51}"/>
               </a:ext>
             </a:extLst>
           </p:cNvPr>
@@ -3258,79 +3261,24 @@
         </p:nvSpPr>
         <p:spPr>
           <a:xfrm>
-            <a:off x="1219200" y="2343151"/>
-            <a:ext cx="6769100" cy="4038599"/>
+            <a:off x="1860550" y="908050"/>
+            <a:ext cx="7104063" cy="5761038"/>
           </a:xfrm>
         </p:spPr>
         <p:txBody>
           <a:bodyPr/>
           <a:lstStyle/>
           <a:p>
-            <a:pPr>
-              <a:lnSpc>
-                <a:spcPct val="80000"/>
-              </a:lnSpc>
-            </a:pPr>
-            <a:r>
-              <a:rPr lang="en-US" sz="2000" b="0" i="0" dirty="0">
-                <a:solidFill>
-                  <a:srgbClr val="374151"/>
-                </a:solidFill>
-                <a:effectLst/>
-                <a:latin typeface="Times New Roman" panose="02020603050405020304" pitchFamily="18" charset="0"/>
-                <a:cs typeface="Times New Roman" panose="02020603050405020304" pitchFamily="18" charset="0"/>
-              </a:rPr>
-              <a:t>Our project delved into the landscape of traffic violations, aiming to gain a comprehensive understanding of the factors influencing outcomes, whether in the form of citations or warnings. </a:t>
-            </a:r>
-          </a:p>
-          <a:p>
-            <a:pPr>
-              <a:lnSpc>
-                <a:spcPct val="80000"/>
-              </a:lnSpc>
-            </a:pPr>
-            <a:r>
-              <a:rPr lang="en-US" sz="2000" b="0" i="0" dirty="0">
-                <a:solidFill>
-                  <a:srgbClr val="374151"/>
-                </a:solidFill>
-                <a:effectLst/>
-                <a:latin typeface="Times New Roman" panose="02020603050405020304" pitchFamily="18" charset="0"/>
-                <a:cs typeface="Times New Roman" panose="02020603050405020304" pitchFamily="18" charset="0"/>
-              </a:rPr>
-              <a:t>Our data collection process meticulously captured diverse elements of each traffic stop, including the driver's state, the make of the vehicle, and demographic information such as race and gender. </a:t>
-            </a:r>
-          </a:p>
-          <a:p>
-            <a:pPr>
-              <a:lnSpc>
-                <a:spcPct val="80000"/>
-              </a:lnSpc>
-            </a:pPr>
-            <a:r>
-              <a:rPr lang="en-US" sz="2000" b="0" i="0" dirty="0">
-                <a:solidFill>
-                  <a:srgbClr val="374151"/>
-                </a:solidFill>
-                <a:effectLst/>
-                <a:latin typeface="Times New Roman" panose="02020603050405020304" pitchFamily="18" charset="0"/>
-                <a:cs typeface="Times New Roman" panose="02020603050405020304" pitchFamily="18" charset="0"/>
-              </a:rPr>
-              <a:t>Employing a combination of statistical analysis and machine learning, we scrutinized these features to unravel correlations and patterns within the dataset. </a:t>
-            </a:r>
-          </a:p>
-          <a:p>
-            <a:pPr marL="0" indent="0">
-              <a:lnSpc>
-                <a:spcPct val="80000"/>
-              </a:lnSpc>
-              <a:buNone/>
-            </a:pPr>
-            <a:endParaRPr lang="en-US" altLang="en-US" sz="2000" dirty="0"/>
+            <a:endParaRPr lang="en-US" altLang="en-US"/>
           </a:p>
         </p:txBody>
       </p:sp>
     </p:spTree>
+    <p:extLst>
+      <p:ext uri="{BB962C8B-B14F-4D97-AF65-F5344CB8AC3E}">
+        <p14:creationId xmlns:p14="http://schemas.microsoft.com/office/powerpoint/2010/main" val="1936378657"/>
+      </p:ext>
+    </p:extLst>
   </p:cSld>
   <p:clrMapOvr>
     <a:masterClrMapping/>
@@ -3338,7 +3286,7 @@
 </p:sld>
 </file>
 
-<file path=ppt/slides/slide3.xml><?xml version="1.0" encoding="utf-8"?>
+<file path=ppt/slides/slide11.xml><?xml version="1.0" encoding="utf-8"?>
 <p:sld xmlns:a="http://schemas.openxmlformats.org/drawingml/2006/main" xmlns:r="http://schemas.openxmlformats.org/officeDocument/2006/relationships" xmlns:p="http://schemas.openxmlformats.org/presentationml/2006/main">
   <p:cSld>
     <p:spTree>
@@ -3360,423 +3308,6 @@
           <p:cNvPr id="2" name="Title 1">
             <a:extLst>
               <a:ext uri="{FF2B5EF4-FFF2-40B4-BE49-F238E27FC236}">
-                <a16:creationId xmlns:a16="http://schemas.microsoft.com/office/drawing/2014/main" id="{4A963E3E-DD40-B135-16DF-9524C441B196}"/>
-              </a:ext>
-            </a:extLst>
-          </p:cNvPr>
-          <p:cNvSpPr>
-            <a:spLocks noGrp="1"/>
-          </p:cNvSpPr>
-          <p:nvPr>
-            <p:ph type="title"/>
-          </p:nvPr>
-        </p:nvSpPr>
-        <p:spPr/>
-        <p:txBody>
-          <a:bodyPr/>
-          <a:lstStyle/>
-          <a:p>
-            <a:r>
-              <a:rPr lang="en-US" dirty="0"/>
-              <a:t>Sources </a:t>
-            </a:r>
-          </a:p>
-        </p:txBody>
-      </p:sp>
-      <p:sp>
-        <p:nvSpPr>
-          <p:cNvPr id="3" name="Content Placeholder 2">
-            <a:extLst>
-              <a:ext uri="{FF2B5EF4-FFF2-40B4-BE49-F238E27FC236}">
-                <a16:creationId xmlns:a16="http://schemas.microsoft.com/office/drawing/2014/main" id="{55CCD306-E4F4-F79A-9346-0D8C7BFBC536}"/>
-              </a:ext>
-            </a:extLst>
-          </p:cNvPr>
-          <p:cNvSpPr>
-            <a:spLocks noGrp="1"/>
-          </p:cNvSpPr>
-          <p:nvPr>
-            <p:ph idx="1"/>
-          </p:nvPr>
-        </p:nvSpPr>
-        <p:spPr>
-          <a:xfrm>
-            <a:off x="1116013" y="1524000"/>
-            <a:ext cx="7777162" cy="4713288"/>
-          </a:xfrm>
-        </p:spPr>
-        <p:txBody>
-          <a:bodyPr/>
-          <a:lstStyle/>
-          <a:p>
-            <a:endParaRPr lang="en-US" sz="2000" dirty="0"/>
-          </a:p>
-          <a:p>
-            <a:r>
-              <a:rPr lang="en-US" sz="2000" dirty="0"/>
-              <a:t>Our data comes from Montgomery County, Maryland. The dataset contains traffic violation information from all electronic traffic violations issued in the county and is updated daily. The raw data has 1.89 million rows and 43 columns. </a:t>
-            </a:r>
-          </a:p>
-          <a:p>
-            <a:pPr marL="0" indent="0">
-              <a:buNone/>
-            </a:pPr>
-            <a:endParaRPr lang="en-US" dirty="0"/>
-          </a:p>
-          <a:p>
-            <a:r>
-              <a:rPr lang="en-US" dirty="0"/>
-              <a:t>Using </a:t>
-            </a:r>
-          </a:p>
-          <a:p>
-            <a:r>
-              <a:rPr lang="en-US" sz="2000" dirty="0" err="1">
-                <a:solidFill>
-                  <a:schemeClr val="accent6">
-                    <a:lumMod val="75000"/>
-                  </a:schemeClr>
-                </a:solidFill>
-              </a:rPr>
-              <a:t>Pyspark</a:t>
-            </a:r>
-            <a:endParaRPr lang="en-US" sz="2000" dirty="0">
-              <a:solidFill>
-                <a:schemeClr val="accent6">
-                  <a:lumMod val="75000"/>
-                </a:schemeClr>
-              </a:solidFill>
-            </a:endParaRPr>
-          </a:p>
-          <a:p>
-            <a:r>
-              <a:rPr lang="en-US" sz="2000" dirty="0">
-                <a:solidFill>
-                  <a:schemeClr val="accent6">
-                    <a:lumMod val="75000"/>
-                  </a:schemeClr>
-                </a:solidFill>
-              </a:rPr>
-              <a:t>Random Forest</a:t>
-            </a:r>
-          </a:p>
-          <a:p>
-            <a:r>
-              <a:rPr lang="en-US" sz="2000" dirty="0">
-                <a:solidFill>
-                  <a:schemeClr val="accent6">
-                    <a:lumMod val="75000"/>
-                  </a:schemeClr>
-                </a:solidFill>
-              </a:rPr>
-              <a:t>Tableau</a:t>
-            </a:r>
-          </a:p>
-          <a:p>
-            <a:r>
-              <a:rPr lang="en-US" sz="2000" dirty="0">
-                <a:solidFill>
-                  <a:schemeClr val="accent6">
-                    <a:lumMod val="75000"/>
-                  </a:schemeClr>
-                </a:solidFill>
-              </a:rPr>
-              <a:t>Python/Pandas</a:t>
-            </a:r>
-          </a:p>
-        </p:txBody>
-      </p:sp>
-    </p:spTree>
-    <p:extLst>
-      <p:ext uri="{BB962C8B-B14F-4D97-AF65-F5344CB8AC3E}">
-        <p14:creationId xmlns:p14="http://schemas.microsoft.com/office/powerpoint/2010/main" val="2635689727"/>
-      </p:ext>
-    </p:extLst>
-  </p:cSld>
-  <p:clrMapOvr>
-    <a:masterClrMapping/>
-  </p:clrMapOvr>
-</p:sld>
-</file>
-
-<file path=ppt/slides/slide4.xml><?xml version="1.0" encoding="utf-8"?>
-<p:sld xmlns:a="http://schemas.openxmlformats.org/drawingml/2006/main" xmlns:r="http://schemas.openxmlformats.org/officeDocument/2006/relationships" xmlns:p="http://schemas.openxmlformats.org/presentationml/2006/main">
-  <p:cSld>
-    <p:spTree>
-      <p:nvGrpSpPr>
-        <p:cNvPr id="1" name=""/>
-        <p:cNvGrpSpPr/>
-        <p:nvPr/>
-      </p:nvGrpSpPr>
-      <p:grpSpPr>
-        <a:xfrm>
-          <a:off x="0" y="0"/>
-          <a:ext cx="0" cy="0"/>
-          <a:chOff x="0" y="0"/>
-          <a:chExt cx="0" cy="0"/>
-        </a:xfrm>
-      </p:grpSpPr>
-      <p:sp>
-        <p:nvSpPr>
-          <p:cNvPr id="114690" name="Rectangle 2">
-            <a:extLst>
-              <a:ext uri="{FF2B5EF4-FFF2-40B4-BE49-F238E27FC236}">
-                <a16:creationId xmlns:a16="http://schemas.microsoft.com/office/drawing/2014/main" id="{E38F1BDF-7654-66E1-0814-7A6BC9C85A34}"/>
-              </a:ext>
-            </a:extLst>
-          </p:cNvPr>
-          <p:cNvSpPr>
-            <a:spLocks noGrp="1" noChangeArrowheads="1"/>
-          </p:cNvSpPr>
-          <p:nvPr>
-            <p:ph type="title"/>
-          </p:nvPr>
-        </p:nvSpPr>
-        <p:spPr>
-          <a:xfrm>
-            <a:off x="1025525" y="2438400"/>
-            <a:ext cx="7092950" cy="647700"/>
-          </a:xfrm>
-        </p:spPr>
-        <p:txBody>
-          <a:bodyPr/>
-          <a:lstStyle/>
-          <a:p>
-            <a:pPr algn="ctr"/>
-            <a:r>
-              <a:rPr lang="en-US" altLang="en-US" dirty="0">
-                <a:solidFill>
-                  <a:schemeClr val="tx1"/>
-                </a:solidFill>
-              </a:rPr>
-              <a:t>Data Cleaning</a:t>
-            </a:r>
-          </a:p>
-        </p:txBody>
-      </p:sp>
-    </p:spTree>
-    <p:extLst>
-      <p:ext uri="{BB962C8B-B14F-4D97-AF65-F5344CB8AC3E}">
-        <p14:creationId xmlns:p14="http://schemas.microsoft.com/office/powerpoint/2010/main" val="1242657746"/>
-      </p:ext>
-    </p:extLst>
-  </p:cSld>
-  <p:clrMapOvr>
-    <a:masterClrMapping/>
-  </p:clrMapOvr>
-</p:sld>
-</file>
-
-<file path=ppt/slides/slide5.xml><?xml version="1.0" encoding="utf-8"?>
-<p:sld xmlns:a="http://schemas.openxmlformats.org/drawingml/2006/main" xmlns:r="http://schemas.openxmlformats.org/officeDocument/2006/relationships" xmlns:p="http://schemas.openxmlformats.org/presentationml/2006/main">
-  <p:cSld>
-    <p:spTree>
-      <p:nvGrpSpPr>
-        <p:cNvPr id="1" name=""/>
-        <p:cNvGrpSpPr/>
-        <p:nvPr/>
-      </p:nvGrpSpPr>
-      <p:grpSpPr>
-        <a:xfrm>
-          <a:off x="0" y="0"/>
-          <a:ext cx="0" cy="0"/>
-          <a:chOff x="0" y="0"/>
-          <a:chExt cx="0" cy="0"/>
-        </a:xfrm>
-      </p:grpSpPr>
-      <p:sp>
-        <p:nvSpPr>
-          <p:cNvPr id="114690" name="Rectangle 2">
-            <a:extLst>
-              <a:ext uri="{FF2B5EF4-FFF2-40B4-BE49-F238E27FC236}">
-                <a16:creationId xmlns:a16="http://schemas.microsoft.com/office/drawing/2014/main" id="{E38F1BDF-7654-66E1-0814-7A6BC9C85A34}"/>
-              </a:ext>
-            </a:extLst>
-          </p:cNvPr>
-          <p:cNvSpPr>
-            <a:spLocks noGrp="1" noChangeArrowheads="1"/>
-          </p:cNvSpPr>
-          <p:nvPr>
-            <p:ph type="title"/>
-          </p:nvPr>
-        </p:nvSpPr>
-        <p:spPr>
-          <a:xfrm>
-            <a:off x="1871663" y="188913"/>
-            <a:ext cx="7092950" cy="647700"/>
-          </a:xfrm>
-        </p:spPr>
-        <p:txBody>
-          <a:bodyPr/>
-          <a:lstStyle/>
-          <a:p>
-            <a:endParaRPr lang="en-US" altLang="en-US">
-              <a:solidFill>
-                <a:schemeClr val="tx1"/>
-              </a:solidFill>
-            </a:endParaRPr>
-          </a:p>
-        </p:txBody>
-      </p:sp>
-      <p:sp>
-        <p:nvSpPr>
-          <p:cNvPr id="114691" name="Rectangle 3">
-            <a:extLst>
-              <a:ext uri="{FF2B5EF4-FFF2-40B4-BE49-F238E27FC236}">
-                <a16:creationId xmlns:a16="http://schemas.microsoft.com/office/drawing/2014/main" id="{C532EC86-DEA2-C8B9-0652-CDA52A320F51}"/>
-              </a:ext>
-            </a:extLst>
-          </p:cNvPr>
-          <p:cNvSpPr>
-            <a:spLocks noGrp="1" noChangeArrowheads="1"/>
-          </p:cNvSpPr>
-          <p:nvPr>
-            <p:ph type="body" idx="1"/>
-          </p:nvPr>
-        </p:nvSpPr>
-        <p:spPr>
-          <a:xfrm>
-            <a:off x="1860550" y="908050"/>
-            <a:ext cx="7104063" cy="5761038"/>
-          </a:xfrm>
-        </p:spPr>
-        <p:txBody>
-          <a:bodyPr/>
-          <a:lstStyle/>
-          <a:p>
-            <a:endParaRPr lang="en-US" altLang="en-US"/>
-          </a:p>
-        </p:txBody>
-      </p:sp>
-    </p:spTree>
-    <p:extLst>
-      <p:ext uri="{BB962C8B-B14F-4D97-AF65-F5344CB8AC3E}">
-        <p14:creationId xmlns:p14="http://schemas.microsoft.com/office/powerpoint/2010/main" val="1443540934"/>
-      </p:ext>
-    </p:extLst>
-  </p:cSld>
-  <p:clrMapOvr>
-    <a:masterClrMapping/>
-  </p:clrMapOvr>
-</p:sld>
-</file>
-
-<file path=ppt/slides/slide6.xml><?xml version="1.0" encoding="utf-8"?>
-<p:sld xmlns:a="http://schemas.openxmlformats.org/drawingml/2006/main" xmlns:r="http://schemas.openxmlformats.org/officeDocument/2006/relationships" xmlns:p="http://schemas.openxmlformats.org/presentationml/2006/main">
-  <p:cSld>
-    <p:spTree>
-      <p:nvGrpSpPr>
-        <p:cNvPr id="1" name=""/>
-        <p:cNvGrpSpPr/>
-        <p:nvPr/>
-      </p:nvGrpSpPr>
-      <p:grpSpPr>
-        <a:xfrm>
-          <a:off x="0" y="0"/>
-          <a:ext cx="0" cy="0"/>
-          <a:chOff x="0" y="0"/>
-          <a:chExt cx="0" cy="0"/>
-        </a:xfrm>
-      </p:grpSpPr>
-      <p:sp>
-        <p:nvSpPr>
-          <p:cNvPr id="114690" name="Rectangle 2">
-            <a:extLst>
-              <a:ext uri="{FF2B5EF4-FFF2-40B4-BE49-F238E27FC236}">
-                <a16:creationId xmlns:a16="http://schemas.microsoft.com/office/drawing/2014/main" id="{E38F1BDF-7654-66E1-0814-7A6BC9C85A34}"/>
-              </a:ext>
-            </a:extLst>
-          </p:cNvPr>
-          <p:cNvSpPr>
-            <a:spLocks noGrp="1" noChangeArrowheads="1"/>
-          </p:cNvSpPr>
-          <p:nvPr>
-            <p:ph type="title"/>
-          </p:nvPr>
-        </p:nvSpPr>
-        <p:spPr>
-          <a:xfrm>
-            <a:off x="1871663" y="188913"/>
-            <a:ext cx="7092950" cy="647700"/>
-          </a:xfrm>
-        </p:spPr>
-        <p:txBody>
-          <a:bodyPr/>
-          <a:lstStyle/>
-          <a:p>
-            <a:endParaRPr lang="en-US" altLang="en-US">
-              <a:solidFill>
-                <a:schemeClr val="tx1"/>
-              </a:solidFill>
-            </a:endParaRPr>
-          </a:p>
-        </p:txBody>
-      </p:sp>
-      <p:sp>
-        <p:nvSpPr>
-          <p:cNvPr id="114691" name="Rectangle 3">
-            <a:extLst>
-              <a:ext uri="{FF2B5EF4-FFF2-40B4-BE49-F238E27FC236}">
-                <a16:creationId xmlns:a16="http://schemas.microsoft.com/office/drawing/2014/main" id="{C532EC86-DEA2-C8B9-0652-CDA52A320F51}"/>
-              </a:ext>
-            </a:extLst>
-          </p:cNvPr>
-          <p:cNvSpPr>
-            <a:spLocks noGrp="1" noChangeArrowheads="1"/>
-          </p:cNvSpPr>
-          <p:nvPr>
-            <p:ph type="body" idx="1"/>
-          </p:nvPr>
-        </p:nvSpPr>
-        <p:spPr>
-          <a:xfrm>
-            <a:off x="1860550" y="908050"/>
-            <a:ext cx="7104063" cy="5761038"/>
-          </a:xfrm>
-        </p:spPr>
-        <p:txBody>
-          <a:bodyPr/>
-          <a:lstStyle/>
-          <a:p>
-            <a:endParaRPr lang="en-US" altLang="en-US"/>
-          </a:p>
-        </p:txBody>
-      </p:sp>
-    </p:spTree>
-    <p:extLst>
-      <p:ext uri="{BB962C8B-B14F-4D97-AF65-F5344CB8AC3E}">
-        <p14:creationId xmlns:p14="http://schemas.microsoft.com/office/powerpoint/2010/main" val="1936378657"/>
-      </p:ext>
-    </p:extLst>
-  </p:cSld>
-  <p:clrMapOvr>
-    <a:masterClrMapping/>
-  </p:clrMapOvr>
-</p:sld>
-</file>
-
-<file path=ppt/slides/slide7.xml><?xml version="1.0" encoding="utf-8"?>
-<p:sld xmlns:a="http://schemas.openxmlformats.org/drawingml/2006/main" xmlns:r="http://schemas.openxmlformats.org/officeDocument/2006/relationships" xmlns:p="http://schemas.openxmlformats.org/presentationml/2006/main">
-  <p:cSld>
-    <p:spTree>
-      <p:nvGrpSpPr>
-        <p:cNvPr id="1" name=""/>
-        <p:cNvGrpSpPr/>
-        <p:nvPr/>
-      </p:nvGrpSpPr>
-      <p:grpSpPr>
-        <a:xfrm>
-          <a:off x="0" y="0"/>
-          <a:ext cx="0" cy="0"/>
-          <a:chOff x="0" y="0"/>
-          <a:chExt cx="0" cy="0"/>
-        </a:xfrm>
-      </p:grpSpPr>
-      <p:sp>
-        <p:nvSpPr>
-          <p:cNvPr id="2" name="Title 1">
-            <a:extLst>
-              <a:ext uri="{FF2B5EF4-FFF2-40B4-BE49-F238E27FC236}">
                 <a16:creationId xmlns:a16="http://schemas.microsoft.com/office/drawing/2014/main" id="{65F70101-2480-4920-3D6F-424F65D6E233}"/>
               </a:ext>
             </a:extLst>
@@ -3835,7 +3366,7 @@
 </p:sld>
 </file>
 
-<file path=ppt/slides/slide8.xml><?xml version="1.0" encoding="utf-8"?>
+<file path=ppt/slides/slide12.xml><?xml version="1.0" encoding="utf-8"?>
 <p:sld xmlns:a="http://schemas.openxmlformats.org/drawingml/2006/main" xmlns:r="http://schemas.openxmlformats.org/officeDocument/2006/relationships" xmlns:p="http://schemas.openxmlformats.org/presentationml/2006/main">
   <p:cSld>
     <p:bg>
@@ -4110,6 +3641,2379 @@
         </p:style>
       </p:cxnSp>
     </p:spTree>
+  </p:cSld>
+  <p:clrMapOvr>
+    <a:masterClrMapping/>
+  </p:clrMapOvr>
+</p:sld>
+</file>
+
+<file path=ppt/slides/slide2.xml><?xml version="1.0" encoding="utf-8"?>
+<p:sld xmlns:a="http://schemas.openxmlformats.org/drawingml/2006/main" xmlns:r="http://schemas.openxmlformats.org/officeDocument/2006/relationships" xmlns:p="http://schemas.openxmlformats.org/presentationml/2006/main">
+  <p:cSld>
+    <p:spTree>
+      <p:nvGrpSpPr>
+        <p:cNvPr id="1" name=""/>
+        <p:cNvGrpSpPr/>
+        <p:nvPr/>
+      </p:nvGrpSpPr>
+      <p:grpSpPr>
+        <a:xfrm>
+          <a:off x="0" y="0"/>
+          <a:ext cx="0" cy="0"/>
+          <a:chOff x="0" y="0"/>
+          <a:chExt cx="0" cy="0"/>
+        </a:xfrm>
+      </p:grpSpPr>
+      <p:sp>
+        <p:nvSpPr>
+          <p:cNvPr id="36866" name="Rectangle 2">
+            <a:extLst>
+              <a:ext uri="{FF2B5EF4-FFF2-40B4-BE49-F238E27FC236}">
+                <a16:creationId xmlns:a16="http://schemas.microsoft.com/office/drawing/2014/main" id="{CDA7C01D-4B24-EB8D-EDB4-B649E153775E}"/>
+              </a:ext>
+            </a:extLst>
+          </p:cNvPr>
+          <p:cNvSpPr>
+            <a:spLocks noGrp="1" noChangeArrowheads="1"/>
+          </p:cNvSpPr>
+          <p:nvPr>
+            <p:ph type="title"/>
+          </p:nvPr>
+        </p:nvSpPr>
+        <p:spPr>
+          <a:xfrm>
+            <a:off x="1476375" y="476250"/>
+            <a:ext cx="7488238" cy="504825"/>
+          </a:xfrm>
+        </p:spPr>
+        <p:txBody>
+          <a:bodyPr/>
+          <a:lstStyle/>
+          <a:p>
+            <a:r>
+              <a:rPr lang="en-US" altLang="en-US" sz="3200" dirty="0">
+                <a:latin typeface="Tahoma" panose="020B0604030504040204" pitchFamily="34" charset="0"/>
+              </a:rPr>
+              <a:t>In Focus</a:t>
+            </a:r>
+          </a:p>
+        </p:txBody>
+      </p:sp>
+      <p:sp>
+        <p:nvSpPr>
+          <p:cNvPr id="36867" name="Rectangle 3">
+            <a:extLst>
+              <a:ext uri="{FF2B5EF4-FFF2-40B4-BE49-F238E27FC236}">
+                <a16:creationId xmlns:a16="http://schemas.microsoft.com/office/drawing/2014/main" id="{789FEF1C-AD0C-4A03-25D3-75882E410332}"/>
+              </a:ext>
+            </a:extLst>
+          </p:cNvPr>
+          <p:cNvSpPr>
+            <a:spLocks noGrp="1" noChangeArrowheads="1"/>
+          </p:cNvSpPr>
+          <p:nvPr>
+            <p:ph type="body" idx="1"/>
+          </p:nvPr>
+        </p:nvSpPr>
+        <p:spPr>
+          <a:xfrm>
+            <a:off x="1219200" y="2343151"/>
+            <a:ext cx="6769100" cy="4038599"/>
+          </a:xfrm>
+        </p:spPr>
+        <p:txBody>
+          <a:bodyPr/>
+          <a:lstStyle/>
+          <a:p>
+            <a:pPr>
+              <a:lnSpc>
+                <a:spcPct val="80000"/>
+              </a:lnSpc>
+            </a:pPr>
+            <a:r>
+              <a:rPr lang="en-US" sz="2000" b="0" i="0" dirty="0">
+                <a:solidFill>
+                  <a:srgbClr val="374151"/>
+                </a:solidFill>
+                <a:effectLst/>
+                <a:latin typeface="Times New Roman" panose="02020603050405020304" pitchFamily="18" charset="0"/>
+                <a:cs typeface="Times New Roman" panose="02020603050405020304" pitchFamily="18" charset="0"/>
+              </a:rPr>
+              <a:t>Our project delved into the landscape of traffic violations, aiming to gain a comprehensive understanding of the factors influencing outcomes, whether in the form of citations or warnings. </a:t>
+            </a:r>
+          </a:p>
+          <a:p>
+            <a:pPr>
+              <a:lnSpc>
+                <a:spcPct val="80000"/>
+              </a:lnSpc>
+            </a:pPr>
+            <a:r>
+              <a:rPr lang="en-US" sz="2000" b="0" i="0" dirty="0">
+                <a:solidFill>
+                  <a:srgbClr val="374151"/>
+                </a:solidFill>
+                <a:effectLst/>
+                <a:latin typeface="Times New Roman" panose="02020603050405020304" pitchFamily="18" charset="0"/>
+                <a:cs typeface="Times New Roman" panose="02020603050405020304" pitchFamily="18" charset="0"/>
+              </a:rPr>
+              <a:t>Our data collection process meticulously captured diverse elements of each traffic stop, including the driver's state, the make of the vehicle, and demographic information such as race and gender. </a:t>
+            </a:r>
+          </a:p>
+          <a:p>
+            <a:pPr>
+              <a:lnSpc>
+                <a:spcPct val="80000"/>
+              </a:lnSpc>
+            </a:pPr>
+            <a:r>
+              <a:rPr lang="en-US" sz="2000" b="0" i="0" dirty="0">
+                <a:solidFill>
+                  <a:srgbClr val="374151"/>
+                </a:solidFill>
+                <a:effectLst/>
+                <a:latin typeface="Times New Roman" panose="02020603050405020304" pitchFamily="18" charset="0"/>
+                <a:cs typeface="Times New Roman" panose="02020603050405020304" pitchFamily="18" charset="0"/>
+              </a:rPr>
+              <a:t>Employing a combination of statistical analysis and machine learning, we scrutinized these features to unravel correlations and patterns within the dataset. </a:t>
+            </a:r>
+          </a:p>
+          <a:p>
+            <a:pPr marL="0" indent="0">
+              <a:lnSpc>
+                <a:spcPct val="80000"/>
+              </a:lnSpc>
+              <a:buNone/>
+            </a:pPr>
+            <a:endParaRPr lang="en-US" altLang="en-US" sz="2000" dirty="0"/>
+          </a:p>
+        </p:txBody>
+      </p:sp>
+    </p:spTree>
+  </p:cSld>
+  <p:clrMapOvr>
+    <a:masterClrMapping/>
+  </p:clrMapOvr>
+</p:sld>
+</file>
+
+<file path=ppt/slides/slide3.xml><?xml version="1.0" encoding="utf-8"?>
+<p:sld xmlns:a="http://schemas.openxmlformats.org/drawingml/2006/main" xmlns:r="http://schemas.openxmlformats.org/officeDocument/2006/relationships" xmlns:p="http://schemas.openxmlformats.org/presentationml/2006/main">
+  <p:cSld>
+    <p:spTree>
+      <p:nvGrpSpPr>
+        <p:cNvPr id="1" name=""/>
+        <p:cNvGrpSpPr/>
+        <p:nvPr/>
+      </p:nvGrpSpPr>
+      <p:grpSpPr>
+        <a:xfrm>
+          <a:off x="0" y="0"/>
+          <a:ext cx="0" cy="0"/>
+          <a:chOff x="0" y="0"/>
+          <a:chExt cx="0" cy="0"/>
+        </a:xfrm>
+      </p:grpSpPr>
+      <p:sp>
+        <p:nvSpPr>
+          <p:cNvPr id="2" name="Title 1">
+            <a:extLst>
+              <a:ext uri="{FF2B5EF4-FFF2-40B4-BE49-F238E27FC236}">
+                <a16:creationId xmlns:a16="http://schemas.microsoft.com/office/drawing/2014/main" id="{4A963E3E-DD40-B135-16DF-9524C441B196}"/>
+              </a:ext>
+            </a:extLst>
+          </p:cNvPr>
+          <p:cNvSpPr>
+            <a:spLocks noGrp="1"/>
+          </p:cNvSpPr>
+          <p:nvPr>
+            <p:ph type="title"/>
+          </p:nvPr>
+        </p:nvSpPr>
+        <p:spPr/>
+        <p:txBody>
+          <a:bodyPr/>
+          <a:lstStyle/>
+          <a:p>
+            <a:r>
+              <a:rPr lang="en-US" dirty="0"/>
+              <a:t>Sources </a:t>
+            </a:r>
+          </a:p>
+        </p:txBody>
+      </p:sp>
+      <p:sp>
+        <p:nvSpPr>
+          <p:cNvPr id="3" name="Content Placeholder 2">
+            <a:extLst>
+              <a:ext uri="{FF2B5EF4-FFF2-40B4-BE49-F238E27FC236}">
+                <a16:creationId xmlns:a16="http://schemas.microsoft.com/office/drawing/2014/main" id="{55CCD306-E4F4-F79A-9346-0D8C7BFBC536}"/>
+              </a:ext>
+            </a:extLst>
+          </p:cNvPr>
+          <p:cNvSpPr>
+            <a:spLocks noGrp="1"/>
+          </p:cNvSpPr>
+          <p:nvPr>
+            <p:ph idx="1"/>
+          </p:nvPr>
+        </p:nvSpPr>
+        <p:spPr>
+          <a:xfrm>
+            <a:off x="1116013" y="1524000"/>
+            <a:ext cx="7777162" cy="4713288"/>
+          </a:xfrm>
+        </p:spPr>
+        <p:txBody>
+          <a:bodyPr/>
+          <a:lstStyle/>
+          <a:p>
+            <a:endParaRPr lang="en-US" sz="2000" dirty="0"/>
+          </a:p>
+          <a:p>
+            <a:r>
+              <a:rPr lang="en-US" sz="2000" dirty="0"/>
+              <a:t>Our data comes from Montgomery County, Maryland. The dataset contains traffic violation information from all electronic traffic violations issued in the county and is updated daily. The raw data has 1.89 million rows and 43 columns. </a:t>
+            </a:r>
+          </a:p>
+          <a:p>
+            <a:pPr marL="0" indent="0">
+              <a:buNone/>
+            </a:pPr>
+            <a:endParaRPr lang="en-US" dirty="0"/>
+          </a:p>
+          <a:p>
+            <a:r>
+              <a:rPr lang="en-US" dirty="0"/>
+              <a:t>Using </a:t>
+            </a:r>
+          </a:p>
+          <a:p>
+            <a:r>
+              <a:rPr lang="en-US" sz="2000" dirty="0">
+                <a:solidFill>
+                  <a:schemeClr val="accent6">
+                    <a:lumMod val="75000"/>
+                  </a:schemeClr>
+                </a:solidFill>
+              </a:rPr>
+              <a:t>Python/Pandas</a:t>
+            </a:r>
+          </a:p>
+          <a:p>
+            <a:r>
+              <a:rPr lang="en-US" sz="2000" dirty="0">
+                <a:solidFill>
+                  <a:schemeClr val="accent6">
+                    <a:lumMod val="75000"/>
+                  </a:schemeClr>
+                </a:solidFill>
+              </a:rPr>
+              <a:t>Tableau</a:t>
+            </a:r>
+          </a:p>
+          <a:p>
+            <a:r>
+              <a:rPr lang="en-US" sz="2000" dirty="0">
+                <a:solidFill>
+                  <a:schemeClr val="accent6">
+                    <a:lumMod val="75000"/>
+                  </a:schemeClr>
+                </a:solidFill>
+              </a:rPr>
+              <a:t>Random Forest</a:t>
+            </a:r>
+          </a:p>
+          <a:p>
+            <a:r>
+              <a:rPr lang="en-US" sz="2000" dirty="0" err="1">
+                <a:solidFill>
+                  <a:schemeClr val="accent6">
+                    <a:lumMod val="75000"/>
+                  </a:schemeClr>
+                </a:solidFill>
+              </a:rPr>
+              <a:t>Pyspark</a:t>
+            </a:r>
+            <a:endParaRPr lang="en-US" sz="2000" dirty="0">
+              <a:solidFill>
+                <a:schemeClr val="accent6">
+                  <a:lumMod val="75000"/>
+                </a:schemeClr>
+              </a:solidFill>
+            </a:endParaRPr>
+          </a:p>
+        </p:txBody>
+      </p:sp>
+    </p:spTree>
+    <p:extLst>
+      <p:ext uri="{BB962C8B-B14F-4D97-AF65-F5344CB8AC3E}">
+        <p14:creationId xmlns:p14="http://schemas.microsoft.com/office/powerpoint/2010/main" val="2635689727"/>
+      </p:ext>
+    </p:extLst>
+  </p:cSld>
+  <p:clrMapOvr>
+    <a:masterClrMapping/>
+  </p:clrMapOvr>
+</p:sld>
+</file>
+
+<file path=ppt/slides/slide4.xml><?xml version="1.0" encoding="utf-8"?>
+<p:sld xmlns:a="http://schemas.openxmlformats.org/drawingml/2006/main" xmlns:r="http://schemas.openxmlformats.org/officeDocument/2006/relationships" xmlns:p="http://schemas.openxmlformats.org/presentationml/2006/main">
+  <p:cSld>
+    <p:spTree>
+      <p:nvGrpSpPr>
+        <p:cNvPr id="1" name=""/>
+        <p:cNvGrpSpPr/>
+        <p:nvPr/>
+      </p:nvGrpSpPr>
+      <p:grpSpPr>
+        <a:xfrm>
+          <a:off x="0" y="0"/>
+          <a:ext cx="0" cy="0"/>
+          <a:chOff x="0" y="0"/>
+          <a:chExt cx="0" cy="0"/>
+        </a:xfrm>
+      </p:grpSpPr>
+      <p:sp>
+        <p:nvSpPr>
+          <p:cNvPr id="114690" name="Rectangle 2">
+            <a:extLst>
+              <a:ext uri="{FF2B5EF4-FFF2-40B4-BE49-F238E27FC236}">
+                <a16:creationId xmlns:a16="http://schemas.microsoft.com/office/drawing/2014/main" id="{E38F1BDF-7654-66E1-0814-7A6BC9C85A34}"/>
+              </a:ext>
+            </a:extLst>
+          </p:cNvPr>
+          <p:cNvSpPr>
+            <a:spLocks noGrp="1" noChangeArrowheads="1"/>
+          </p:cNvSpPr>
+          <p:nvPr>
+            <p:ph type="title"/>
+          </p:nvPr>
+        </p:nvSpPr>
+        <p:spPr>
+          <a:xfrm>
+            <a:off x="1025525" y="2438400"/>
+            <a:ext cx="7092950" cy="647700"/>
+          </a:xfrm>
+        </p:spPr>
+        <p:txBody>
+          <a:bodyPr/>
+          <a:lstStyle/>
+          <a:p>
+            <a:pPr algn="ctr"/>
+            <a:r>
+              <a:rPr lang="en-US" altLang="en-US" dirty="0">
+                <a:solidFill>
+                  <a:schemeClr val="tx1"/>
+                </a:solidFill>
+              </a:rPr>
+              <a:t>Data Cleaning</a:t>
+            </a:r>
+          </a:p>
+        </p:txBody>
+      </p:sp>
+    </p:spTree>
+    <p:extLst>
+      <p:ext uri="{BB962C8B-B14F-4D97-AF65-F5344CB8AC3E}">
+        <p14:creationId xmlns:p14="http://schemas.microsoft.com/office/powerpoint/2010/main" val="1242657746"/>
+      </p:ext>
+    </p:extLst>
+  </p:cSld>
+  <p:clrMapOvr>
+    <a:masterClrMapping/>
+  </p:clrMapOvr>
+</p:sld>
+</file>
+
+<file path=ppt/slides/slide5.xml><?xml version="1.0" encoding="utf-8"?>
+<p:sld xmlns:a="http://schemas.openxmlformats.org/drawingml/2006/main" xmlns:r="http://schemas.openxmlformats.org/officeDocument/2006/relationships" xmlns:p="http://schemas.openxmlformats.org/presentationml/2006/main">
+  <p:cSld>
+    <p:spTree>
+      <p:nvGrpSpPr>
+        <p:cNvPr id="1" name=""/>
+        <p:cNvGrpSpPr/>
+        <p:nvPr/>
+      </p:nvGrpSpPr>
+      <p:grpSpPr>
+        <a:xfrm>
+          <a:off x="0" y="0"/>
+          <a:ext cx="0" cy="0"/>
+          <a:chOff x="0" y="0"/>
+          <a:chExt cx="0" cy="0"/>
+        </a:xfrm>
+      </p:grpSpPr>
+      <p:sp>
+        <p:nvSpPr>
+          <p:cNvPr id="114690" name="Rectangle 2">
+            <a:extLst>
+              <a:ext uri="{FF2B5EF4-FFF2-40B4-BE49-F238E27FC236}">
+                <a16:creationId xmlns:a16="http://schemas.microsoft.com/office/drawing/2014/main" id="{E38F1BDF-7654-66E1-0814-7A6BC9C85A34}"/>
+              </a:ext>
+            </a:extLst>
+          </p:cNvPr>
+          <p:cNvSpPr>
+            <a:spLocks noGrp="1" noChangeArrowheads="1"/>
+          </p:cNvSpPr>
+          <p:nvPr>
+            <p:ph type="title"/>
+          </p:nvPr>
+        </p:nvSpPr>
+        <p:spPr>
+          <a:xfrm>
+            <a:off x="1871663" y="188913"/>
+            <a:ext cx="7092950" cy="647700"/>
+          </a:xfrm>
+        </p:spPr>
+        <p:txBody>
+          <a:bodyPr/>
+          <a:lstStyle/>
+          <a:p>
+            <a:endParaRPr lang="en-US" altLang="en-US">
+              <a:solidFill>
+                <a:schemeClr val="tx1"/>
+              </a:solidFill>
+            </a:endParaRPr>
+          </a:p>
+        </p:txBody>
+      </p:sp>
+      <p:sp>
+        <p:nvSpPr>
+          <p:cNvPr id="114691" name="Rectangle 3">
+            <a:extLst>
+              <a:ext uri="{FF2B5EF4-FFF2-40B4-BE49-F238E27FC236}">
+                <a16:creationId xmlns:a16="http://schemas.microsoft.com/office/drawing/2014/main" id="{C532EC86-DEA2-C8B9-0652-CDA52A320F51}"/>
+              </a:ext>
+            </a:extLst>
+          </p:cNvPr>
+          <p:cNvSpPr>
+            <a:spLocks noGrp="1" noChangeArrowheads="1"/>
+          </p:cNvSpPr>
+          <p:nvPr>
+            <p:ph type="body" idx="1"/>
+          </p:nvPr>
+        </p:nvSpPr>
+        <p:spPr>
+          <a:xfrm>
+            <a:off x="1860550" y="908050"/>
+            <a:ext cx="7104063" cy="5761038"/>
+          </a:xfrm>
+        </p:spPr>
+        <p:txBody>
+          <a:bodyPr/>
+          <a:lstStyle/>
+          <a:p>
+            <a:endParaRPr lang="en-US" altLang="en-US"/>
+          </a:p>
+        </p:txBody>
+      </p:sp>
+    </p:spTree>
+    <p:extLst>
+      <p:ext uri="{BB962C8B-B14F-4D97-AF65-F5344CB8AC3E}">
+        <p14:creationId xmlns:p14="http://schemas.microsoft.com/office/powerpoint/2010/main" val="1443540934"/>
+      </p:ext>
+    </p:extLst>
+  </p:cSld>
+  <p:clrMapOvr>
+    <a:masterClrMapping/>
+  </p:clrMapOvr>
+</p:sld>
+</file>
+
+<file path=ppt/slides/slide6.xml><?xml version="1.0" encoding="utf-8"?>
+<p:sld xmlns:a="http://schemas.openxmlformats.org/drawingml/2006/main" xmlns:r="http://schemas.openxmlformats.org/officeDocument/2006/relationships" xmlns:p="http://schemas.openxmlformats.org/presentationml/2006/main">
+  <p:cSld>
+    <p:spTree>
+      <p:nvGrpSpPr>
+        <p:cNvPr id="1" name=""/>
+        <p:cNvGrpSpPr/>
+        <p:nvPr/>
+      </p:nvGrpSpPr>
+      <p:grpSpPr>
+        <a:xfrm>
+          <a:off x="0" y="0"/>
+          <a:ext cx="0" cy="0"/>
+          <a:chOff x="0" y="0"/>
+          <a:chExt cx="0" cy="0"/>
+        </a:xfrm>
+      </p:grpSpPr>
+      <p:sp>
+        <p:nvSpPr>
+          <p:cNvPr id="2" name="Title 1">
+            <a:extLst>
+              <a:ext uri="{FF2B5EF4-FFF2-40B4-BE49-F238E27FC236}">
+                <a16:creationId xmlns:a16="http://schemas.microsoft.com/office/drawing/2014/main" id="{65F70101-2480-4920-3D6F-424F65D6E233}"/>
+              </a:ext>
+            </a:extLst>
+          </p:cNvPr>
+          <p:cNvSpPr>
+            <a:spLocks noGrp="1"/>
+          </p:cNvSpPr>
+          <p:nvPr>
+            <p:ph type="title"/>
+          </p:nvPr>
+        </p:nvSpPr>
+        <p:spPr/>
+        <p:txBody>
+          <a:bodyPr/>
+          <a:lstStyle/>
+          <a:p>
+            <a:r>
+              <a:rPr lang="en-US" dirty="0"/>
+              <a:t>Machine Learning Models</a:t>
+            </a:r>
+          </a:p>
+        </p:txBody>
+      </p:sp>
+      <p:sp>
+        <p:nvSpPr>
+          <p:cNvPr id="3" name="Content Placeholder 2">
+            <a:extLst>
+              <a:ext uri="{FF2B5EF4-FFF2-40B4-BE49-F238E27FC236}">
+                <a16:creationId xmlns:a16="http://schemas.microsoft.com/office/drawing/2014/main" id="{27E4D1F4-BC64-FC19-216E-265BDA4AEDA4}"/>
+              </a:ext>
+            </a:extLst>
+          </p:cNvPr>
+          <p:cNvSpPr>
+            <a:spLocks noGrp="1"/>
+          </p:cNvSpPr>
+          <p:nvPr>
+            <p:ph idx="1"/>
+          </p:nvPr>
+        </p:nvSpPr>
+        <p:spPr>
+          <a:xfrm>
+            <a:off x="1116013" y="1268413"/>
+            <a:ext cx="7777162" cy="5184774"/>
+          </a:xfrm>
+        </p:spPr>
+        <p:txBody>
+          <a:bodyPr/>
+          <a:lstStyle/>
+          <a:p>
+            <a:r>
+              <a:rPr lang="en-US" dirty="0"/>
+              <a:t>Random Forest</a:t>
+            </a:r>
+          </a:p>
+          <a:p>
+            <a:r>
+              <a:rPr lang="en-US" dirty="0"/>
+              <a:t>Logistic Regression</a:t>
+            </a:r>
+          </a:p>
+          <a:p>
+            <a:endParaRPr lang="en-US" dirty="0"/>
+          </a:p>
+          <a:p>
+            <a:pPr marL="0" indent="0">
+              <a:buNone/>
+            </a:pPr>
+            <a:r>
+              <a:rPr lang="en-US" sz="2400" dirty="0"/>
+              <a:t>Input features used for the model:</a:t>
+            </a:r>
+          </a:p>
+          <a:p>
+            <a:r>
+              <a:rPr lang="en-US" sz="1800" dirty="0"/>
+              <a:t>Description</a:t>
+            </a:r>
+          </a:p>
+          <a:p>
+            <a:r>
+              <a:rPr lang="en-US" sz="1800" dirty="0"/>
+              <a:t>Accident</a:t>
+            </a:r>
+          </a:p>
+          <a:p>
+            <a:r>
+              <a:rPr lang="en-US" sz="1800" dirty="0"/>
+              <a:t>Alcohol</a:t>
+            </a:r>
+          </a:p>
+          <a:p>
+            <a:r>
+              <a:rPr lang="en-US" sz="1800" dirty="0"/>
+              <a:t>Search Outcome</a:t>
+            </a:r>
+          </a:p>
+          <a:p>
+            <a:r>
+              <a:rPr lang="en-US" sz="1800" dirty="0"/>
+              <a:t>Violation Type</a:t>
+            </a:r>
+          </a:p>
+          <a:p>
+            <a:r>
+              <a:rPr lang="en-US" sz="1800" dirty="0"/>
+              <a:t>License Plate State Category</a:t>
+            </a:r>
+          </a:p>
+          <a:p>
+            <a:endParaRPr lang="en-US" sz="1800" dirty="0"/>
+          </a:p>
+          <a:p>
+            <a:pPr marL="0" indent="0">
+              <a:buNone/>
+            </a:pPr>
+            <a:r>
+              <a:rPr lang="en-US" sz="2400" dirty="0"/>
+              <a:t>Predicting value </a:t>
+            </a:r>
+            <a:r>
+              <a:rPr lang="en-US" sz="1800" dirty="0"/>
+              <a:t>: </a:t>
+            </a:r>
+          </a:p>
+          <a:p>
+            <a:r>
+              <a:rPr lang="en-US" sz="1800" dirty="0"/>
+              <a:t>Violation Type - [Citation/Warning]</a:t>
+            </a:r>
+          </a:p>
+          <a:p>
+            <a:endParaRPr lang="en-US" dirty="0"/>
+          </a:p>
+        </p:txBody>
+      </p:sp>
+    </p:spTree>
+    <p:extLst>
+      <p:ext uri="{BB962C8B-B14F-4D97-AF65-F5344CB8AC3E}">
+        <p14:creationId xmlns:p14="http://schemas.microsoft.com/office/powerpoint/2010/main" val="2208424213"/>
+      </p:ext>
+    </p:extLst>
+  </p:cSld>
+  <p:clrMapOvr>
+    <a:masterClrMapping/>
+  </p:clrMapOvr>
+</p:sld>
+</file>
+
+<file path=ppt/slides/slide7.xml><?xml version="1.0" encoding="utf-8"?>
+<p:sld xmlns:a="http://schemas.openxmlformats.org/drawingml/2006/main" xmlns:r="http://schemas.openxmlformats.org/officeDocument/2006/relationships" xmlns:p="http://schemas.openxmlformats.org/presentationml/2006/main">
+  <p:cSld>
+    <p:bg>
+      <p:bgPr>
+        <a:solidFill>
+          <a:schemeClr val="bg1"/>
+        </a:solidFill>
+        <a:effectLst/>
+      </p:bgPr>
+    </p:bg>
+    <p:spTree>
+      <p:nvGrpSpPr>
+        <p:cNvPr id="1" name=""/>
+        <p:cNvGrpSpPr/>
+        <p:nvPr/>
+      </p:nvGrpSpPr>
+      <p:grpSpPr>
+        <a:xfrm>
+          <a:off x="0" y="0"/>
+          <a:ext cx="0" cy="0"/>
+          <a:chOff x="0" y="0"/>
+          <a:chExt cx="0" cy="0"/>
+        </a:xfrm>
+      </p:grpSpPr>
+      <p:sp useBgFill="1">
+        <p:nvSpPr>
+          <p:cNvPr id="8" name="Rectangle 7">
+            <a:extLst>
+              <a:ext uri="{FF2B5EF4-FFF2-40B4-BE49-F238E27FC236}">
+                <a16:creationId xmlns:a16="http://schemas.microsoft.com/office/drawing/2014/main" id="{A8384FB5-9ADC-4DDC-881B-597D56F5B15D}"/>
+              </a:ext>
+              <a:ext uri="{C183D7F6-B498-43B3-948B-1728B52AA6E4}">
+                <adec:decorative xmlns:adec="http://schemas.microsoft.com/office/drawing/2017/decorative" val="1"/>
+              </a:ext>
+            </a:extLst>
+          </p:cNvPr>
+          <p:cNvSpPr>
+            <a:spLocks noGrp="1" noRot="1" noChangeAspect="1" noMove="1" noResize="1" noEditPoints="1" noAdjustHandles="1" noChangeArrowheads="1" noChangeShapeType="1" noTextEdit="1"/>
+          </p:cNvSpPr>
+          <p:nvPr>
+            <p:extLst>
+              <p:ext uri="{386F3935-93C4-4BCD-93E2-E3B085C9AB24}">
+                <p16:designElem xmlns:p16="http://schemas.microsoft.com/office/powerpoint/2015/main" val="1"/>
+              </p:ext>
+            </p:extLst>
+          </p:nvPr>
+        </p:nvSpPr>
+        <p:spPr>
+          <a:xfrm>
+            <a:off x="0" y="0"/>
+            <a:ext cx="9144000" cy="6858000"/>
+          </a:xfrm>
+          <a:prstGeom prst="rect">
+            <a:avLst/>
+          </a:prstGeom>
+          <a:ln w="12700" cap="flat" cmpd="sng" algn="ctr">
+            <a:noFill/>
+            <a:prstDash val="solid"/>
+            <a:miter lim="800000"/>
+          </a:ln>
+          <a:effectLst/>
+          <a:extLst>
+            <a:ext uri="{91240B29-F687-4F45-9708-019B960494DF}">
+              <a14:hiddenLine xmlns:a14="http://schemas.microsoft.com/office/drawing/2010/main" w="12700" cap="flat" cmpd="sng" algn="ctr">
+                <a:solidFill>
+                  <a:schemeClr val="accent1">
+                    <a:shade val="50000"/>
+                  </a:schemeClr>
+                </a:solidFill>
+                <a:prstDash val="solid"/>
+                <a:miter lim="800000"/>
+              </a14:hiddenLine>
+            </a:ext>
+          </a:extLst>
+        </p:spPr>
+        <p:style>
+          <a:lnRef idx="2">
+            <a:schemeClr val="accent1">
+              <a:shade val="50000"/>
+            </a:schemeClr>
+          </a:lnRef>
+          <a:fillRef idx="1">
+            <a:schemeClr val="accent1"/>
+          </a:fillRef>
+          <a:effectRef idx="0">
+            <a:schemeClr val="accent1"/>
+          </a:effectRef>
+          <a:fontRef idx="minor">
+            <a:schemeClr val="lt1"/>
+          </a:fontRef>
+        </p:style>
+        <p:txBody>
+          <a:bodyPr rtlCol="0" anchor="ctr"/>
+          <a:lstStyle/>
+          <a:p>
+            <a:pPr algn="ctr"/>
+            <a:endParaRPr lang="en-US"/>
+          </a:p>
+        </p:txBody>
+      </p:sp>
+      <p:sp>
+        <p:nvSpPr>
+          <p:cNvPr id="10" name="Rectangle 9">
+            <a:extLst>
+              <a:ext uri="{FF2B5EF4-FFF2-40B4-BE49-F238E27FC236}">
+                <a16:creationId xmlns:a16="http://schemas.microsoft.com/office/drawing/2014/main" id="{91E5A9A7-95C6-4F4F-B00E-C82E07FE62EF}"/>
+              </a:ext>
+              <a:ext uri="{C183D7F6-B498-43B3-948B-1728B52AA6E4}">
+                <adec:decorative xmlns:adec="http://schemas.microsoft.com/office/drawing/2017/decorative" val="1"/>
+              </a:ext>
+            </a:extLst>
+          </p:cNvPr>
+          <p:cNvSpPr>
+            <a:spLocks noGrp="1" noRot="1" noChangeAspect="1" noMove="1" noResize="1" noEditPoints="1" noAdjustHandles="1" noChangeArrowheads="1" noChangeShapeType="1" noTextEdit="1"/>
+          </p:cNvSpPr>
+          <p:nvPr>
+            <p:extLst>
+              <p:ext uri="{386F3935-93C4-4BCD-93E2-E3B085C9AB24}">
+                <p16:designElem xmlns:p16="http://schemas.microsoft.com/office/powerpoint/2015/main" val="1"/>
+              </p:ext>
+            </p:extLst>
+          </p:nvPr>
+        </p:nvSpPr>
+        <p:spPr>
+          <a:xfrm rot="5400000" flipH="1">
+            <a:off x="-1922632" y="1922631"/>
+            <a:ext cx="6875818" cy="3030558"/>
+          </a:xfrm>
+          <a:prstGeom prst="rect">
+            <a:avLst/>
+          </a:prstGeom>
+          <a:gradFill>
+            <a:gsLst>
+              <a:gs pos="0">
+                <a:srgbClr val="000000"/>
+              </a:gs>
+              <a:gs pos="100000">
+                <a:schemeClr val="accent1">
+                  <a:lumMod val="75000"/>
+                </a:schemeClr>
+              </a:gs>
+            </a:gsLst>
+            <a:lin ang="18600000" scaled="0"/>
+          </a:gradFill>
+          <a:ln>
+            <a:noFill/>
+          </a:ln>
+        </p:spPr>
+        <p:style>
+          <a:lnRef idx="2">
+            <a:schemeClr val="accent1">
+              <a:shade val="50000"/>
+            </a:schemeClr>
+          </a:lnRef>
+          <a:fillRef idx="1">
+            <a:schemeClr val="accent1"/>
+          </a:fillRef>
+          <a:effectRef idx="0">
+            <a:schemeClr val="accent1"/>
+          </a:effectRef>
+          <a:fontRef idx="minor">
+            <a:schemeClr val="lt1"/>
+          </a:fontRef>
+        </p:style>
+        <p:txBody>
+          <a:bodyPr rtlCol="0" anchor="ctr"/>
+          <a:lstStyle/>
+          <a:p>
+            <a:pPr algn="ctr"/>
+            <a:endParaRPr lang="en-US" dirty="0"/>
+          </a:p>
+        </p:txBody>
+      </p:sp>
+      <p:sp>
+        <p:nvSpPr>
+          <p:cNvPr id="12" name="Rectangle 11">
+            <a:extLst>
+              <a:ext uri="{FF2B5EF4-FFF2-40B4-BE49-F238E27FC236}">
+                <a16:creationId xmlns:a16="http://schemas.microsoft.com/office/drawing/2014/main" id="{D07DD2DE-F619-49DD-B5E7-03A290FF4ED1}"/>
+              </a:ext>
+              <a:ext uri="{C183D7F6-B498-43B3-948B-1728B52AA6E4}">
+                <adec:decorative xmlns:adec="http://schemas.microsoft.com/office/drawing/2017/decorative" val="1"/>
+              </a:ext>
+            </a:extLst>
+          </p:cNvPr>
+          <p:cNvSpPr>
+            <a:spLocks noGrp="1" noRot="1" noChangeAspect="1" noMove="1" noResize="1" noEditPoints="1" noAdjustHandles="1" noChangeArrowheads="1" noChangeShapeType="1" noTextEdit="1"/>
+          </p:cNvSpPr>
+          <p:nvPr>
+            <p:extLst>
+              <p:ext uri="{386F3935-93C4-4BCD-93E2-E3B085C9AB24}">
+                <p16:designElem xmlns:p16="http://schemas.microsoft.com/office/powerpoint/2015/main" val="1"/>
+              </p:ext>
+            </p:extLst>
+          </p:nvPr>
+        </p:nvSpPr>
+        <p:spPr>
+          <a:xfrm rot="16200000">
+            <a:off x="-663321" y="3165298"/>
+            <a:ext cx="4355594" cy="3028952"/>
+          </a:xfrm>
+          <a:prstGeom prst="rect">
+            <a:avLst/>
+          </a:prstGeom>
+          <a:gradFill>
+            <a:gsLst>
+              <a:gs pos="0">
+                <a:schemeClr val="accent1">
+                  <a:alpha val="50000"/>
+                </a:schemeClr>
+              </a:gs>
+              <a:gs pos="100000">
+                <a:schemeClr val="accent1">
+                  <a:lumMod val="50000"/>
+                  <a:alpha val="0"/>
+                </a:schemeClr>
+              </a:gs>
+            </a:gsLst>
+            <a:lin ang="11400000" scaled="0"/>
+          </a:gradFill>
+          <a:ln>
+            <a:noFill/>
+          </a:ln>
+        </p:spPr>
+        <p:style>
+          <a:lnRef idx="2">
+            <a:schemeClr val="accent1">
+              <a:shade val="50000"/>
+            </a:schemeClr>
+          </a:lnRef>
+          <a:fillRef idx="1">
+            <a:schemeClr val="accent1"/>
+          </a:fillRef>
+          <a:effectRef idx="0">
+            <a:schemeClr val="accent1"/>
+          </a:effectRef>
+          <a:fontRef idx="minor">
+            <a:schemeClr val="lt1"/>
+          </a:fontRef>
+        </p:style>
+        <p:txBody>
+          <a:bodyPr rtlCol="0" anchor="ctr"/>
+          <a:lstStyle/>
+          <a:p>
+            <a:pPr algn="ctr"/>
+            <a:endParaRPr lang="en-US"/>
+          </a:p>
+        </p:txBody>
+      </p:sp>
+      <p:sp>
+        <p:nvSpPr>
+          <p:cNvPr id="14" name="Rectangle 13">
+            <a:extLst>
+              <a:ext uri="{FF2B5EF4-FFF2-40B4-BE49-F238E27FC236}">
+                <a16:creationId xmlns:a16="http://schemas.microsoft.com/office/drawing/2014/main" id="{85149191-5F60-4A28-AAFF-039F96B0F3EC}"/>
+              </a:ext>
+              <a:ext uri="{C183D7F6-B498-43B3-948B-1728B52AA6E4}">
+                <adec:decorative xmlns:adec="http://schemas.microsoft.com/office/drawing/2017/decorative" val="1"/>
+              </a:ext>
+            </a:extLst>
+          </p:cNvPr>
+          <p:cNvSpPr>
+            <a:spLocks noGrp="1" noRot="1" noChangeAspect="1" noMove="1" noResize="1" noEditPoints="1" noAdjustHandles="1" noChangeArrowheads="1" noChangeShapeType="1" noTextEdit="1"/>
+          </p:cNvSpPr>
+          <p:nvPr>
+            <p:extLst>
+              <p:ext uri="{386F3935-93C4-4BCD-93E2-E3B085C9AB24}">
+                <p16:designElem xmlns:p16="http://schemas.microsoft.com/office/powerpoint/2015/main" val="1"/>
+              </p:ext>
+            </p:extLst>
+          </p:nvPr>
+        </p:nvSpPr>
+        <p:spPr>
+          <a:xfrm rot="16200000" flipH="1">
+            <a:off x="-1742858" y="2085760"/>
+            <a:ext cx="6857572" cy="2686051"/>
+          </a:xfrm>
+          <a:prstGeom prst="rect">
+            <a:avLst/>
+          </a:prstGeom>
+          <a:gradFill>
+            <a:gsLst>
+              <a:gs pos="0">
+                <a:srgbClr val="000000">
+                  <a:alpha val="59000"/>
+                </a:srgbClr>
+              </a:gs>
+              <a:gs pos="69000">
+                <a:schemeClr val="accent1">
+                  <a:alpha val="0"/>
+                </a:schemeClr>
+              </a:gs>
+            </a:gsLst>
+            <a:lin ang="13200000" scaled="0"/>
+          </a:gradFill>
+          <a:ln>
+            <a:noFill/>
+          </a:ln>
+        </p:spPr>
+        <p:style>
+          <a:lnRef idx="2">
+            <a:schemeClr val="accent1">
+              <a:shade val="50000"/>
+            </a:schemeClr>
+          </a:lnRef>
+          <a:fillRef idx="1">
+            <a:schemeClr val="accent1"/>
+          </a:fillRef>
+          <a:effectRef idx="0">
+            <a:schemeClr val="accent1"/>
+          </a:effectRef>
+          <a:fontRef idx="minor">
+            <a:schemeClr val="lt1"/>
+          </a:fontRef>
+        </p:style>
+        <p:txBody>
+          <a:bodyPr rtlCol="0" anchor="ctr"/>
+          <a:lstStyle/>
+          <a:p>
+            <a:pPr algn="ctr"/>
+            <a:endParaRPr lang="en-US" dirty="0"/>
+          </a:p>
+        </p:txBody>
+      </p:sp>
+      <p:sp>
+        <p:nvSpPr>
+          <p:cNvPr id="16" name="Freeform: Shape 15">
+            <a:extLst>
+              <a:ext uri="{FF2B5EF4-FFF2-40B4-BE49-F238E27FC236}">
+                <a16:creationId xmlns:a16="http://schemas.microsoft.com/office/drawing/2014/main" id="{F8260ED5-17F7-4158-B241-D51DD4CF1B7E}"/>
+              </a:ext>
+              <a:ext uri="{C183D7F6-B498-43B3-948B-1728B52AA6E4}">
+                <adec:decorative xmlns:adec="http://schemas.microsoft.com/office/drawing/2017/decorative" val="1"/>
+              </a:ext>
+            </a:extLst>
+          </p:cNvPr>
+          <p:cNvSpPr>
+            <a:spLocks noGrp="1" noRot="1" noChangeAspect="1" noMove="1" noResize="1" noEditPoints="1" noAdjustHandles="1" noChangeArrowheads="1" noChangeShapeType="1" noTextEdit="1"/>
+          </p:cNvSpPr>
+          <p:nvPr>
+            <p:extLst>
+              <p:ext uri="{386F3935-93C4-4BCD-93E2-E3B085C9AB24}">
+                <p16:designElem xmlns:p16="http://schemas.microsoft.com/office/powerpoint/2015/main" val="1"/>
+              </p:ext>
+            </p:extLst>
+          </p:nvPr>
+        </p:nvSpPr>
+        <p:spPr>
+          <a:xfrm rot="6097846">
+            <a:off x="-1161554" y="1712395"/>
+            <a:ext cx="4808302" cy="3066500"/>
+          </a:xfrm>
+          <a:custGeom>
+            <a:avLst/>
+            <a:gdLst>
+              <a:gd name="connsiteX0" fmla="*/ 48844 w 4808302"/>
+              <a:gd name="connsiteY0" fmla="*/ 2888671 h 4088666"/>
+              <a:gd name="connsiteX1" fmla="*/ 0 w 4808302"/>
+              <a:gd name="connsiteY1" fmla="*/ 2404151 h 4088666"/>
+              <a:gd name="connsiteX2" fmla="*/ 2404151 w 4808302"/>
+              <a:gd name="connsiteY2" fmla="*/ 0 h 4088666"/>
+              <a:gd name="connsiteX3" fmla="*/ 4808302 w 4808302"/>
+              <a:gd name="connsiteY3" fmla="*/ 2404151 h 4088666"/>
+              <a:gd name="connsiteX4" fmla="*/ 4700216 w 4808302"/>
+              <a:gd name="connsiteY4" fmla="*/ 3119072 h 4088666"/>
+              <a:gd name="connsiteX5" fmla="*/ 4643143 w 4808302"/>
+              <a:gd name="connsiteY5" fmla="*/ 3275009 h 4088666"/>
+              <a:gd name="connsiteX6" fmla="*/ 690093 w 4808302"/>
+              <a:gd name="connsiteY6" fmla="*/ 4088666 h 4088666"/>
+              <a:gd name="connsiteX7" fmla="*/ 548991 w 4808302"/>
+              <a:gd name="connsiteY7" fmla="*/ 3933414 h 4088666"/>
+              <a:gd name="connsiteX8" fmla="*/ 48844 w 4808302"/>
+              <a:gd name="connsiteY8" fmla="*/ 2888671 h 4088666"/>
+            </a:gdLst>
+            <a:ahLst/>
+            <a:cxnLst>
+              <a:cxn ang="0">
+                <a:pos x="connsiteX0" y="connsiteY0"/>
+              </a:cxn>
+              <a:cxn ang="0">
+                <a:pos x="connsiteX1" y="connsiteY1"/>
+              </a:cxn>
+              <a:cxn ang="0">
+                <a:pos x="connsiteX2" y="connsiteY2"/>
+              </a:cxn>
+              <a:cxn ang="0">
+                <a:pos x="connsiteX3" y="connsiteY3"/>
+              </a:cxn>
+              <a:cxn ang="0">
+                <a:pos x="connsiteX4" y="connsiteY4"/>
+              </a:cxn>
+              <a:cxn ang="0">
+                <a:pos x="connsiteX5" y="connsiteY5"/>
+              </a:cxn>
+              <a:cxn ang="0">
+                <a:pos x="connsiteX6" y="connsiteY6"/>
+              </a:cxn>
+              <a:cxn ang="0">
+                <a:pos x="connsiteX7" y="connsiteY7"/>
+              </a:cxn>
+              <a:cxn ang="0">
+                <a:pos x="connsiteX8" y="connsiteY8"/>
+              </a:cxn>
+            </a:cxnLst>
+            <a:rect l="l" t="t" r="r" b="b"/>
+            <a:pathLst>
+              <a:path w="4808302" h="4088666">
+                <a:moveTo>
+                  <a:pt x="48844" y="2888671"/>
+                </a:moveTo>
+                <a:cubicBezTo>
+                  <a:pt x="16818" y="2732167"/>
+                  <a:pt x="0" y="2570123"/>
+                  <a:pt x="0" y="2404151"/>
+                </a:cubicBezTo>
+                <a:cubicBezTo>
+                  <a:pt x="0" y="1076375"/>
+                  <a:pt x="1076375" y="0"/>
+                  <a:pt x="2404151" y="0"/>
+                </a:cubicBezTo>
+                <a:cubicBezTo>
+                  <a:pt x="3731927" y="0"/>
+                  <a:pt x="4808302" y="1076375"/>
+                  <a:pt x="4808302" y="2404151"/>
+                </a:cubicBezTo>
+                <a:cubicBezTo>
+                  <a:pt x="4808302" y="2653109"/>
+                  <a:pt x="4770461" y="2893229"/>
+                  <a:pt x="4700216" y="3119072"/>
+                </a:cubicBezTo>
+                <a:lnTo>
+                  <a:pt x="4643143" y="3275009"/>
+                </a:lnTo>
+                <a:lnTo>
+                  <a:pt x="690093" y="4088666"/>
+                </a:lnTo>
+                <a:lnTo>
+                  <a:pt x="548991" y="3933414"/>
+                </a:lnTo>
+                <a:cubicBezTo>
+                  <a:pt x="304015" y="3636572"/>
+                  <a:pt x="128908" y="3279932"/>
+                  <a:pt x="48844" y="2888671"/>
+                </a:cubicBezTo>
+                <a:close/>
+              </a:path>
+            </a:pathLst>
+          </a:custGeom>
+          <a:gradFill>
+            <a:gsLst>
+              <a:gs pos="39000">
+                <a:schemeClr val="accent1">
+                  <a:lumMod val="60000"/>
+                  <a:lumOff val="40000"/>
+                  <a:alpha val="0"/>
+                </a:schemeClr>
+              </a:gs>
+              <a:gs pos="100000">
+                <a:schemeClr val="accent1">
+                  <a:lumMod val="75000"/>
+                  <a:alpha val="26000"/>
+                </a:schemeClr>
+              </a:gs>
+            </a:gsLst>
+            <a:lin ang="18600000" scaled="0"/>
+          </a:gradFill>
+          <a:ln>
+            <a:noFill/>
+          </a:ln>
+        </p:spPr>
+        <p:style>
+          <a:lnRef idx="2">
+            <a:schemeClr val="accent1">
+              <a:shade val="50000"/>
+            </a:schemeClr>
+          </a:lnRef>
+          <a:fillRef idx="1">
+            <a:schemeClr val="accent1"/>
+          </a:fillRef>
+          <a:effectRef idx="0">
+            <a:schemeClr val="accent1"/>
+          </a:effectRef>
+          <a:fontRef idx="minor">
+            <a:schemeClr val="lt1"/>
+          </a:fontRef>
+        </p:style>
+        <p:txBody>
+          <a:bodyPr wrap="square" rtlCol="0" anchor="ctr">
+            <a:noAutofit/>
+          </a:bodyPr>
+          <a:lstStyle/>
+          <a:p>
+            <a:pPr algn="ctr"/>
+            <a:endParaRPr lang="en-US" dirty="0"/>
+          </a:p>
+        </p:txBody>
+      </p:sp>
+      <p:sp>
+        <p:nvSpPr>
+          <p:cNvPr id="2" name="Title 1">
+            <a:extLst>
+              <a:ext uri="{FF2B5EF4-FFF2-40B4-BE49-F238E27FC236}">
+                <a16:creationId xmlns:a16="http://schemas.microsoft.com/office/drawing/2014/main" id="{2D568483-CF48-E6E4-7E9C-C592AF0A47B5}"/>
+              </a:ext>
+            </a:extLst>
+          </p:cNvPr>
+          <p:cNvSpPr>
+            <a:spLocks noGrp="1"/>
+          </p:cNvSpPr>
+          <p:nvPr>
+            <p:ph type="title"/>
+          </p:nvPr>
+        </p:nvSpPr>
+        <p:spPr>
+          <a:xfrm>
+            <a:off x="495030" y="2767106"/>
+            <a:ext cx="2160621" cy="3071906"/>
+          </a:xfrm>
+        </p:spPr>
+        <p:txBody>
+          <a:bodyPr vert="horz" lIns="91440" tIns="45720" rIns="91440" bIns="45720" rtlCol="0" anchor="t">
+            <a:normAutofit/>
+          </a:bodyPr>
+          <a:lstStyle/>
+          <a:p>
+            <a:pPr>
+              <a:lnSpc>
+                <a:spcPct val="90000"/>
+              </a:lnSpc>
+            </a:pPr>
+            <a:r>
+              <a:rPr lang="en-US" sz="3500" kern="1200">
+                <a:solidFill>
+                  <a:srgbClr val="FFFFFF"/>
+                </a:solidFill>
+                <a:latin typeface="+mj-lt"/>
+                <a:ea typeface="+mj-ea"/>
+                <a:cs typeface="+mj-cs"/>
+              </a:rPr>
+              <a:t>Randon Forest - Results</a:t>
+            </a:r>
+          </a:p>
+        </p:txBody>
+      </p:sp>
+      <p:pic>
+        <p:nvPicPr>
+          <p:cNvPr id="3" name="Picture 2" descr="A screenshot of a computer screen&#10;&#10;Description automatically generated">
+            <a:extLst>
+              <a:ext uri="{FF2B5EF4-FFF2-40B4-BE49-F238E27FC236}">
+                <a16:creationId xmlns:a16="http://schemas.microsoft.com/office/drawing/2014/main" id="{38AAF441-D593-C532-84F1-38F4B560FA47}"/>
+              </a:ext>
+            </a:extLst>
+          </p:cNvPr>
+          <p:cNvPicPr>
+            <a:picLocks noChangeAspect="1"/>
+          </p:cNvPicPr>
+          <p:nvPr/>
+        </p:nvPicPr>
+        <p:blipFill>
+          <a:blip r:embed="rId2">
+            <a:extLst>
+              <a:ext uri="{28A0092B-C50C-407E-A947-70E740481C1C}">
+                <a14:useLocalDpi xmlns:a14="http://schemas.microsoft.com/office/drawing/2010/main" val="0"/>
+              </a:ext>
+            </a:extLst>
+          </a:blip>
+          <a:stretch>
+            <a:fillRect/>
+          </a:stretch>
+        </p:blipFill>
+        <p:spPr>
+          <a:xfrm>
+            <a:off x="3381787" y="2209800"/>
+            <a:ext cx="5419311" cy="4140609"/>
+          </a:xfrm>
+          <a:prstGeom prst="rect">
+            <a:avLst/>
+          </a:prstGeom>
+        </p:spPr>
+      </p:pic>
+      <p:sp>
+        <p:nvSpPr>
+          <p:cNvPr id="4" name="TextBox 3">
+            <a:extLst>
+              <a:ext uri="{FF2B5EF4-FFF2-40B4-BE49-F238E27FC236}">
+                <a16:creationId xmlns:a16="http://schemas.microsoft.com/office/drawing/2014/main" id="{9D31E4A2-7819-9BA6-6089-475409DDF0A6}"/>
+              </a:ext>
+            </a:extLst>
+          </p:cNvPr>
+          <p:cNvSpPr txBox="1"/>
+          <p:nvPr/>
+        </p:nvSpPr>
+        <p:spPr>
+          <a:xfrm>
+            <a:off x="3376821" y="581748"/>
+            <a:ext cx="5157579" cy="1415772"/>
+          </a:xfrm>
+          <a:prstGeom prst="rect">
+            <a:avLst/>
+          </a:prstGeom>
+          <a:noFill/>
+        </p:spPr>
+        <p:txBody>
+          <a:bodyPr wrap="square" rtlCol="0">
+            <a:spAutoFit/>
+          </a:bodyPr>
+          <a:lstStyle/>
+          <a:p>
+            <a:r>
+              <a:rPr lang="en-US" b="1" dirty="0">
+                <a:solidFill>
+                  <a:schemeClr val="accent1"/>
+                </a:solidFill>
+                <a:latin typeface="+mj-lt"/>
+              </a:rPr>
+              <a:t>Accuracy Score</a:t>
+            </a:r>
+            <a:r>
+              <a:rPr lang="en-US" dirty="0">
+                <a:latin typeface="+mj-lt"/>
+              </a:rPr>
+              <a:t>: </a:t>
+            </a:r>
+            <a:r>
+              <a:rPr lang="en-US" dirty="0">
+                <a:solidFill>
+                  <a:schemeClr val="accent1"/>
+                </a:solidFill>
+                <a:highlight>
+                  <a:srgbClr val="00FF00"/>
+                </a:highlight>
+                <a:latin typeface="+mj-lt"/>
+              </a:rPr>
+              <a:t>81.5%</a:t>
+            </a:r>
+          </a:p>
+          <a:p>
+            <a:pPr marL="285750" indent="-285750">
+              <a:buFont typeface="Wingdings" panose="05000000000000000000" pitchFamily="2" charset="2"/>
+              <a:buChar char="v"/>
+            </a:pPr>
+            <a:endParaRPr lang="en-US" dirty="0">
+              <a:latin typeface="+mj-lt"/>
+            </a:endParaRPr>
+          </a:p>
+          <a:p>
+            <a:pPr marL="285750" indent="-285750">
+              <a:buFont typeface="Wingdings" panose="05000000000000000000" pitchFamily="2" charset="2"/>
+              <a:buChar char="v"/>
+            </a:pPr>
+            <a:r>
+              <a:rPr lang="en-US" sz="1600" dirty="0">
+                <a:solidFill>
+                  <a:schemeClr val="accent1"/>
+                </a:solidFill>
+                <a:latin typeface="+mj-lt"/>
+              </a:rPr>
+              <a:t>Citation – Precision - </a:t>
+            </a:r>
+            <a:r>
+              <a:rPr lang="en-US" sz="1600" dirty="0">
+                <a:solidFill>
+                  <a:schemeClr val="accent1"/>
+                </a:solidFill>
+                <a:highlight>
+                  <a:srgbClr val="00FFFF"/>
+                </a:highlight>
+                <a:latin typeface="+mj-lt"/>
+              </a:rPr>
+              <a:t>85%</a:t>
+            </a:r>
+            <a:r>
+              <a:rPr lang="en-US" sz="1600" dirty="0">
+                <a:solidFill>
+                  <a:schemeClr val="accent1"/>
+                </a:solidFill>
+                <a:latin typeface="+mj-lt"/>
+              </a:rPr>
+              <a:t>, Recall – 73%</a:t>
+            </a:r>
+          </a:p>
+          <a:p>
+            <a:pPr marL="285750" indent="-285750">
+              <a:buFont typeface="Wingdings" panose="05000000000000000000" pitchFamily="2" charset="2"/>
+              <a:buChar char="v"/>
+            </a:pPr>
+            <a:r>
+              <a:rPr lang="en-US" sz="1600" dirty="0">
+                <a:solidFill>
+                  <a:schemeClr val="accent1"/>
+                </a:solidFill>
+                <a:latin typeface="+mj-lt"/>
+              </a:rPr>
+              <a:t>Warning - Precision - </a:t>
+            </a:r>
+            <a:r>
+              <a:rPr lang="en-US" sz="1600" dirty="0">
+                <a:solidFill>
+                  <a:schemeClr val="accent1"/>
+                </a:solidFill>
+                <a:highlight>
+                  <a:srgbClr val="00FFFF"/>
+                </a:highlight>
+                <a:latin typeface="+mj-lt"/>
+              </a:rPr>
+              <a:t>80%</a:t>
+            </a:r>
+            <a:r>
+              <a:rPr lang="en-US" sz="1600" dirty="0">
+                <a:solidFill>
+                  <a:schemeClr val="accent1"/>
+                </a:solidFill>
+                <a:latin typeface="+mj-lt"/>
+              </a:rPr>
+              <a:t>, Recall – 89%</a:t>
+            </a:r>
+          </a:p>
+          <a:p>
+            <a:endParaRPr lang="en-US" dirty="0"/>
+          </a:p>
+        </p:txBody>
+      </p:sp>
+    </p:spTree>
+    <p:extLst>
+      <p:ext uri="{BB962C8B-B14F-4D97-AF65-F5344CB8AC3E}">
+        <p14:creationId xmlns:p14="http://schemas.microsoft.com/office/powerpoint/2010/main" val="680655206"/>
+      </p:ext>
+    </p:extLst>
+  </p:cSld>
+  <p:clrMapOvr>
+    <a:masterClrMapping/>
+  </p:clrMapOvr>
+</p:sld>
+</file>
+
+<file path=ppt/slides/slide8.xml><?xml version="1.0" encoding="utf-8"?>
+<p:sld xmlns:a="http://schemas.openxmlformats.org/drawingml/2006/main" xmlns:r="http://schemas.openxmlformats.org/officeDocument/2006/relationships" xmlns:p="http://schemas.openxmlformats.org/presentationml/2006/main">
+  <p:cSld>
+    <p:bg>
+      <p:bgPr>
+        <a:solidFill>
+          <a:schemeClr val="bg1"/>
+        </a:solidFill>
+        <a:effectLst/>
+      </p:bgPr>
+    </p:bg>
+    <p:spTree>
+      <p:nvGrpSpPr>
+        <p:cNvPr id="1" name=""/>
+        <p:cNvGrpSpPr/>
+        <p:nvPr/>
+      </p:nvGrpSpPr>
+      <p:grpSpPr>
+        <a:xfrm>
+          <a:off x="0" y="0"/>
+          <a:ext cx="0" cy="0"/>
+          <a:chOff x="0" y="0"/>
+          <a:chExt cx="0" cy="0"/>
+        </a:xfrm>
+      </p:grpSpPr>
+      <p:sp useBgFill="1">
+        <p:nvSpPr>
+          <p:cNvPr id="8" name="Rectangle 7">
+            <a:extLst>
+              <a:ext uri="{FF2B5EF4-FFF2-40B4-BE49-F238E27FC236}">
+                <a16:creationId xmlns:a16="http://schemas.microsoft.com/office/drawing/2014/main" id="{A8384FB5-9ADC-4DDC-881B-597D56F5B15D}"/>
+              </a:ext>
+              <a:ext uri="{C183D7F6-B498-43B3-948B-1728B52AA6E4}">
+                <adec:decorative xmlns:adec="http://schemas.microsoft.com/office/drawing/2017/decorative" val="1"/>
+              </a:ext>
+            </a:extLst>
+          </p:cNvPr>
+          <p:cNvSpPr>
+            <a:spLocks noGrp="1" noRot="1" noChangeAspect="1" noMove="1" noResize="1" noEditPoints="1" noAdjustHandles="1" noChangeArrowheads="1" noChangeShapeType="1" noTextEdit="1"/>
+          </p:cNvSpPr>
+          <p:nvPr>
+            <p:extLst>
+              <p:ext uri="{386F3935-93C4-4BCD-93E2-E3B085C9AB24}">
+                <p16:designElem xmlns:p16="http://schemas.microsoft.com/office/powerpoint/2015/main" val="1"/>
+              </p:ext>
+            </p:extLst>
+          </p:nvPr>
+        </p:nvSpPr>
+        <p:spPr>
+          <a:xfrm>
+            <a:off x="0" y="0"/>
+            <a:ext cx="9144000" cy="6858000"/>
+          </a:xfrm>
+          <a:prstGeom prst="rect">
+            <a:avLst/>
+          </a:prstGeom>
+          <a:ln w="12700" cap="flat" cmpd="sng" algn="ctr">
+            <a:noFill/>
+            <a:prstDash val="solid"/>
+            <a:miter lim="800000"/>
+          </a:ln>
+          <a:effectLst/>
+          <a:extLst>
+            <a:ext uri="{91240B29-F687-4F45-9708-019B960494DF}">
+              <a14:hiddenLine xmlns:a14="http://schemas.microsoft.com/office/drawing/2010/main" w="12700" cap="flat" cmpd="sng" algn="ctr">
+                <a:solidFill>
+                  <a:schemeClr val="accent1">
+                    <a:shade val="50000"/>
+                  </a:schemeClr>
+                </a:solidFill>
+                <a:prstDash val="solid"/>
+                <a:miter lim="800000"/>
+              </a14:hiddenLine>
+            </a:ext>
+          </a:extLst>
+        </p:spPr>
+        <p:style>
+          <a:lnRef idx="2">
+            <a:schemeClr val="accent1">
+              <a:shade val="50000"/>
+            </a:schemeClr>
+          </a:lnRef>
+          <a:fillRef idx="1">
+            <a:schemeClr val="accent1"/>
+          </a:fillRef>
+          <a:effectRef idx="0">
+            <a:schemeClr val="accent1"/>
+          </a:effectRef>
+          <a:fontRef idx="minor">
+            <a:schemeClr val="lt1"/>
+          </a:fontRef>
+        </p:style>
+        <p:txBody>
+          <a:bodyPr rtlCol="0" anchor="ctr"/>
+          <a:lstStyle/>
+          <a:p>
+            <a:pPr algn="ctr"/>
+            <a:endParaRPr lang="en-US"/>
+          </a:p>
+        </p:txBody>
+      </p:sp>
+      <p:sp>
+        <p:nvSpPr>
+          <p:cNvPr id="10" name="Rectangle 9">
+            <a:extLst>
+              <a:ext uri="{FF2B5EF4-FFF2-40B4-BE49-F238E27FC236}">
+                <a16:creationId xmlns:a16="http://schemas.microsoft.com/office/drawing/2014/main" id="{91E5A9A7-95C6-4F4F-B00E-C82E07FE62EF}"/>
+              </a:ext>
+              <a:ext uri="{C183D7F6-B498-43B3-948B-1728B52AA6E4}">
+                <adec:decorative xmlns:adec="http://schemas.microsoft.com/office/drawing/2017/decorative" val="1"/>
+              </a:ext>
+            </a:extLst>
+          </p:cNvPr>
+          <p:cNvSpPr>
+            <a:spLocks noGrp="1" noRot="1" noChangeAspect="1" noMove="1" noResize="1" noEditPoints="1" noAdjustHandles="1" noChangeArrowheads="1" noChangeShapeType="1" noTextEdit="1"/>
+          </p:cNvSpPr>
+          <p:nvPr>
+            <p:extLst>
+              <p:ext uri="{386F3935-93C4-4BCD-93E2-E3B085C9AB24}">
+                <p16:designElem xmlns:p16="http://schemas.microsoft.com/office/powerpoint/2015/main" val="1"/>
+              </p:ext>
+            </p:extLst>
+          </p:nvPr>
+        </p:nvSpPr>
+        <p:spPr>
+          <a:xfrm rot="5400000" flipH="1">
+            <a:off x="-1922632" y="1922631"/>
+            <a:ext cx="6875818" cy="3030558"/>
+          </a:xfrm>
+          <a:prstGeom prst="rect">
+            <a:avLst/>
+          </a:prstGeom>
+          <a:gradFill>
+            <a:gsLst>
+              <a:gs pos="0">
+                <a:srgbClr val="000000"/>
+              </a:gs>
+              <a:gs pos="100000">
+                <a:schemeClr val="accent1">
+                  <a:lumMod val="75000"/>
+                </a:schemeClr>
+              </a:gs>
+            </a:gsLst>
+            <a:lin ang="18600000" scaled="0"/>
+          </a:gradFill>
+          <a:ln>
+            <a:noFill/>
+          </a:ln>
+        </p:spPr>
+        <p:style>
+          <a:lnRef idx="2">
+            <a:schemeClr val="accent1">
+              <a:shade val="50000"/>
+            </a:schemeClr>
+          </a:lnRef>
+          <a:fillRef idx="1">
+            <a:schemeClr val="accent1"/>
+          </a:fillRef>
+          <a:effectRef idx="0">
+            <a:schemeClr val="accent1"/>
+          </a:effectRef>
+          <a:fontRef idx="minor">
+            <a:schemeClr val="lt1"/>
+          </a:fontRef>
+        </p:style>
+        <p:txBody>
+          <a:bodyPr rtlCol="0" anchor="ctr"/>
+          <a:lstStyle/>
+          <a:p>
+            <a:pPr algn="ctr"/>
+            <a:endParaRPr lang="en-US" dirty="0"/>
+          </a:p>
+        </p:txBody>
+      </p:sp>
+      <p:sp>
+        <p:nvSpPr>
+          <p:cNvPr id="12" name="Rectangle 11">
+            <a:extLst>
+              <a:ext uri="{FF2B5EF4-FFF2-40B4-BE49-F238E27FC236}">
+                <a16:creationId xmlns:a16="http://schemas.microsoft.com/office/drawing/2014/main" id="{D07DD2DE-F619-49DD-B5E7-03A290FF4ED1}"/>
+              </a:ext>
+              <a:ext uri="{C183D7F6-B498-43B3-948B-1728B52AA6E4}">
+                <adec:decorative xmlns:adec="http://schemas.microsoft.com/office/drawing/2017/decorative" val="1"/>
+              </a:ext>
+            </a:extLst>
+          </p:cNvPr>
+          <p:cNvSpPr>
+            <a:spLocks noGrp="1" noRot="1" noChangeAspect="1" noMove="1" noResize="1" noEditPoints="1" noAdjustHandles="1" noChangeArrowheads="1" noChangeShapeType="1" noTextEdit="1"/>
+          </p:cNvSpPr>
+          <p:nvPr>
+            <p:extLst>
+              <p:ext uri="{386F3935-93C4-4BCD-93E2-E3B085C9AB24}">
+                <p16:designElem xmlns:p16="http://schemas.microsoft.com/office/powerpoint/2015/main" val="1"/>
+              </p:ext>
+            </p:extLst>
+          </p:nvPr>
+        </p:nvSpPr>
+        <p:spPr>
+          <a:xfrm rot="16200000">
+            <a:off x="-663321" y="3165298"/>
+            <a:ext cx="4355594" cy="3028952"/>
+          </a:xfrm>
+          <a:prstGeom prst="rect">
+            <a:avLst/>
+          </a:prstGeom>
+          <a:gradFill>
+            <a:gsLst>
+              <a:gs pos="0">
+                <a:schemeClr val="accent1">
+                  <a:alpha val="50000"/>
+                </a:schemeClr>
+              </a:gs>
+              <a:gs pos="100000">
+                <a:schemeClr val="accent1">
+                  <a:lumMod val="50000"/>
+                  <a:alpha val="0"/>
+                </a:schemeClr>
+              </a:gs>
+            </a:gsLst>
+            <a:lin ang="11400000" scaled="0"/>
+          </a:gradFill>
+          <a:ln>
+            <a:noFill/>
+          </a:ln>
+        </p:spPr>
+        <p:style>
+          <a:lnRef idx="2">
+            <a:schemeClr val="accent1">
+              <a:shade val="50000"/>
+            </a:schemeClr>
+          </a:lnRef>
+          <a:fillRef idx="1">
+            <a:schemeClr val="accent1"/>
+          </a:fillRef>
+          <a:effectRef idx="0">
+            <a:schemeClr val="accent1"/>
+          </a:effectRef>
+          <a:fontRef idx="minor">
+            <a:schemeClr val="lt1"/>
+          </a:fontRef>
+        </p:style>
+        <p:txBody>
+          <a:bodyPr rtlCol="0" anchor="ctr"/>
+          <a:lstStyle/>
+          <a:p>
+            <a:pPr algn="ctr"/>
+            <a:endParaRPr lang="en-US"/>
+          </a:p>
+        </p:txBody>
+      </p:sp>
+      <p:sp>
+        <p:nvSpPr>
+          <p:cNvPr id="14" name="Rectangle 13">
+            <a:extLst>
+              <a:ext uri="{FF2B5EF4-FFF2-40B4-BE49-F238E27FC236}">
+                <a16:creationId xmlns:a16="http://schemas.microsoft.com/office/drawing/2014/main" id="{85149191-5F60-4A28-AAFF-039F96B0F3EC}"/>
+              </a:ext>
+              <a:ext uri="{C183D7F6-B498-43B3-948B-1728B52AA6E4}">
+                <adec:decorative xmlns:adec="http://schemas.microsoft.com/office/drawing/2017/decorative" val="1"/>
+              </a:ext>
+            </a:extLst>
+          </p:cNvPr>
+          <p:cNvSpPr>
+            <a:spLocks noGrp="1" noRot="1" noChangeAspect="1" noMove="1" noResize="1" noEditPoints="1" noAdjustHandles="1" noChangeArrowheads="1" noChangeShapeType="1" noTextEdit="1"/>
+          </p:cNvSpPr>
+          <p:nvPr>
+            <p:extLst>
+              <p:ext uri="{386F3935-93C4-4BCD-93E2-E3B085C9AB24}">
+                <p16:designElem xmlns:p16="http://schemas.microsoft.com/office/powerpoint/2015/main" val="1"/>
+              </p:ext>
+            </p:extLst>
+          </p:nvPr>
+        </p:nvSpPr>
+        <p:spPr>
+          <a:xfrm rot="16200000" flipH="1">
+            <a:off x="-1742858" y="2085760"/>
+            <a:ext cx="6857572" cy="2686051"/>
+          </a:xfrm>
+          <a:prstGeom prst="rect">
+            <a:avLst/>
+          </a:prstGeom>
+          <a:gradFill>
+            <a:gsLst>
+              <a:gs pos="0">
+                <a:srgbClr val="000000">
+                  <a:alpha val="59000"/>
+                </a:srgbClr>
+              </a:gs>
+              <a:gs pos="69000">
+                <a:schemeClr val="accent1">
+                  <a:alpha val="0"/>
+                </a:schemeClr>
+              </a:gs>
+            </a:gsLst>
+            <a:lin ang="13200000" scaled="0"/>
+          </a:gradFill>
+          <a:ln>
+            <a:noFill/>
+          </a:ln>
+        </p:spPr>
+        <p:style>
+          <a:lnRef idx="2">
+            <a:schemeClr val="accent1">
+              <a:shade val="50000"/>
+            </a:schemeClr>
+          </a:lnRef>
+          <a:fillRef idx="1">
+            <a:schemeClr val="accent1"/>
+          </a:fillRef>
+          <a:effectRef idx="0">
+            <a:schemeClr val="accent1"/>
+          </a:effectRef>
+          <a:fontRef idx="minor">
+            <a:schemeClr val="lt1"/>
+          </a:fontRef>
+        </p:style>
+        <p:txBody>
+          <a:bodyPr rtlCol="0" anchor="ctr"/>
+          <a:lstStyle/>
+          <a:p>
+            <a:pPr algn="ctr"/>
+            <a:endParaRPr lang="en-US" dirty="0"/>
+          </a:p>
+        </p:txBody>
+      </p:sp>
+      <p:sp>
+        <p:nvSpPr>
+          <p:cNvPr id="16" name="Freeform: Shape 15">
+            <a:extLst>
+              <a:ext uri="{FF2B5EF4-FFF2-40B4-BE49-F238E27FC236}">
+                <a16:creationId xmlns:a16="http://schemas.microsoft.com/office/drawing/2014/main" id="{F8260ED5-17F7-4158-B241-D51DD4CF1B7E}"/>
+              </a:ext>
+              <a:ext uri="{C183D7F6-B498-43B3-948B-1728B52AA6E4}">
+                <adec:decorative xmlns:adec="http://schemas.microsoft.com/office/drawing/2017/decorative" val="1"/>
+              </a:ext>
+            </a:extLst>
+          </p:cNvPr>
+          <p:cNvSpPr>
+            <a:spLocks noGrp="1" noRot="1" noChangeAspect="1" noMove="1" noResize="1" noEditPoints="1" noAdjustHandles="1" noChangeArrowheads="1" noChangeShapeType="1" noTextEdit="1"/>
+          </p:cNvSpPr>
+          <p:nvPr>
+            <p:extLst>
+              <p:ext uri="{386F3935-93C4-4BCD-93E2-E3B085C9AB24}">
+                <p16:designElem xmlns:p16="http://schemas.microsoft.com/office/powerpoint/2015/main" val="1"/>
+              </p:ext>
+            </p:extLst>
+          </p:nvPr>
+        </p:nvSpPr>
+        <p:spPr>
+          <a:xfrm rot="6097846">
+            <a:off x="-1161554" y="1712395"/>
+            <a:ext cx="4808302" cy="3066500"/>
+          </a:xfrm>
+          <a:custGeom>
+            <a:avLst/>
+            <a:gdLst>
+              <a:gd name="connsiteX0" fmla="*/ 48844 w 4808302"/>
+              <a:gd name="connsiteY0" fmla="*/ 2888671 h 4088666"/>
+              <a:gd name="connsiteX1" fmla="*/ 0 w 4808302"/>
+              <a:gd name="connsiteY1" fmla="*/ 2404151 h 4088666"/>
+              <a:gd name="connsiteX2" fmla="*/ 2404151 w 4808302"/>
+              <a:gd name="connsiteY2" fmla="*/ 0 h 4088666"/>
+              <a:gd name="connsiteX3" fmla="*/ 4808302 w 4808302"/>
+              <a:gd name="connsiteY3" fmla="*/ 2404151 h 4088666"/>
+              <a:gd name="connsiteX4" fmla="*/ 4700216 w 4808302"/>
+              <a:gd name="connsiteY4" fmla="*/ 3119072 h 4088666"/>
+              <a:gd name="connsiteX5" fmla="*/ 4643143 w 4808302"/>
+              <a:gd name="connsiteY5" fmla="*/ 3275009 h 4088666"/>
+              <a:gd name="connsiteX6" fmla="*/ 690093 w 4808302"/>
+              <a:gd name="connsiteY6" fmla="*/ 4088666 h 4088666"/>
+              <a:gd name="connsiteX7" fmla="*/ 548991 w 4808302"/>
+              <a:gd name="connsiteY7" fmla="*/ 3933414 h 4088666"/>
+              <a:gd name="connsiteX8" fmla="*/ 48844 w 4808302"/>
+              <a:gd name="connsiteY8" fmla="*/ 2888671 h 4088666"/>
+            </a:gdLst>
+            <a:ahLst/>
+            <a:cxnLst>
+              <a:cxn ang="0">
+                <a:pos x="connsiteX0" y="connsiteY0"/>
+              </a:cxn>
+              <a:cxn ang="0">
+                <a:pos x="connsiteX1" y="connsiteY1"/>
+              </a:cxn>
+              <a:cxn ang="0">
+                <a:pos x="connsiteX2" y="connsiteY2"/>
+              </a:cxn>
+              <a:cxn ang="0">
+                <a:pos x="connsiteX3" y="connsiteY3"/>
+              </a:cxn>
+              <a:cxn ang="0">
+                <a:pos x="connsiteX4" y="connsiteY4"/>
+              </a:cxn>
+              <a:cxn ang="0">
+                <a:pos x="connsiteX5" y="connsiteY5"/>
+              </a:cxn>
+              <a:cxn ang="0">
+                <a:pos x="connsiteX6" y="connsiteY6"/>
+              </a:cxn>
+              <a:cxn ang="0">
+                <a:pos x="connsiteX7" y="connsiteY7"/>
+              </a:cxn>
+              <a:cxn ang="0">
+                <a:pos x="connsiteX8" y="connsiteY8"/>
+              </a:cxn>
+            </a:cxnLst>
+            <a:rect l="l" t="t" r="r" b="b"/>
+            <a:pathLst>
+              <a:path w="4808302" h="4088666">
+                <a:moveTo>
+                  <a:pt x="48844" y="2888671"/>
+                </a:moveTo>
+                <a:cubicBezTo>
+                  <a:pt x="16818" y="2732167"/>
+                  <a:pt x="0" y="2570123"/>
+                  <a:pt x="0" y="2404151"/>
+                </a:cubicBezTo>
+                <a:cubicBezTo>
+                  <a:pt x="0" y="1076375"/>
+                  <a:pt x="1076375" y="0"/>
+                  <a:pt x="2404151" y="0"/>
+                </a:cubicBezTo>
+                <a:cubicBezTo>
+                  <a:pt x="3731927" y="0"/>
+                  <a:pt x="4808302" y="1076375"/>
+                  <a:pt x="4808302" y="2404151"/>
+                </a:cubicBezTo>
+                <a:cubicBezTo>
+                  <a:pt x="4808302" y="2653109"/>
+                  <a:pt x="4770461" y="2893229"/>
+                  <a:pt x="4700216" y="3119072"/>
+                </a:cubicBezTo>
+                <a:lnTo>
+                  <a:pt x="4643143" y="3275009"/>
+                </a:lnTo>
+                <a:lnTo>
+                  <a:pt x="690093" y="4088666"/>
+                </a:lnTo>
+                <a:lnTo>
+                  <a:pt x="548991" y="3933414"/>
+                </a:lnTo>
+                <a:cubicBezTo>
+                  <a:pt x="304015" y="3636572"/>
+                  <a:pt x="128908" y="3279932"/>
+                  <a:pt x="48844" y="2888671"/>
+                </a:cubicBezTo>
+                <a:close/>
+              </a:path>
+            </a:pathLst>
+          </a:custGeom>
+          <a:gradFill>
+            <a:gsLst>
+              <a:gs pos="39000">
+                <a:schemeClr val="accent1">
+                  <a:lumMod val="60000"/>
+                  <a:lumOff val="40000"/>
+                  <a:alpha val="0"/>
+                </a:schemeClr>
+              </a:gs>
+              <a:gs pos="100000">
+                <a:schemeClr val="accent1">
+                  <a:lumMod val="75000"/>
+                  <a:alpha val="26000"/>
+                </a:schemeClr>
+              </a:gs>
+            </a:gsLst>
+            <a:lin ang="18600000" scaled="0"/>
+          </a:gradFill>
+          <a:ln>
+            <a:noFill/>
+          </a:ln>
+        </p:spPr>
+        <p:style>
+          <a:lnRef idx="2">
+            <a:schemeClr val="accent1">
+              <a:shade val="50000"/>
+            </a:schemeClr>
+          </a:lnRef>
+          <a:fillRef idx="1">
+            <a:schemeClr val="accent1"/>
+          </a:fillRef>
+          <a:effectRef idx="0">
+            <a:schemeClr val="accent1"/>
+          </a:effectRef>
+          <a:fontRef idx="minor">
+            <a:schemeClr val="lt1"/>
+          </a:fontRef>
+        </p:style>
+        <p:txBody>
+          <a:bodyPr wrap="square" rtlCol="0" anchor="ctr">
+            <a:noAutofit/>
+          </a:bodyPr>
+          <a:lstStyle/>
+          <a:p>
+            <a:pPr algn="ctr"/>
+            <a:endParaRPr lang="en-US" dirty="0"/>
+          </a:p>
+        </p:txBody>
+      </p:sp>
+      <p:sp>
+        <p:nvSpPr>
+          <p:cNvPr id="2" name="Title 1">
+            <a:extLst>
+              <a:ext uri="{FF2B5EF4-FFF2-40B4-BE49-F238E27FC236}">
+                <a16:creationId xmlns:a16="http://schemas.microsoft.com/office/drawing/2014/main" id="{71C267FA-B449-5930-7251-0B0D1AAB2C4B}"/>
+              </a:ext>
+            </a:extLst>
+          </p:cNvPr>
+          <p:cNvSpPr>
+            <a:spLocks noGrp="1"/>
+          </p:cNvSpPr>
+          <p:nvPr>
+            <p:ph type="title"/>
+          </p:nvPr>
+        </p:nvSpPr>
+        <p:spPr>
+          <a:xfrm>
+            <a:off x="495030" y="2767106"/>
+            <a:ext cx="2160621" cy="3071906"/>
+          </a:xfrm>
+        </p:spPr>
+        <p:txBody>
+          <a:bodyPr vert="horz" lIns="91440" tIns="45720" rIns="91440" bIns="45720" rtlCol="0" anchor="t">
+            <a:normAutofit/>
+          </a:bodyPr>
+          <a:lstStyle/>
+          <a:p>
+            <a:pPr>
+              <a:lnSpc>
+                <a:spcPct val="90000"/>
+              </a:lnSpc>
+            </a:pPr>
+            <a:r>
+              <a:rPr lang="en-US" sz="2700" kern="1200">
+                <a:solidFill>
+                  <a:srgbClr val="FFFFFF"/>
+                </a:solidFill>
+                <a:latin typeface="+mj-lt"/>
+                <a:ea typeface="+mj-ea"/>
+                <a:cs typeface="+mj-cs"/>
+              </a:rPr>
+              <a:t>Logistic Regression Model</a:t>
+            </a:r>
+          </a:p>
+        </p:txBody>
+      </p:sp>
+      <p:pic>
+        <p:nvPicPr>
+          <p:cNvPr id="3" name="Picture 2" descr="A screenshot of a computer screen&#10;&#10;Description automatically generated">
+            <a:extLst>
+              <a:ext uri="{FF2B5EF4-FFF2-40B4-BE49-F238E27FC236}">
+                <a16:creationId xmlns:a16="http://schemas.microsoft.com/office/drawing/2014/main" id="{34A59F63-84EC-AD24-29C4-8C6CD2E8BC97}"/>
+              </a:ext>
+            </a:extLst>
+          </p:cNvPr>
+          <p:cNvPicPr>
+            <a:picLocks noChangeAspect="1"/>
+          </p:cNvPicPr>
+          <p:nvPr/>
+        </p:nvPicPr>
+        <p:blipFill>
+          <a:blip r:embed="rId2">
+            <a:extLst>
+              <a:ext uri="{28A0092B-C50C-407E-A947-70E740481C1C}">
+                <a14:useLocalDpi xmlns:a14="http://schemas.microsoft.com/office/drawing/2010/main" val="0"/>
+              </a:ext>
+            </a:extLst>
+          </a:blip>
+          <a:stretch>
+            <a:fillRect/>
+          </a:stretch>
+        </p:blipFill>
+        <p:spPr>
+          <a:xfrm>
+            <a:off x="3407187" y="2362200"/>
+            <a:ext cx="5419311" cy="4121972"/>
+          </a:xfrm>
+          <a:prstGeom prst="rect">
+            <a:avLst/>
+          </a:prstGeom>
+        </p:spPr>
+      </p:pic>
+      <p:sp>
+        <p:nvSpPr>
+          <p:cNvPr id="5" name="TextBox 4">
+            <a:extLst>
+              <a:ext uri="{FF2B5EF4-FFF2-40B4-BE49-F238E27FC236}">
+                <a16:creationId xmlns:a16="http://schemas.microsoft.com/office/drawing/2014/main" id="{3ACA0DA2-FBBA-C93F-B3F4-3B5E11909B22}"/>
+              </a:ext>
+            </a:extLst>
+          </p:cNvPr>
+          <p:cNvSpPr txBox="1"/>
+          <p:nvPr/>
+        </p:nvSpPr>
+        <p:spPr>
+          <a:xfrm>
+            <a:off x="3407187" y="685800"/>
+            <a:ext cx="4812253" cy="1477328"/>
+          </a:xfrm>
+          <a:prstGeom prst="rect">
+            <a:avLst/>
+          </a:prstGeom>
+          <a:noFill/>
+        </p:spPr>
+        <p:txBody>
+          <a:bodyPr wrap="square" rtlCol="0">
+            <a:spAutoFit/>
+          </a:bodyPr>
+          <a:lstStyle/>
+          <a:p>
+            <a:r>
+              <a:rPr lang="en-US" b="1" dirty="0">
+                <a:solidFill>
+                  <a:schemeClr val="accent1"/>
+                </a:solidFill>
+                <a:latin typeface="+mj-lt"/>
+              </a:rPr>
+              <a:t>Accuracy Score</a:t>
+            </a:r>
+            <a:r>
+              <a:rPr lang="en-US" dirty="0">
+                <a:latin typeface="+mj-lt"/>
+              </a:rPr>
+              <a:t>: </a:t>
+            </a:r>
+            <a:r>
+              <a:rPr lang="en-US" dirty="0">
+                <a:solidFill>
+                  <a:schemeClr val="accent1"/>
+                </a:solidFill>
+                <a:highlight>
+                  <a:srgbClr val="00FF00"/>
+                </a:highlight>
+                <a:latin typeface="+mj-lt"/>
+              </a:rPr>
+              <a:t>81.3%</a:t>
+            </a:r>
+          </a:p>
+          <a:p>
+            <a:pPr marL="285750" indent="-285750">
+              <a:buFont typeface="Wingdings" panose="05000000000000000000" pitchFamily="2" charset="2"/>
+              <a:buChar char="v"/>
+            </a:pPr>
+            <a:endParaRPr lang="en-US" dirty="0">
+              <a:latin typeface="+mj-lt"/>
+            </a:endParaRPr>
+          </a:p>
+          <a:p>
+            <a:pPr marL="285750" indent="-285750">
+              <a:buFont typeface="Wingdings" panose="05000000000000000000" pitchFamily="2" charset="2"/>
+              <a:buChar char="v"/>
+            </a:pPr>
+            <a:r>
+              <a:rPr lang="en-US" sz="1800" dirty="0">
+                <a:solidFill>
+                  <a:schemeClr val="accent1"/>
+                </a:solidFill>
+                <a:latin typeface="+mj-lt"/>
+              </a:rPr>
+              <a:t>Citation – Precision - </a:t>
+            </a:r>
+            <a:r>
+              <a:rPr lang="en-US" sz="1800" dirty="0">
+                <a:solidFill>
+                  <a:schemeClr val="accent1"/>
+                </a:solidFill>
+                <a:highlight>
+                  <a:srgbClr val="00FFFF"/>
+                </a:highlight>
+                <a:latin typeface="+mj-lt"/>
+              </a:rPr>
+              <a:t>84%</a:t>
+            </a:r>
+            <a:r>
+              <a:rPr lang="en-US" sz="1800" dirty="0">
+                <a:solidFill>
+                  <a:schemeClr val="accent1"/>
+                </a:solidFill>
+                <a:latin typeface="+mj-lt"/>
+              </a:rPr>
+              <a:t>, Recall – 78%</a:t>
+            </a:r>
+          </a:p>
+          <a:p>
+            <a:pPr marL="285750" indent="-285750">
+              <a:buFont typeface="Wingdings" panose="05000000000000000000" pitchFamily="2" charset="2"/>
+              <a:buChar char="v"/>
+            </a:pPr>
+            <a:r>
+              <a:rPr lang="en-US" sz="1800" dirty="0">
+                <a:solidFill>
+                  <a:schemeClr val="accent1"/>
+                </a:solidFill>
+                <a:latin typeface="+mj-lt"/>
+              </a:rPr>
+              <a:t>Warning - Precision - </a:t>
+            </a:r>
+            <a:r>
+              <a:rPr lang="en-US" dirty="0">
+                <a:solidFill>
+                  <a:schemeClr val="accent1"/>
+                </a:solidFill>
+                <a:highlight>
+                  <a:srgbClr val="00FFFF"/>
+                </a:highlight>
+                <a:latin typeface="+mj-lt"/>
+              </a:rPr>
+              <a:t>79</a:t>
+            </a:r>
+            <a:r>
+              <a:rPr lang="en-US" sz="1800" dirty="0">
+                <a:solidFill>
+                  <a:schemeClr val="accent1"/>
+                </a:solidFill>
+                <a:highlight>
+                  <a:srgbClr val="00FFFF"/>
+                </a:highlight>
+                <a:latin typeface="+mj-lt"/>
+              </a:rPr>
+              <a:t>%</a:t>
+            </a:r>
+            <a:r>
+              <a:rPr lang="en-US" sz="1800" dirty="0">
+                <a:solidFill>
+                  <a:schemeClr val="accent1"/>
+                </a:solidFill>
+                <a:latin typeface="+mj-lt"/>
+              </a:rPr>
+              <a:t>, Recall – 84%</a:t>
+            </a:r>
+          </a:p>
+          <a:p>
+            <a:endParaRPr lang="en-US" dirty="0"/>
+          </a:p>
+        </p:txBody>
+      </p:sp>
+    </p:spTree>
+    <p:extLst>
+      <p:ext uri="{BB962C8B-B14F-4D97-AF65-F5344CB8AC3E}">
+        <p14:creationId xmlns:p14="http://schemas.microsoft.com/office/powerpoint/2010/main" val="3033160867"/>
+      </p:ext>
+    </p:extLst>
+  </p:cSld>
+  <p:clrMapOvr>
+    <a:masterClrMapping/>
+  </p:clrMapOvr>
+</p:sld>
+</file>
+
+<file path=ppt/slides/slide9.xml><?xml version="1.0" encoding="utf-8"?>
+<p:sld xmlns:a="http://schemas.openxmlformats.org/drawingml/2006/main" xmlns:r="http://schemas.openxmlformats.org/officeDocument/2006/relationships" xmlns:p="http://schemas.openxmlformats.org/presentationml/2006/main">
+  <p:cSld>
+    <p:spTree>
+      <p:nvGrpSpPr>
+        <p:cNvPr id="1" name=""/>
+        <p:cNvGrpSpPr/>
+        <p:nvPr/>
+      </p:nvGrpSpPr>
+      <p:grpSpPr>
+        <a:xfrm>
+          <a:off x="0" y="0"/>
+          <a:ext cx="0" cy="0"/>
+          <a:chOff x="0" y="0"/>
+          <a:chExt cx="0" cy="0"/>
+        </a:xfrm>
+      </p:grpSpPr>
+      <p:sp>
+        <p:nvSpPr>
+          <p:cNvPr id="2" name="Title 1">
+            <a:extLst>
+              <a:ext uri="{FF2B5EF4-FFF2-40B4-BE49-F238E27FC236}">
+                <a16:creationId xmlns:a16="http://schemas.microsoft.com/office/drawing/2014/main" id="{8E961674-242D-F048-BCB8-0DE82029DD70}"/>
+              </a:ext>
+            </a:extLst>
+          </p:cNvPr>
+          <p:cNvSpPr>
+            <a:spLocks noGrp="1"/>
+          </p:cNvSpPr>
+          <p:nvPr>
+            <p:ph type="title"/>
+          </p:nvPr>
+        </p:nvSpPr>
+        <p:spPr/>
+        <p:txBody>
+          <a:bodyPr/>
+          <a:lstStyle/>
+          <a:p>
+            <a:r>
+              <a:rPr lang="en-US" dirty="0" err="1"/>
+              <a:t>Pyspark</a:t>
+            </a:r>
+            <a:endParaRPr lang="en-US" dirty="0"/>
+          </a:p>
+        </p:txBody>
+      </p:sp>
+      <p:sp>
+        <p:nvSpPr>
+          <p:cNvPr id="3" name="Text Placeholder 2">
+            <a:extLst>
+              <a:ext uri="{FF2B5EF4-FFF2-40B4-BE49-F238E27FC236}">
+                <a16:creationId xmlns:a16="http://schemas.microsoft.com/office/drawing/2014/main" id="{A801A934-091D-FC2E-EAB0-68400EC103B3}"/>
+              </a:ext>
+            </a:extLst>
+          </p:cNvPr>
+          <p:cNvSpPr>
+            <a:spLocks noGrp="1"/>
+          </p:cNvSpPr>
+          <p:nvPr>
+            <p:ph type="body" idx="1"/>
+          </p:nvPr>
+        </p:nvSpPr>
+        <p:spPr>
+          <a:xfrm>
+            <a:off x="630239" y="1681163"/>
+            <a:ext cx="2874962" cy="452437"/>
+          </a:xfrm>
+        </p:spPr>
+        <p:txBody>
+          <a:bodyPr/>
+          <a:lstStyle/>
+          <a:p>
+            <a:r>
+              <a:rPr lang="en-US" dirty="0"/>
+              <a:t>Without Partition</a:t>
+            </a:r>
+          </a:p>
+        </p:txBody>
+      </p:sp>
+      <p:sp>
+        <p:nvSpPr>
+          <p:cNvPr id="4" name="Content Placeholder 3">
+            <a:extLst>
+              <a:ext uri="{FF2B5EF4-FFF2-40B4-BE49-F238E27FC236}">
+                <a16:creationId xmlns:a16="http://schemas.microsoft.com/office/drawing/2014/main" id="{0C42304B-88CA-7AFB-2FDB-0A7A5004EB2C}"/>
+              </a:ext>
+            </a:extLst>
+          </p:cNvPr>
+          <p:cNvSpPr>
+            <a:spLocks noGrp="1"/>
+          </p:cNvSpPr>
+          <p:nvPr>
+            <p:ph sz="half" idx="2"/>
+          </p:nvPr>
+        </p:nvSpPr>
+        <p:spPr>
+          <a:xfrm>
+            <a:off x="630239" y="2057400"/>
+            <a:ext cx="3332162" cy="4435475"/>
+          </a:xfrm>
+        </p:spPr>
+        <p:txBody>
+          <a:bodyPr/>
+          <a:lstStyle/>
+          <a:p>
+            <a:endParaRPr lang="en-US" sz="2400" dirty="0"/>
+          </a:p>
+          <a:p>
+            <a:r>
+              <a:rPr lang="en-US" sz="2400" dirty="0"/>
+              <a:t>To get number of incidents for each description for each violation type: </a:t>
+            </a:r>
+            <a:r>
+              <a:rPr lang="en-US" sz="2400" dirty="0">
+                <a:highlight>
+                  <a:srgbClr val="FF9900"/>
+                </a:highlight>
+              </a:rPr>
+              <a:t>6.8 Seconds</a:t>
+            </a:r>
+          </a:p>
+          <a:p>
+            <a:r>
+              <a:rPr lang="en-US" sz="2400" dirty="0"/>
+              <a:t>To get 25 locations with highest citations of "Speeding" recently: </a:t>
+            </a:r>
+            <a:r>
+              <a:rPr lang="en-US" sz="2400" dirty="0">
+                <a:highlight>
+                  <a:srgbClr val="FF9900"/>
+                </a:highlight>
+              </a:rPr>
+              <a:t>5.9 Seconds</a:t>
+            </a:r>
+          </a:p>
+        </p:txBody>
+      </p:sp>
+      <p:sp>
+        <p:nvSpPr>
+          <p:cNvPr id="5" name="Text Placeholder 4">
+            <a:extLst>
+              <a:ext uri="{FF2B5EF4-FFF2-40B4-BE49-F238E27FC236}">
+                <a16:creationId xmlns:a16="http://schemas.microsoft.com/office/drawing/2014/main" id="{3E0AE967-5144-9B6A-8CF9-E91F5B73A1BC}"/>
+              </a:ext>
+            </a:extLst>
+          </p:cNvPr>
+          <p:cNvSpPr>
+            <a:spLocks noGrp="1"/>
+          </p:cNvSpPr>
+          <p:nvPr>
+            <p:ph type="body" sz="quarter" idx="3"/>
+          </p:nvPr>
+        </p:nvSpPr>
+        <p:spPr>
+          <a:xfrm>
+            <a:off x="3962401" y="1681163"/>
+            <a:ext cx="4554537" cy="452437"/>
+          </a:xfrm>
+        </p:spPr>
+        <p:txBody>
+          <a:bodyPr/>
+          <a:lstStyle/>
+          <a:p>
+            <a:r>
+              <a:rPr lang="en-US" dirty="0"/>
+              <a:t>With Partition on </a:t>
+            </a:r>
+            <a:r>
+              <a:rPr lang="en-US" dirty="0" err="1"/>
+              <a:t>Descritpion</a:t>
+            </a:r>
+            <a:endParaRPr lang="en-US" dirty="0"/>
+          </a:p>
+        </p:txBody>
+      </p:sp>
+      <p:sp>
+        <p:nvSpPr>
+          <p:cNvPr id="6" name="Content Placeholder 5">
+            <a:extLst>
+              <a:ext uri="{FF2B5EF4-FFF2-40B4-BE49-F238E27FC236}">
+                <a16:creationId xmlns:a16="http://schemas.microsoft.com/office/drawing/2014/main" id="{92A75458-5193-83CD-07AB-4ADF3FA34095}"/>
+              </a:ext>
+            </a:extLst>
+          </p:cNvPr>
+          <p:cNvSpPr>
+            <a:spLocks noGrp="1"/>
+          </p:cNvSpPr>
+          <p:nvPr>
+            <p:ph sz="quarter" idx="4"/>
+          </p:nvPr>
+        </p:nvSpPr>
+        <p:spPr>
+          <a:xfrm>
+            <a:off x="4631053" y="2436812"/>
+            <a:ext cx="3887788" cy="4056063"/>
+          </a:xfrm>
+        </p:spPr>
+        <p:txBody>
+          <a:bodyPr/>
+          <a:lstStyle/>
+          <a:p>
+            <a:r>
+              <a:rPr lang="en-US" sz="2400" dirty="0"/>
+              <a:t>To get number of incidents for each description for each violation type: </a:t>
+            </a:r>
+            <a:r>
+              <a:rPr lang="en-US" sz="2400" dirty="0">
+                <a:highlight>
+                  <a:srgbClr val="00FF00"/>
+                </a:highlight>
+              </a:rPr>
+              <a:t>2.1 Seconds</a:t>
+            </a:r>
+          </a:p>
+          <a:p>
+            <a:r>
+              <a:rPr lang="en-US" sz="2400" dirty="0"/>
+              <a:t>To get 25 locations with highest citations of "Speeding" recently: </a:t>
+            </a:r>
+            <a:r>
+              <a:rPr lang="en-US" sz="2400" dirty="0">
+                <a:highlight>
+                  <a:srgbClr val="00FF00"/>
+                </a:highlight>
+              </a:rPr>
+              <a:t>1.6 Seconds</a:t>
+            </a:r>
+          </a:p>
+          <a:p>
+            <a:endParaRPr lang="en-US" dirty="0"/>
+          </a:p>
+        </p:txBody>
+      </p:sp>
+    </p:spTree>
+    <p:extLst>
+      <p:ext uri="{BB962C8B-B14F-4D97-AF65-F5344CB8AC3E}">
+        <p14:creationId xmlns:p14="http://schemas.microsoft.com/office/powerpoint/2010/main" val="657106904"/>
+      </p:ext>
+    </p:extLst>
   </p:cSld>
   <p:clrMapOvr>
     <a:masterClrMapping/>

--- a/traffic_violation.pptx
+++ b/traffic_violation.pptx
@@ -5,24 +5,33 @@
     <p:sldMasterId id="2147483648" r:id="rId1"/>
   </p:sldMasterIdLst>
   <p:notesMasterIdLst>
-    <p:notesMasterId r:id="rId14"/>
+    <p:notesMasterId r:id="rId23"/>
   </p:notesMasterIdLst>
   <p:handoutMasterIdLst>
-    <p:handoutMasterId r:id="rId15"/>
+    <p:handoutMasterId r:id="rId24"/>
   </p:handoutMasterIdLst>
   <p:sldIdLst>
     <p:sldId id="256" r:id="rId2"/>
     <p:sldId id="257" r:id="rId3"/>
     <p:sldId id="263" r:id="rId4"/>
     <p:sldId id="259" r:id="rId5"/>
-    <p:sldId id="260" r:id="rId6"/>
-    <p:sldId id="264" r:id="rId7"/>
-    <p:sldId id="272" r:id="rId8"/>
-    <p:sldId id="273" r:id="rId9"/>
-    <p:sldId id="271" r:id="rId10"/>
-    <p:sldId id="261" r:id="rId11"/>
-    <p:sldId id="262" r:id="rId12"/>
-    <p:sldId id="258" r:id="rId13"/>
+    <p:sldId id="274" r:id="rId6"/>
+    <p:sldId id="275" r:id="rId7"/>
+    <p:sldId id="276" r:id="rId8"/>
+    <p:sldId id="277" r:id="rId9"/>
+    <p:sldId id="269" r:id="rId10"/>
+    <p:sldId id="278" r:id="rId11"/>
+    <p:sldId id="265" r:id="rId12"/>
+    <p:sldId id="266" r:id="rId13"/>
+    <p:sldId id="267" r:id="rId14"/>
+    <p:sldId id="268" r:id="rId15"/>
+    <p:sldId id="264" r:id="rId16"/>
+    <p:sldId id="272" r:id="rId17"/>
+    <p:sldId id="273" r:id="rId18"/>
+    <p:sldId id="271" r:id="rId19"/>
+    <p:sldId id="261" r:id="rId20"/>
+    <p:sldId id="262" r:id="rId21"/>
+    <p:sldId id="258" r:id="rId22"/>
   </p:sldIdLst>
   <p:sldSz cx="9144000" cy="6858000" type="screen4x3"/>
   <p:notesSz cx="6858000" cy="9144000"/>
@@ -824,6 +833,294 @@
     </a:lvl9pPr>
   </p:notesStyle>
 </p:notesMaster>
+</file>
+
+<file path=ppt/notesSlides/notesSlide1.xml><?xml version="1.0" encoding="utf-8"?>
+<p:notes xmlns:a="http://schemas.openxmlformats.org/drawingml/2006/main" xmlns:r="http://schemas.openxmlformats.org/officeDocument/2006/relationships" xmlns:p="http://schemas.openxmlformats.org/presentationml/2006/main">
+  <p:cSld>
+    <p:spTree>
+      <p:nvGrpSpPr>
+        <p:cNvPr id="1" name=""/>
+        <p:cNvGrpSpPr/>
+        <p:nvPr/>
+      </p:nvGrpSpPr>
+      <p:grpSpPr>
+        <a:xfrm>
+          <a:off x="0" y="0"/>
+          <a:ext cx="0" cy="0"/>
+          <a:chOff x="0" y="0"/>
+          <a:chExt cx="0" cy="0"/>
+        </a:xfrm>
+      </p:grpSpPr>
+      <p:sp>
+        <p:nvSpPr>
+          <p:cNvPr id="2" name="Slide Image Placeholder 1"/>
+          <p:cNvSpPr>
+            <a:spLocks noGrp="1" noRot="1" noChangeAspect="1"/>
+          </p:cNvSpPr>
+          <p:nvPr>
+            <p:ph type="sldImg"/>
+          </p:nvPr>
+        </p:nvSpPr>
+        <p:spPr/>
+      </p:sp>
+      <p:sp>
+        <p:nvSpPr>
+          <p:cNvPr id="3" name="Notes Placeholder 2"/>
+          <p:cNvSpPr>
+            <a:spLocks noGrp="1"/>
+          </p:cNvSpPr>
+          <p:nvPr>
+            <p:ph type="body" idx="1"/>
+          </p:nvPr>
+        </p:nvSpPr>
+        <p:spPr/>
+        <p:txBody>
+          <a:bodyPr/>
+          <a:lstStyle/>
+          <a:p>
+            <a:endParaRPr lang="en-US" dirty="0"/>
+          </a:p>
+        </p:txBody>
+      </p:sp>
+      <p:sp>
+        <p:nvSpPr>
+          <p:cNvPr id="4" name="Slide Number Placeholder 3"/>
+          <p:cNvSpPr>
+            <a:spLocks noGrp="1"/>
+          </p:cNvSpPr>
+          <p:nvPr>
+            <p:ph type="sldNum" sz="quarter" idx="5"/>
+          </p:nvPr>
+        </p:nvSpPr>
+        <p:spPr/>
+        <p:txBody>
+          <a:bodyPr/>
+          <a:lstStyle/>
+          <a:p>
+            <a:pPr marL="0" marR="0" lvl="0" indent="0" algn="r" defTabSz="914400" rtl="0" eaLnBrk="1" fontAlgn="base" latinLnBrk="0" hangingPunct="1">
+              <a:lnSpc>
+                <a:spcPct val="100000"/>
+              </a:lnSpc>
+              <a:spcBef>
+                <a:spcPct val="0"/>
+              </a:spcBef>
+              <a:spcAft>
+                <a:spcPct val="0"/>
+              </a:spcAft>
+              <a:buClrTx/>
+              <a:buSzTx/>
+              <a:buFontTx/>
+              <a:buNone/>
+              <a:tabLst/>
+              <a:defRPr/>
+            </a:pPr>
+            <a:fld id="{D248BF7D-BB76-4CCF-B42B-E41111903AFC}" type="slidenum">
+              <a:rPr kumimoji="0" lang="ru-RU" altLang="en-US" sz="1200" b="0" i="0" u="none" strike="noStrike" kern="1200" cap="none" spc="0" normalizeH="0" baseline="0" noProof="0" smtClean="0">
+                <a:ln>
+                  <a:noFill/>
+                </a:ln>
+                <a:solidFill>
+                  <a:srgbClr val="000000"/>
+                </a:solidFill>
+                <a:effectLst/>
+                <a:uLnTx/>
+                <a:uFillTx/>
+                <a:latin typeface="Arial" panose="020B0604020202020204" pitchFamily="34" charset="0"/>
+                <a:ea typeface="+mn-ea"/>
+                <a:cs typeface="+mn-cs"/>
+              </a:rPr>
+              <a:pPr marL="0" marR="0" lvl="0" indent="0" algn="r" defTabSz="914400" rtl="0" eaLnBrk="1" fontAlgn="base" latinLnBrk="0" hangingPunct="1">
+                <a:lnSpc>
+                  <a:spcPct val="100000"/>
+                </a:lnSpc>
+                <a:spcBef>
+                  <a:spcPct val="0"/>
+                </a:spcBef>
+                <a:spcAft>
+                  <a:spcPct val="0"/>
+                </a:spcAft>
+                <a:buClrTx/>
+                <a:buSzTx/>
+                <a:buFontTx/>
+                <a:buNone/>
+                <a:tabLst/>
+                <a:defRPr/>
+              </a:pPr>
+              <a:t>5</a:t>
+            </a:fld>
+            <a:endParaRPr kumimoji="0" lang="ru-RU" altLang="en-US" sz="1200" b="0" i="0" u="none" strike="noStrike" kern="1200" cap="none" spc="0" normalizeH="0" baseline="0" noProof="0">
+              <a:ln>
+                <a:noFill/>
+              </a:ln>
+              <a:solidFill>
+                <a:srgbClr val="000000"/>
+              </a:solidFill>
+              <a:effectLst/>
+              <a:uLnTx/>
+              <a:uFillTx/>
+              <a:latin typeface="Arial" panose="020B0604020202020204" pitchFamily="34" charset="0"/>
+              <a:ea typeface="+mn-ea"/>
+              <a:cs typeface="+mn-cs"/>
+            </a:endParaRPr>
+          </a:p>
+        </p:txBody>
+      </p:sp>
+    </p:spTree>
+    <p:extLst>
+      <p:ext uri="{BB962C8B-B14F-4D97-AF65-F5344CB8AC3E}">
+        <p14:creationId xmlns:p14="http://schemas.microsoft.com/office/powerpoint/2010/main" val="3825285716"/>
+      </p:ext>
+    </p:extLst>
+  </p:cSld>
+  <p:clrMapOvr>
+    <a:masterClrMapping/>
+  </p:clrMapOvr>
+</p:notes>
+</file>
+
+<file path=ppt/notesSlides/notesSlide2.xml><?xml version="1.0" encoding="utf-8"?>
+<p:notes xmlns:a="http://schemas.openxmlformats.org/drawingml/2006/main" xmlns:r="http://schemas.openxmlformats.org/officeDocument/2006/relationships" xmlns:p="http://schemas.openxmlformats.org/presentationml/2006/main">
+  <p:cSld>
+    <p:spTree>
+      <p:nvGrpSpPr>
+        <p:cNvPr id="1" name=""/>
+        <p:cNvGrpSpPr/>
+        <p:nvPr/>
+      </p:nvGrpSpPr>
+      <p:grpSpPr>
+        <a:xfrm>
+          <a:off x="0" y="0"/>
+          <a:ext cx="0" cy="0"/>
+          <a:chOff x="0" y="0"/>
+          <a:chExt cx="0" cy="0"/>
+        </a:xfrm>
+      </p:grpSpPr>
+      <p:sp>
+        <p:nvSpPr>
+          <p:cNvPr id="2" name="Slide Image Placeholder 1"/>
+          <p:cNvSpPr>
+            <a:spLocks noGrp="1" noRot="1" noChangeAspect="1"/>
+          </p:cNvSpPr>
+          <p:nvPr>
+            <p:ph type="sldImg"/>
+          </p:nvPr>
+        </p:nvSpPr>
+        <p:spPr/>
+      </p:sp>
+      <p:sp>
+        <p:nvSpPr>
+          <p:cNvPr id="3" name="Notes Placeholder 2"/>
+          <p:cNvSpPr>
+            <a:spLocks noGrp="1"/>
+          </p:cNvSpPr>
+          <p:nvPr>
+            <p:ph type="body" idx="1"/>
+          </p:nvPr>
+        </p:nvSpPr>
+        <p:spPr/>
+        <p:txBody>
+          <a:bodyPr/>
+          <a:lstStyle/>
+          <a:p>
+            <a:endParaRPr lang="en-US" dirty="0"/>
+          </a:p>
+        </p:txBody>
+      </p:sp>
+      <p:sp>
+        <p:nvSpPr>
+          <p:cNvPr id="4" name="Slide Number Placeholder 3"/>
+          <p:cNvSpPr>
+            <a:spLocks noGrp="1"/>
+          </p:cNvSpPr>
+          <p:nvPr>
+            <p:ph type="sldNum" sz="quarter" idx="5"/>
+          </p:nvPr>
+        </p:nvSpPr>
+        <p:spPr/>
+        <p:txBody>
+          <a:bodyPr/>
+          <a:lstStyle/>
+          <a:p>
+            <a:pPr marL="0" marR="0" lvl="0" indent="0" algn="r" defTabSz="914400" rtl="0" eaLnBrk="1" fontAlgn="base" latinLnBrk="0" hangingPunct="1">
+              <a:lnSpc>
+                <a:spcPct val="100000"/>
+              </a:lnSpc>
+              <a:spcBef>
+                <a:spcPct val="0"/>
+              </a:spcBef>
+              <a:spcAft>
+                <a:spcPct val="0"/>
+              </a:spcAft>
+              <a:buClrTx/>
+              <a:buSzTx/>
+              <a:buFontTx/>
+              <a:buNone/>
+              <a:tabLst/>
+              <a:defRPr/>
+            </a:pPr>
+            <a:fld id="{D248BF7D-BB76-4CCF-B42B-E41111903AFC}" type="slidenum">
+              <a:rPr kumimoji="0" lang="ru-RU" altLang="en-US" sz="1200" b="0" i="0" u="none" strike="noStrike" kern="1200" cap="none" spc="0" normalizeH="0" baseline="0" noProof="0" smtClean="0">
+                <a:ln>
+                  <a:noFill/>
+                </a:ln>
+                <a:solidFill>
+                  <a:srgbClr val="000000"/>
+                </a:solidFill>
+                <a:effectLst/>
+                <a:uLnTx/>
+                <a:uFillTx/>
+                <a:latin typeface="Arial" panose="020B0604020202020204" pitchFamily="34" charset="0"/>
+                <a:ea typeface="+mn-ea"/>
+                <a:cs typeface="+mn-cs"/>
+              </a:rPr>
+              <a:pPr marL="0" marR="0" lvl="0" indent="0" algn="r" defTabSz="914400" rtl="0" eaLnBrk="1" fontAlgn="base" latinLnBrk="0" hangingPunct="1">
+                <a:lnSpc>
+                  <a:spcPct val="100000"/>
+                </a:lnSpc>
+                <a:spcBef>
+                  <a:spcPct val="0"/>
+                </a:spcBef>
+                <a:spcAft>
+                  <a:spcPct val="0"/>
+                </a:spcAft>
+                <a:buClrTx/>
+                <a:buSzTx/>
+                <a:buFontTx/>
+                <a:buNone/>
+                <a:tabLst/>
+                <a:defRPr/>
+              </a:pPr>
+              <a:t>6</a:t>
+            </a:fld>
+            <a:endParaRPr kumimoji="0" lang="ru-RU" altLang="en-US" sz="1200" b="0" i="0" u="none" strike="noStrike" kern="1200" cap="none" spc="0" normalizeH="0" baseline="0" noProof="0">
+              <a:ln>
+                <a:noFill/>
+              </a:ln>
+              <a:solidFill>
+                <a:srgbClr val="000000"/>
+              </a:solidFill>
+              <a:effectLst/>
+              <a:uLnTx/>
+              <a:uFillTx/>
+              <a:latin typeface="Arial" panose="020B0604020202020204" pitchFamily="34" charset="0"/>
+              <a:ea typeface="+mn-ea"/>
+              <a:cs typeface="+mn-cs"/>
+            </a:endParaRPr>
+          </a:p>
+        </p:txBody>
+      </p:sp>
+    </p:spTree>
+    <p:extLst>
+      <p:ext uri="{BB962C8B-B14F-4D97-AF65-F5344CB8AC3E}">
+        <p14:creationId xmlns:p14="http://schemas.microsoft.com/office/powerpoint/2010/main" val="910908401"/>
+      </p:ext>
+    </p:extLst>
+  </p:cSld>
+  <p:clrMapOvr>
+    <a:masterClrMapping/>
+  </p:clrMapOvr>
+</p:notes>
 </file>
 
 <file path=ppt/slideLayouts/slideLayout1.xml><?xml version="1.0" encoding="utf-8"?>
@@ -3211,72 +3508,147 @@
       </p:grpSpPr>
       <p:sp>
         <p:nvSpPr>
-          <p:cNvPr id="114690" name="Rectangle 2">
-            <a:extLst>
-              <a:ext uri="{FF2B5EF4-FFF2-40B4-BE49-F238E27FC236}">
-                <a16:creationId xmlns:a16="http://schemas.microsoft.com/office/drawing/2014/main" id="{E38F1BDF-7654-66E1-0814-7A6BC9C85A34}"/>
+          <p:cNvPr id="2" name="Title 1">
+            <a:extLst>
+              <a:ext uri="{FF2B5EF4-FFF2-40B4-BE49-F238E27FC236}">
+                <a16:creationId xmlns:a16="http://schemas.microsoft.com/office/drawing/2014/main" id="{79403BAD-0690-7631-7132-B721B39643A7}"/>
               </a:ext>
             </a:extLst>
           </p:cNvPr>
           <p:cNvSpPr>
-            <a:spLocks noGrp="1" noChangeArrowheads="1"/>
+            <a:spLocks noGrp="1"/>
           </p:cNvSpPr>
           <p:nvPr>
             <p:ph type="title"/>
           </p:nvPr>
         </p:nvSpPr>
-        <p:spPr>
-          <a:xfrm>
-            <a:off x="1871663" y="188913"/>
-            <a:ext cx="7092950" cy="647700"/>
-          </a:xfrm>
-        </p:spPr>
+        <p:spPr/>
         <p:txBody>
           <a:bodyPr/>
           <a:lstStyle/>
           <a:p>
-            <a:endParaRPr lang="en-US" altLang="en-US">
-              <a:solidFill>
-                <a:schemeClr val="tx1"/>
-              </a:solidFill>
-            </a:endParaRPr>
+            <a:pPr algn="ctr"/>
+            <a:r>
+              <a:rPr lang="en-US" dirty="0"/>
+              <a:t>Gender</a:t>
+            </a:r>
           </a:p>
         </p:txBody>
       </p:sp>
-      <p:sp>
-        <p:nvSpPr>
-          <p:cNvPr id="114691" name="Rectangle 3">
-            <a:extLst>
-              <a:ext uri="{FF2B5EF4-FFF2-40B4-BE49-F238E27FC236}">
-                <a16:creationId xmlns:a16="http://schemas.microsoft.com/office/drawing/2014/main" id="{C532EC86-DEA2-C8B9-0652-CDA52A320F51}"/>
-              </a:ext>
-            </a:extLst>
-          </p:cNvPr>
-          <p:cNvSpPr>
-            <a:spLocks noGrp="1" noChangeArrowheads="1"/>
-          </p:cNvSpPr>
-          <p:nvPr>
-            <p:ph type="body" idx="1"/>
-          </p:nvPr>
-        </p:nvSpPr>
+      <p:pic>
+        <p:nvPicPr>
+          <p:cNvPr id="5" name="slide4" descr="Makes by Gender">
+            <a:extLst>
+              <a:ext uri="{FF2B5EF4-FFF2-40B4-BE49-F238E27FC236}">
+                <a16:creationId xmlns:a16="http://schemas.microsoft.com/office/drawing/2014/main" id="{15860739-B2B5-B7C0-9D14-403D9FD38E61}"/>
+              </a:ext>
+            </a:extLst>
+          </p:cNvPr>
+          <p:cNvPicPr>
+            <a:picLocks noChangeAspect="1"/>
+          </p:cNvPicPr>
+          <p:nvPr/>
+        </p:nvPicPr>
+        <p:blipFill>
+          <a:blip r:embed="rId2">
+            <a:extLst>
+              <a:ext uri="{28A0092B-C50C-407E-A947-70E740481C1C}">
+                <a14:useLocalDpi xmlns:a14="http://schemas.microsoft.com/office/drawing/2010/main" val="0"/>
+              </a:ext>
+            </a:extLst>
+          </a:blip>
+          <a:stretch>
+            <a:fillRect/>
+          </a:stretch>
+        </p:blipFill>
         <p:spPr>
           <a:xfrm>
-            <a:off x="1860550" y="908050"/>
-            <a:ext cx="7104063" cy="5761038"/>
-          </a:xfrm>
-        </p:spPr>
-        <p:txBody>
-          <a:bodyPr/>
-          <a:lstStyle/>
-          <a:p>
-            <a:endParaRPr lang="en-US" altLang="en-US"/>
-          </a:p>
-        </p:txBody>
-      </p:sp>
+            <a:off x="914399" y="3429000"/>
+            <a:ext cx="7378511" cy="3342152"/>
+          </a:xfrm>
+          <a:prstGeom prst="rect">
+            <a:avLst/>
+          </a:prstGeom>
+        </p:spPr>
+      </p:pic>
+      <p:pic>
+        <p:nvPicPr>
+          <p:cNvPr id="8" name="slide14" descr="Violation by Race and Gender">
+            <a:extLst>
+              <a:ext uri="{FF2B5EF4-FFF2-40B4-BE49-F238E27FC236}">
+                <a16:creationId xmlns:a16="http://schemas.microsoft.com/office/drawing/2014/main" id="{893E10DE-E22E-5937-69B7-177F30C1D035}"/>
+              </a:ext>
+            </a:extLst>
+          </p:cNvPr>
+          <p:cNvPicPr>
+            <a:picLocks noGrp="1" noChangeAspect="1"/>
+          </p:cNvPicPr>
+          <p:nvPr>
+            <p:ph idx="1"/>
+          </p:nvPr>
+        </p:nvPicPr>
+        <p:blipFill>
+          <a:blip r:embed="rId3">
+            <a:extLst>
+              <a:ext uri="{28A0092B-C50C-407E-A947-70E740481C1C}">
+                <a14:useLocalDpi xmlns:a14="http://schemas.microsoft.com/office/drawing/2010/main" val="0"/>
+              </a:ext>
+            </a:extLst>
+          </a:blip>
+          <a:stretch>
+            <a:fillRect/>
+          </a:stretch>
+        </p:blipFill>
+        <p:spPr>
+          <a:xfrm>
+            <a:off x="685800" y="963614"/>
+            <a:ext cx="3657600" cy="2502732"/>
+          </a:xfrm>
+          <a:prstGeom prst="rect">
+            <a:avLst/>
+          </a:prstGeom>
+        </p:spPr>
+      </p:pic>
+      <p:pic>
+        <p:nvPicPr>
+          <p:cNvPr id="9" name="slide14" descr="Violation by Race and Gender">
+            <a:extLst>
+              <a:ext uri="{FF2B5EF4-FFF2-40B4-BE49-F238E27FC236}">
+                <a16:creationId xmlns:a16="http://schemas.microsoft.com/office/drawing/2014/main" id="{769A46AB-198E-64AD-283D-878525AEC9C2}"/>
+              </a:ext>
+            </a:extLst>
+          </p:cNvPr>
+          <p:cNvPicPr>
+            <a:picLocks noChangeAspect="1"/>
+          </p:cNvPicPr>
+          <p:nvPr/>
+        </p:nvPicPr>
+        <p:blipFill>
+          <a:blip r:embed="rId4">
+            <a:extLst>
+              <a:ext uri="{28A0092B-C50C-407E-A947-70E740481C1C}">
+                <a14:useLocalDpi xmlns:a14="http://schemas.microsoft.com/office/drawing/2010/main" val="0"/>
+              </a:ext>
+            </a:extLst>
+          </a:blip>
+          <a:stretch>
+            <a:fillRect/>
+          </a:stretch>
+        </p:blipFill>
+        <p:spPr>
+          <a:xfrm>
+            <a:off x="4310974" y="963614"/>
+            <a:ext cx="3603021" cy="2465386"/>
+          </a:xfrm>
+          <a:prstGeom prst="rect">
+            <a:avLst/>
+          </a:prstGeom>
+        </p:spPr>
+      </p:pic>
     </p:spTree>
     <p:extLst>
       <p:ext uri="{BB962C8B-B14F-4D97-AF65-F5344CB8AC3E}">
-        <p14:creationId xmlns:p14="http://schemas.microsoft.com/office/powerpoint/2010/main" val="1936378657"/>
+        <p14:creationId xmlns:p14="http://schemas.microsoft.com/office/powerpoint/2010/main" val="2698759291"/>
       </p:ext>
     </p:extLst>
   </p:cSld>
@@ -3308,7 +3680,7 @@
           <p:cNvPr id="2" name="Title 1">
             <a:extLst>
               <a:ext uri="{FF2B5EF4-FFF2-40B4-BE49-F238E27FC236}">
-                <a16:creationId xmlns:a16="http://schemas.microsoft.com/office/drawing/2014/main" id="{65F70101-2480-4920-3D6F-424F65D6E233}"/>
+                <a16:creationId xmlns:a16="http://schemas.microsoft.com/office/drawing/2014/main" id="{1E1B0076-0E01-8E71-9F3B-33D021F38C1A}"/>
               </a:ext>
             </a:extLst>
           </p:cNvPr>
@@ -3324,39 +3696,83 @@
           <a:bodyPr/>
           <a:lstStyle/>
           <a:p>
-            <a:endParaRPr lang="en-US"/>
+            <a:pPr algn="ctr"/>
+            <a:r>
+              <a:rPr lang="en-US" dirty="0"/>
+              <a:t>Race</a:t>
+            </a:r>
           </a:p>
         </p:txBody>
       </p:sp>
-      <p:sp>
-        <p:nvSpPr>
-          <p:cNvPr id="3" name="Content Placeholder 2">
-            <a:extLst>
-              <a:ext uri="{FF2B5EF4-FFF2-40B4-BE49-F238E27FC236}">
-                <a16:creationId xmlns:a16="http://schemas.microsoft.com/office/drawing/2014/main" id="{27E4D1F4-BC64-FC19-216E-265BDA4AEDA4}"/>
-              </a:ext>
-            </a:extLst>
-          </p:cNvPr>
-          <p:cNvSpPr>
-            <a:spLocks noGrp="1"/>
-          </p:cNvSpPr>
+      <p:pic>
+        <p:nvPicPr>
+          <p:cNvPr id="10" name="Content Placeholder 9">
+            <a:extLst>
+              <a:ext uri="{FF2B5EF4-FFF2-40B4-BE49-F238E27FC236}">
+                <a16:creationId xmlns:a16="http://schemas.microsoft.com/office/drawing/2014/main" id="{4AB73690-D9B3-090D-CCDB-0C3B261ECC59}"/>
+              </a:ext>
+            </a:extLst>
+          </p:cNvPr>
+          <p:cNvPicPr>
+            <a:picLocks noGrp="1" noChangeAspect="1"/>
+          </p:cNvPicPr>
           <p:nvPr>
             <p:ph idx="1"/>
           </p:nvPr>
-        </p:nvSpPr>
-        <p:spPr/>
-        <p:txBody>
-          <a:bodyPr/>
-          <a:lstStyle/>
-          <a:p>
-            <a:endParaRPr lang="en-US"/>
-          </a:p>
-        </p:txBody>
-      </p:sp>
+        </p:nvPicPr>
+        <p:blipFill>
+          <a:blip r:embed="rId2"/>
+          <a:stretch>
+            <a:fillRect/>
+          </a:stretch>
+        </p:blipFill>
+        <p:spPr>
+          <a:xfrm>
+            <a:off x="180321" y="1828800"/>
+            <a:ext cx="4403028" cy="4230687"/>
+          </a:xfrm>
+        </p:spPr>
+      </p:pic>
+      <p:pic>
+        <p:nvPicPr>
+          <p:cNvPr id="11" name="slide13" descr="Race and Color of Car">
+            <a:extLst>
+              <a:ext uri="{FF2B5EF4-FFF2-40B4-BE49-F238E27FC236}">
+                <a16:creationId xmlns:a16="http://schemas.microsoft.com/office/drawing/2014/main" id="{50323981-45CC-746D-73C2-0FB2EB26D751}"/>
+              </a:ext>
+            </a:extLst>
+          </p:cNvPr>
+          <p:cNvPicPr>
+            <a:picLocks noChangeAspect="1"/>
+          </p:cNvPicPr>
+          <p:nvPr/>
+        </p:nvPicPr>
+        <p:blipFill>
+          <a:blip r:embed="rId3">
+            <a:extLst>
+              <a:ext uri="{28A0092B-C50C-407E-A947-70E740481C1C}">
+                <a14:useLocalDpi xmlns:a14="http://schemas.microsoft.com/office/drawing/2010/main" val="0"/>
+              </a:ext>
+            </a:extLst>
+          </a:blip>
+          <a:stretch>
+            <a:fillRect/>
+          </a:stretch>
+        </p:blipFill>
+        <p:spPr>
+          <a:xfrm>
+            <a:off x="4800600" y="1828799"/>
+            <a:ext cx="4149328" cy="4230687"/>
+          </a:xfrm>
+          <a:prstGeom prst="rect">
+            <a:avLst/>
+          </a:prstGeom>
+        </p:spPr>
+      </p:pic>
     </p:spTree>
     <p:extLst>
       <p:ext uri="{BB962C8B-B14F-4D97-AF65-F5344CB8AC3E}">
-        <p14:creationId xmlns:p14="http://schemas.microsoft.com/office/powerpoint/2010/main" val="3089617898"/>
+        <p14:creationId xmlns:p14="http://schemas.microsoft.com/office/powerpoint/2010/main" val="3684077252"/>
       </p:ext>
     </p:extLst>
   </p:cSld>
@@ -3367,288 +3783,6 @@
 </file>
 
 <file path=ppt/slides/slide12.xml><?xml version="1.0" encoding="utf-8"?>
-<p:sld xmlns:a="http://schemas.openxmlformats.org/drawingml/2006/main" xmlns:r="http://schemas.openxmlformats.org/officeDocument/2006/relationships" xmlns:p="http://schemas.openxmlformats.org/presentationml/2006/main">
-  <p:cSld>
-    <p:bg>
-      <p:bgPr>
-        <a:solidFill>
-          <a:schemeClr val="bg1"/>
-        </a:solidFill>
-        <a:effectLst/>
-      </p:bgPr>
-    </p:bg>
-    <p:spTree>
-      <p:nvGrpSpPr>
-        <p:cNvPr id="1" name=""/>
-        <p:cNvGrpSpPr/>
-        <p:nvPr/>
-      </p:nvGrpSpPr>
-      <p:grpSpPr>
-        <a:xfrm>
-          <a:off x="0" y="0"/>
-          <a:ext cx="0" cy="0"/>
-          <a:chOff x="0" y="0"/>
-          <a:chExt cx="0" cy="0"/>
-        </a:xfrm>
-      </p:grpSpPr>
-      <p:pic>
-        <p:nvPicPr>
-          <p:cNvPr id="114693" name="Picture 114692" descr="Graph on document with pen">
-            <a:extLst>
-              <a:ext uri="{FF2B5EF4-FFF2-40B4-BE49-F238E27FC236}">
-                <a16:creationId xmlns:a16="http://schemas.microsoft.com/office/drawing/2014/main" id="{34AFEB3B-46FB-00D7-9D72-3CCAD8FCC99F}"/>
-              </a:ext>
-            </a:extLst>
-          </p:cNvPr>
-          <p:cNvPicPr>
-            <a:picLocks noChangeAspect="1"/>
-          </p:cNvPicPr>
-          <p:nvPr/>
-        </p:nvPicPr>
-        <p:blipFill rotWithShape="1">
-          <a:blip r:embed="rId2"/>
-          <a:srcRect l="11000" r="-1" b="-1"/>
-          <a:stretch/>
-        </p:blipFill>
-        <p:spPr>
-          <a:xfrm>
-            <a:off x="20" y="10"/>
-            <a:ext cx="9143980" cy="6857990"/>
-          </a:xfrm>
-          <a:prstGeom prst="rect">
-            <a:avLst/>
-          </a:prstGeom>
-        </p:spPr>
-      </p:pic>
-      <p:sp>
-        <p:nvSpPr>
-          <p:cNvPr id="114697" name="Rectangle 114696">
-            <a:extLst>
-              <a:ext uri="{FF2B5EF4-FFF2-40B4-BE49-F238E27FC236}">
-                <a16:creationId xmlns:a16="http://schemas.microsoft.com/office/drawing/2014/main" id="{37C89E4B-3C9F-44B9-8B86-D9E3D112D8EC}"/>
-              </a:ext>
-              <a:ext uri="{C183D7F6-B498-43B3-948B-1728B52AA6E4}">
-                <adec:decorative xmlns:adec="http://schemas.microsoft.com/office/drawing/2017/decorative" val="1"/>
-              </a:ext>
-            </a:extLst>
-          </p:cNvPr>
-          <p:cNvSpPr>
-            <a:spLocks noGrp="1" noRot="1" noChangeAspect="1" noMove="1" noResize="1" noEditPoints="1" noAdjustHandles="1" noChangeArrowheads="1" noChangeShapeType="1" noTextEdit="1"/>
-          </p:cNvSpPr>
-          <p:nvPr>
-            <p:extLst>
-              <p:ext uri="{386F3935-93C4-4BCD-93E2-E3B085C9AB24}">
-                <p16:designElem xmlns:p16="http://schemas.microsoft.com/office/powerpoint/2015/main" val="1"/>
-              </p:ext>
-            </p:extLst>
-          </p:nvPr>
-        </p:nvSpPr>
-        <p:spPr>
-          <a:xfrm>
-            <a:off x="0" y="5320142"/>
-            <a:ext cx="9144000" cy="736551"/>
-          </a:xfrm>
-          <a:prstGeom prst="rect">
-            <a:avLst/>
-          </a:prstGeom>
-          <a:solidFill>
-            <a:schemeClr val="bg1">
-              <a:alpha val="93000"/>
-            </a:schemeClr>
-          </a:solidFill>
-          <a:ln>
-            <a:noFill/>
-          </a:ln>
-        </p:spPr>
-        <p:style>
-          <a:lnRef idx="2">
-            <a:schemeClr val="accent1">
-              <a:shade val="50000"/>
-            </a:schemeClr>
-          </a:lnRef>
-          <a:fillRef idx="1">
-            <a:schemeClr val="accent1"/>
-          </a:fillRef>
-          <a:effectRef idx="0">
-            <a:schemeClr val="accent1"/>
-          </a:effectRef>
-          <a:fontRef idx="minor">
-            <a:schemeClr val="lt1"/>
-          </a:fontRef>
-        </p:style>
-        <p:txBody>
-          <a:bodyPr rtlCol="0" anchor="ctr"/>
-          <a:lstStyle/>
-          <a:p>
-            <a:pPr algn="ctr"/>
-            <a:endParaRPr lang="en-US"/>
-          </a:p>
-        </p:txBody>
-      </p:sp>
-      <p:sp>
-        <p:nvSpPr>
-          <p:cNvPr id="114690" name="Rectangle 2">
-            <a:extLst>
-              <a:ext uri="{FF2B5EF4-FFF2-40B4-BE49-F238E27FC236}">
-                <a16:creationId xmlns:a16="http://schemas.microsoft.com/office/drawing/2014/main" id="{E38F1BDF-7654-66E1-0814-7A6BC9C85A34}"/>
-              </a:ext>
-            </a:extLst>
-          </p:cNvPr>
-          <p:cNvSpPr>
-            <a:spLocks noGrp="1" noChangeArrowheads="1"/>
-          </p:cNvSpPr>
-          <p:nvPr>
-            <p:ph type="title"/>
-          </p:nvPr>
-        </p:nvSpPr>
-        <p:spPr>
-          <a:xfrm>
-            <a:off x="152400" y="152400"/>
-            <a:ext cx="8408194" cy="744836"/>
-          </a:xfrm>
-        </p:spPr>
-        <p:txBody>
-          <a:bodyPr vert="horz" lIns="91440" tIns="45720" rIns="91440" bIns="45720" rtlCol="0" anchor="ctr">
-            <a:normAutofit/>
-          </a:bodyPr>
-          <a:lstStyle/>
-          <a:p>
-            <a:pPr algn="ctr">
-              <a:lnSpc>
-                <a:spcPct val="90000"/>
-              </a:lnSpc>
-            </a:pPr>
-            <a:r>
-              <a:rPr lang="en-US" altLang="en-US" sz="3100" dirty="0">
-                <a:solidFill>
-                  <a:schemeClr val="tx1">
-                    <a:lumMod val="85000"/>
-                    <a:lumOff val="15000"/>
-                  </a:schemeClr>
-                </a:solidFill>
-              </a:rPr>
-              <a:t>Conclusion </a:t>
-            </a:r>
-          </a:p>
-        </p:txBody>
-      </p:sp>
-      <p:cxnSp>
-        <p:nvCxnSpPr>
-          <p:cNvPr id="114699" name="Straight Connector 114698">
-            <a:extLst>
-              <a:ext uri="{FF2B5EF4-FFF2-40B4-BE49-F238E27FC236}">
-                <a16:creationId xmlns:a16="http://schemas.microsoft.com/office/drawing/2014/main" id="{AA2EAA10-076F-46BD-8F0F-B9A2FB77A85C}"/>
-              </a:ext>
-              <a:ext uri="{C183D7F6-B498-43B3-948B-1728B52AA6E4}">
-                <adec:decorative xmlns:adec="http://schemas.microsoft.com/office/drawing/2017/decorative" val="1"/>
-              </a:ext>
-            </a:extLst>
-          </p:cNvPr>
-          <p:cNvCxnSpPr>
-            <a:cxnSpLocks noGrp="1" noRot="1" noChangeAspect="1" noMove="1" noResize="1" noEditPoints="1" noAdjustHandles="1" noChangeArrowheads="1" noChangeShapeType="1"/>
-          </p:cNvCxnSpPr>
-          <p:nvPr>
-            <p:extLst>
-              <p:ext uri="{386F3935-93C4-4BCD-93E2-E3B085C9AB24}">
-                <p16:designElem xmlns:p16="http://schemas.microsoft.com/office/powerpoint/2015/main" val="1"/>
-              </p:ext>
-            </p:extLst>
-          </p:nvPr>
-        </p:nvCxnSpPr>
-        <p:spPr>
-          <a:xfrm>
-            <a:off x="0" y="5241983"/>
-            <a:ext cx="9144000" cy="0"/>
-          </a:xfrm>
-          <a:prstGeom prst="line">
-            <a:avLst/>
-          </a:prstGeom>
-          <a:ln w="41275">
-            <a:solidFill>
-              <a:schemeClr val="bg1">
-                <a:alpha val="90000"/>
-              </a:schemeClr>
-            </a:solidFill>
-          </a:ln>
-        </p:spPr>
-        <p:style>
-          <a:lnRef idx="1">
-            <a:schemeClr val="accent1"/>
-          </a:lnRef>
-          <a:fillRef idx="0">
-            <a:schemeClr val="accent1"/>
-          </a:fillRef>
-          <a:effectRef idx="0">
-            <a:schemeClr val="accent1"/>
-          </a:effectRef>
-          <a:fontRef idx="minor">
-            <a:schemeClr val="tx1"/>
-          </a:fontRef>
-        </p:style>
-      </p:cxnSp>
-      <p:cxnSp>
-        <p:nvCxnSpPr>
-          <p:cNvPr id="114701" name="Straight Connector 114700">
-            <a:extLst>
-              <a:ext uri="{FF2B5EF4-FFF2-40B4-BE49-F238E27FC236}">
-                <a16:creationId xmlns:a16="http://schemas.microsoft.com/office/drawing/2014/main" id="{D891E407-403B-4764-86C9-33A56D3BCAA3}"/>
-              </a:ext>
-              <a:ext uri="{C183D7F6-B498-43B3-948B-1728B52AA6E4}">
-                <adec:decorative xmlns:adec="http://schemas.microsoft.com/office/drawing/2017/decorative" val="1"/>
-              </a:ext>
-            </a:extLst>
-          </p:cNvPr>
-          <p:cNvCxnSpPr>
-            <a:cxnSpLocks noGrp="1" noRot="1" noChangeAspect="1" noMove="1" noResize="1" noEditPoints="1" noAdjustHandles="1" noChangeArrowheads="1" noChangeShapeType="1"/>
-          </p:cNvCxnSpPr>
-          <p:nvPr>
-            <p:extLst>
-              <p:ext uri="{386F3935-93C4-4BCD-93E2-E3B085C9AB24}">
-                <p16:designElem xmlns:p16="http://schemas.microsoft.com/office/powerpoint/2015/main" val="1"/>
-              </p:ext>
-            </p:extLst>
-          </p:nvPr>
-        </p:nvCxnSpPr>
-        <p:spPr>
-          <a:xfrm>
-            <a:off x="0" y="6134852"/>
-            <a:ext cx="9144000" cy="0"/>
-          </a:xfrm>
-          <a:prstGeom prst="line">
-            <a:avLst/>
-          </a:prstGeom>
-          <a:ln w="41275">
-            <a:solidFill>
-              <a:schemeClr val="bg1">
-                <a:alpha val="90000"/>
-              </a:schemeClr>
-            </a:solidFill>
-          </a:ln>
-        </p:spPr>
-        <p:style>
-          <a:lnRef idx="1">
-            <a:schemeClr val="accent1"/>
-          </a:lnRef>
-          <a:fillRef idx="0">
-            <a:schemeClr val="accent1"/>
-          </a:fillRef>
-          <a:effectRef idx="0">
-            <a:schemeClr val="accent1"/>
-          </a:effectRef>
-          <a:fontRef idx="minor">
-            <a:schemeClr val="tx1"/>
-          </a:fontRef>
-        </p:style>
-      </p:cxnSp>
-    </p:spTree>
-  </p:cSld>
-  <p:clrMapOvr>
-    <a:masterClrMapping/>
-  </p:clrMapOvr>
-</p:sld>
-</file>
-
-<file path=ppt/slides/slide2.xml><?xml version="1.0" encoding="utf-8"?>
 <p:sld xmlns:a="http://schemas.openxmlformats.org/drawingml/2006/main" xmlns:r="http://schemas.openxmlformats.org/officeDocument/2006/relationships" xmlns:p="http://schemas.openxmlformats.org/presentationml/2006/main">
   <p:cSld>
     <p:spTree>
@@ -3667,130 +3801,68 @@
       </p:grpSpPr>
       <p:sp>
         <p:nvSpPr>
-          <p:cNvPr id="36866" name="Rectangle 2">
-            <a:extLst>
-              <a:ext uri="{FF2B5EF4-FFF2-40B4-BE49-F238E27FC236}">
-                <a16:creationId xmlns:a16="http://schemas.microsoft.com/office/drawing/2014/main" id="{CDA7C01D-4B24-EB8D-EDB4-B649E153775E}"/>
+          <p:cNvPr id="2" name="Title 1">
+            <a:extLst>
+              <a:ext uri="{FF2B5EF4-FFF2-40B4-BE49-F238E27FC236}">
+                <a16:creationId xmlns:a16="http://schemas.microsoft.com/office/drawing/2014/main" id="{FEAE9BBC-93FF-C9EB-6DBD-5DCDF63F4F96}"/>
               </a:ext>
             </a:extLst>
           </p:cNvPr>
           <p:cNvSpPr>
-            <a:spLocks noGrp="1" noChangeArrowheads="1"/>
+            <a:spLocks noGrp="1"/>
           </p:cNvSpPr>
           <p:nvPr>
             <p:ph type="title"/>
           </p:nvPr>
         </p:nvSpPr>
-        <p:spPr>
-          <a:xfrm>
-            <a:off x="1476375" y="476250"/>
-            <a:ext cx="7488238" cy="504825"/>
-          </a:xfrm>
-        </p:spPr>
+        <p:spPr/>
         <p:txBody>
           <a:bodyPr/>
           <a:lstStyle/>
           <a:p>
-            <a:r>
-              <a:rPr lang="en-US" altLang="en-US" sz="3200" dirty="0">
-                <a:latin typeface="Tahoma" panose="020B0604030504040204" pitchFamily="34" charset="0"/>
-              </a:rPr>
-              <a:t>In Focus</a:t>
+            <a:pPr algn="ctr"/>
+            <a:r>
+              <a:rPr lang="en-US" dirty="0"/>
+              <a:t>Map</a:t>
             </a:r>
           </a:p>
         </p:txBody>
       </p:sp>
-      <p:sp>
-        <p:nvSpPr>
-          <p:cNvPr id="36867" name="Rectangle 3">
-            <a:extLst>
-              <a:ext uri="{FF2B5EF4-FFF2-40B4-BE49-F238E27FC236}">
-                <a16:creationId xmlns:a16="http://schemas.microsoft.com/office/drawing/2014/main" id="{789FEF1C-AD0C-4A03-25D3-75882E410332}"/>
-              </a:ext>
-            </a:extLst>
-          </p:cNvPr>
-          <p:cNvSpPr>
-            <a:spLocks noGrp="1" noChangeArrowheads="1"/>
-          </p:cNvSpPr>
-          <p:nvPr>
-            <p:ph type="body" idx="1"/>
-          </p:nvPr>
-        </p:nvSpPr>
+      <p:pic>
+        <p:nvPicPr>
+          <p:cNvPr id="5" name="Content Placeholder 4">
+            <a:extLst>
+              <a:ext uri="{FF2B5EF4-FFF2-40B4-BE49-F238E27FC236}">
+                <a16:creationId xmlns:a16="http://schemas.microsoft.com/office/drawing/2014/main" id="{2E9D6ED9-4FA9-749E-9B9B-0CB5CBD38D6C}"/>
+              </a:ext>
+            </a:extLst>
+          </p:cNvPr>
+          <p:cNvPicPr>
+            <a:picLocks noGrp="1" noChangeAspect="1"/>
+          </p:cNvPicPr>
+          <p:nvPr>
+            <p:ph idx="1"/>
+          </p:nvPr>
+        </p:nvPicPr>
+        <p:blipFill>
+          <a:blip r:embed="rId2"/>
+          <a:stretch>
+            <a:fillRect/>
+          </a:stretch>
+        </p:blipFill>
         <p:spPr>
           <a:xfrm>
-            <a:off x="1219200" y="2343151"/>
-            <a:ext cx="6769100" cy="4038599"/>
-          </a:xfrm>
-        </p:spPr>
-        <p:txBody>
-          <a:bodyPr/>
-          <a:lstStyle/>
-          <a:p>
-            <a:pPr>
-              <a:lnSpc>
-                <a:spcPct val="80000"/>
-              </a:lnSpc>
-            </a:pPr>
-            <a:r>
-              <a:rPr lang="en-US" sz="2000" b="0" i="0" dirty="0">
-                <a:solidFill>
-                  <a:srgbClr val="374151"/>
-                </a:solidFill>
-                <a:effectLst/>
-                <a:latin typeface="Times New Roman" panose="02020603050405020304" pitchFamily="18" charset="0"/>
-                <a:cs typeface="Times New Roman" panose="02020603050405020304" pitchFamily="18" charset="0"/>
-              </a:rPr>
-              <a:t>Our project delved into the landscape of traffic violations, aiming to gain a comprehensive understanding of the factors influencing outcomes, whether in the form of citations or warnings. </a:t>
-            </a:r>
-          </a:p>
-          <a:p>
-            <a:pPr>
-              <a:lnSpc>
-                <a:spcPct val="80000"/>
-              </a:lnSpc>
-            </a:pPr>
-            <a:r>
-              <a:rPr lang="en-US" sz="2000" b="0" i="0" dirty="0">
-                <a:solidFill>
-                  <a:srgbClr val="374151"/>
-                </a:solidFill>
-                <a:effectLst/>
-                <a:latin typeface="Times New Roman" panose="02020603050405020304" pitchFamily="18" charset="0"/>
-                <a:cs typeface="Times New Roman" panose="02020603050405020304" pitchFamily="18" charset="0"/>
-              </a:rPr>
-              <a:t>Our data collection process meticulously captured diverse elements of each traffic stop, including the driver's state, the make of the vehicle, and demographic information such as race and gender. </a:t>
-            </a:r>
-          </a:p>
-          <a:p>
-            <a:pPr>
-              <a:lnSpc>
-                <a:spcPct val="80000"/>
-              </a:lnSpc>
-            </a:pPr>
-            <a:r>
-              <a:rPr lang="en-US" sz="2000" b="0" i="0" dirty="0">
-                <a:solidFill>
-                  <a:srgbClr val="374151"/>
-                </a:solidFill>
-                <a:effectLst/>
-                <a:latin typeface="Times New Roman" panose="02020603050405020304" pitchFamily="18" charset="0"/>
-                <a:cs typeface="Times New Roman" panose="02020603050405020304" pitchFamily="18" charset="0"/>
-              </a:rPr>
-              <a:t>Employing a combination of statistical analysis and machine learning, we scrutinized these features to unravel correlations and patterns within the dataset. </a:t>
-            </a:r>
-          </a:p>
-          <a:p>
-            <a:pPr marL="0" indent="0">
-              <a:lnSpc>
-                <a:spcPct val="80000"/>
-              </a:lnSpc>
-              <a:buNone/>
-            </a:pPr>
-            <a:endParaRPr lang="en-US" altLang="en-US" sz="2000" dirty="0"/>
-          </a:p>
-        </p:txBody>
-      </p:sp>
+            <a:off x="1116013" y="1302856"/>
+            <a:ext cx="7777162" cy="4899988"/>
+          </a:xfrm>
+        </p:spPr>
+      </p:pic>
     </p:spTree>
+    <p:extLst>
+      <p:ext uri="{BB962C8B-B14F-4D97-AF65-F5344CB8AC3E}">
+        <p14:creationId xmlns:p14="http://schemas.microsoft.com/office/powerpoint/2010/main" val="1246073089"/>
+      </p:ext>
+    </p:extLst>
   </p:cSld>
   <p:clrMapOvr>
     <a:masterClrMapping/>
@@ -3798,7 +3870,7 @@
 </p:sld>
 </file>
 
-<file path=ppt/slides/slide3.xml><?xml version="1.0" encoding="utf-8"?>
+<file path=ppt/slides/slide13.xml><?xml version="1.0" encoding="utf-8"?>
 <p:sld xmlns:a="http://schemas.openxmlformats.org/drawingml/2006/main" xmlns:r="http://schemas.openxmlformats.org/officeDocument/2006/relationships" xmlns:p="http://schemas.openxmlformats.org/presentationml/2006/main">
   <p:cSld>
     <p:spTree>
@@ -3820,7 +3892,7 @@
           <p:cNvPr id="2" name="Title 1">
             <a:extLst>
               <a:ext uri="{FF2B5EF4-FFF2-40B4-BE49-F238E27FC236}">
-                <a16:creationId xmlns:a16="http://schemas.microsoft.com/office/drawing/2014/main" id="{4A963E3E-DD40-B135-16DF-9524C441B196}"/>
+                <a16:creationId xmlns:a16="http://schemas.microsoft.com/office/drawing/2014/main" id="{1BC39106-C2AF-0B98-73C7-E02918320302}"/>
               </a:ext>
             </a:extLst>
           </p:cNvPr>
@@ -3836,120 +3908,56 @@
           <a:bodyPr/>
           <a:lstStyle/>
           <a:p>
+            <a:pPr algn="ctr"/>
             <a:r>
               <a:rPr lang="en-US" dirty="0"/>
-              <a:t>Sources </a:t>
+              <a:t>Year</a:t>
             </a:r>
           </a:p>
         </p:txBody>
       </p:sp>
-      <p:sp>
-        <p:nvSpPr>
-          <p:cNvPr id="3" name="Content Placeholder 2">
-            <a:extLst>
-              <a:ext uri="{FF2B5EF4-FFF2-40B4-BE49-F238E27FC236}">
-                <a16:creationId xmlns:a16="http://schemas.microsoft.com/office/drawing/2014/main" id="{55CCD306-E4F4-F79A-9346-0D8C7BFBC536}"/>
-              </a:ext>
-            </a:extLst>
-          </p:cNvPr>
-          <p:cNvSpPr>
-            <a:spLocks noGrp="1"/>
-          </p:cNvSpPr>
+      <p:pic>
+        <p:nvPicPr>
+          <p:cNvPr id="4" name="slide19" descr="Total Violations by Year">
+            <a:extLst>
+              <a:ext uri="{FF2B5EF4-FFF2-40B4-BE49-F238E27FC236}">
+                <a16:creationId xmlns:a16="http://schemas.microsoft.com/office/drawing/2014/main" id="{F4576103-72C4-0483-3E54-38EBF244939C}"/>
+              </a:ext>
+            </a:extLst>
+          </p:cNvPr>
+          <p:cNvPicPr>
+            <a:picLocks noGrp="1" noChangeAspect="1"/>
+          </p:cNvPicPr>
           <p:nvPr>
             <p:ph idx="1"/>
           </p:nvPr>
-        </p:nvSpPr>
+        </p:nvPicPr>
+        <p:blipFill>
+          <a:blip r:embed="rId2">
+            <a:extLst>
+              <a:ext uri="{28A0092B-C50C-407E-A947-70E740481C1C}">
+                <a14:useLocalDpi xmlns:a14="http://schemas.microsoft.com/office/drawing/2010/main" val="0"/>
+              </a:ext>
+            </a:extLst>
+          </a:blip>
+          <a:stretch>
+            <a:fillRect/>
+          </a:stretch>
+        </p:blipFill>
         <p:spPr>
           <a:xfrm>
-            <a:off x="1116013" y="1524000"/>
-            <a:ext cx="7777162" cy="4713288"/>
-          </a:xfrm>
-        </p:spPr>
-        <p:txBody>
-          <a:bodyPr/>
-          <a:lstStyle/>
-          <a:p>
-            <a:endParaRPr lang="en-US" sz="2000" dirty="0"/>
-          </a:p>
-          <a:p>
-            <a:r>
-              <a:rPr lang="en-US" sz="2000" dirty="0"/>
-              <a:t>Our data comes from Montgomery County, Maryland. The dataset contains traffic violation information from all electronic traffic violations issued in the county and is updated daily. The raw data has 1.89 million rows and 43 columns. </a:t>
-            </a:r>
-          </a:p>
-          <a:p>
-            <a:pPr marL="0" indent="0">
-              <a:buNone/>
-            </a:pPr>
-            <a:endParaRPr lang="en-US" dirty="0"/>
-          </a:p>
-          <a:p>
-            <a:r>
-              <a:rPr lang="en-US" dirty="0"/>
-              <a:t>Using </a:t>
-            </a:r>
-          </a:p>
-          <a:p>
-            <a:r>
-              <a:rPr lang="en-US" sz="2000" dirty="0">
-                <a:solidFill>
-                  <a:schemeClr val="accent6">
-                    <a:lumMod val="75000"/>
-                  </a:schemeClr>
-                </a:solidFill>
-              </a:rPr>
-              <a:t>Python/Pandas</a:t>
-            </a:r>
-          </a:p>
-          <a:p>
-            <a:r>
-              <a:rPr lang="en-US" sz="2000" dirty="0">
-                <a:solidFill>
-                  <a:schemeClr val="accent6">
-                    <a:lumMod val="75000"/>
-                  </a:schemeClr>
-                </a:solidFill>
-              </a:rPr>
-              <a:t>Tableau</a:t>
-            </a:r>
-          </a:p>
-          <a:p>
-            <a:r>
-              <a:rPr lang="en-US" sz="2000" dirty="0">
-                <a:solidFill>
-                  <a:schemeClr val="accent6">
-                    <a:lumMod val="75000"/>
-                  </a:schemeClr>
-                </a:solidFill>
-              </a:rPr>
-              <a:t>Random Forest</a:t>
-            </a:r>
-          </a:p>
-          <a:p>
-            <a:r>
-              <a:rPr lang="en-US" sz="2000" dirty="0" err="1">
-                <a:solidFill>
-                  <a:schemeClr val="accent6">
-                    <a:lumMod val="75000"/>
-                  </a:schemeClr>
-                </a:solidFill>
-              </a:rPr>
-              <a:t>Pyspark</a:t>
-            </a:r>
-            <a:endParaRPr lang="en-US" sz="2000" dirty="0">
-              <a:solidFill>
-                <a:schemeClr val="accent6">
-                  <a:lumMod val="75000"/>
-                </a:schemeClr>
-              </a:solidFill>
-            </a:endParaRPr>
-          </a:p>
-        </p:txBody>
-      </p:sp>
+            <a:off x="1265577" y="1268413"/>
+            <a:ext cx="7478033" cy="4968875"/>
+          </a:xfrm>
+          <a:prstGeom prst="rect">
+            <a:avLst/>
+          </a:prstGeom>
+        </p:spPr>
+      </p:pic>
     </p:spTree>
     <p:extLst>
       <p:ext uri="{BB962C8B-B14F-4D97-AF65-F5344CB8AC3E}">
-        <p14:creationId xmlns:p14="http://schemas.microsoft.com/office/powerpoint/2010/main" val="2635689727"/>
+        <p14:creationId xmlns:p14="http://schemas.microsoft.com/office/powerpoint/2010/main" val="1229640298"/>
       </p:ext>
     </p:extLst>
   </p:cSld>
@@ -3959,7 +3967,7 @@
 </p:sld>
 </file>
 
-<file path=ppt/slides/slide4.xml><?xml version="1.0" encoding="utf-8"?>
+<file path=ppt/slides/slide14.xml><?xml version="1.0" encoding="utf-8"?>
 <p:sld xmlns:a="http://schemas.openxmlformats.org/drawingml/2006/main" xmlns:r="http://schemas.openxmlformats.org/officeDocument/2006/relationships" xmlns:p="http://schemas.openxmlformats.org/presentationml/2006/main">
   <p:cSld>
     <p:spTree>
@@ -3978,46 +3986,75 @@
       </p:grpSpPr>
       <p:sp>
         <p:nvSpPr>
-          <p:cNvPr id="114690" name="Rectangle 2">
-            <a:extLst>
-              <a:ext uri="{FF2B5EF4-FFF2-40B4-BE49-F238E27FC236}">
-                <a16:creationId xmlns:a16="http://schemas.microsoft.com/office/drawing/2014/main" id="{E38F1BDF-7654-66E1-0814-7A6BC9C85A34}"/>
+          <p:cNvPr id="2" name="Title 1">
+            <a:extLst>
+              <a:ext uri="{FF2B5EF4-FFF2-40B4-BE49-F238E27FC236}">
+                <a16:creationId xmlns:a16="http://schemas.microsoft.com/office/drawing/2014/main" id="{500F0B98-5BAC-A10E-F055-9DAA7355E8E8}"/>
               </a:ext>
             </a:extLst>
           </p:cNvPr>
           <p:cNvSpPr>
-            <a:spLocks noGrp="1" noChangeArrowheads="1"/>
+            <a:spLocks noGrp="1"/>
           </p:cNvSpPr>
           <p:nvPr>
             <p:ph type="title"/>
           </p:nvPr>
         </p:nvSpPr>
-        <p:spPr>
-          <a:xfrm>
-            <a:off x="1025525" y="2438400"/>
-            <a:ext cx="7092950" cy="647700"/>
-          </a:xfrm>
-        </p:spPr>
+        <p:spPr/>
         <p:txBody>
           <a:bodyPr/>
           <a:lstStyle/>
           <a:p>
             <a:pPr algn="ctr"/>
             <a:r>
-              <a:rPr lang="en-US" altLang="en-US" dirty="0">
-                <a:solidFill>
-                  <a:schemeClr val="tx1"/>
-                </a:solidFill>
-              </a:rPr>
-              <a:t>Data Cleaning</a:t>
+              <a:rPr lang="en-US" dirty="0"/>
+              <a:t>Top 25 Descriptions</a:t>
             </a:r>
           </a:p>
         </p:txBody>
       </p:sp>
+      <p:pic>
+        <p:nvPicPr>
+          <p:cNvPr id="4" name="slide15" descr="Top Descriptions">
+            <a:extLst>
+              <a:ext uri="{FF2B5EF4-FFF2-40B4-BE49-F238E27FC236}">
+                <a16:creationId xmlns:a16="http://schemas.microsoft.com/office/drawing/2014/main" id="{D5D330AF-22B3-E76F-936A-28ED14AE50B8}"/>
+              </a:ext>
+            </a:extLst>
+          </p:cNvPr>
+          <p:cNvPicPr>
+            <a:picLocks noGrp="1" noChangeAspect="1"/>
+          </p:cNvPicPr>
+          <p:nvPr>
+            <p:ph idx="1"/>
+          </p:nvPr>
+        </p:nvPicPr>
+        <p:blipFill>
+          <a:blip r:embed="rId2">
+            <a:extLst>
+              <a:ext uri="{28A0092B-C50C-407E-A947-70E740481C1C}">
+                <a14:useLocalDpi xmlns:a14="http://schemas.microsoft.com/office/drawing/2010/main" val="0"/>
+              </a:ext>
+            </a:extLst>
+          </a:blip>
+          <a:stretch>
+            <a:fillRect/>
+          </a:stretch>
+        </p:blipFill>
+        <p:spPr>
+          <a:xfrm>
+            <a:off x="1116013" y="1385450"/>
+            <a:ext cx="7777162" cy="4734800"/>
+          </a:xfrm>
+          <a:prstGeom prst="rect">
+            <a:avLst/>
+          </a:prstGeom>
+        </p:spPr>
+      </p:pic>
     </p:spTree>
     <p:extLst>
       <p:ext uri="{BB962C8B-B14F-4D97-AF65-F5344CB8AC3E}">
-        <p14:creationId xmlns:p14="http://schemas.microsoft.com/office/powerpoint/2010/main" val="1242657746"/>
+        <p14:creationId xmlns:p14="http://schemas.microsoft.com/office/powerpoint/2010/main" val="2959716112"/>
       </p:ext>
     </p:extLst>
   </p:cSld>
@@ -4027,7 +4064,7 @@
 </p:sld>
 </file>
 
-<file path=ppt/slides/slide5.xml><?xml version="1.0" encoding="utf-8"?>
+<file path=ppt/slides/slide15.xml><?xml version="1.0" encoding="utf-8"?>
 <p:sld xmlns:a="http://schemas.openxmlformats.org/drawingml/2006/main" xmlns:r="http://schemas.openxmlformats.org/officeDocument/2006/relationships" xmlns:p="http://schemas.openxmlformats.org/presentationml/2006/main">
   <p:cSld>
     <p:spTree>
@@ -4046,100 +4083,6 @@
       </p:grpSpPr>
       <p:sp>
         <p:nvSpPr>
-          <p:cNvPr id="114690" name="Rectangle 2">
-            <a:extLst>
-              <a:ext uri="{FF2B5EF4-FFF2-40B4-BE49-F238E27FC236}">
-                <a16:creationId xmlns:a16="http://schemas.microsoft.com/office/drawing/2014/main" id="{E38F1BDF-7654-66E1-0814-7A6BC9C85A34}"/>
-              </a:ext>
-            </a:extLst>
-          </p:cNvPr>
-          <p:cNvSpPr>
-            <a:spLocks noGrp="1" noChangeArrowheads="1"/>
-          </p:cNvSpPr>
-          <p:nvPr>
-            <p:ph type="title"/>
-          </p:nvPr>
-        </p:nvSpPr>
-        <p:spPr>
-          <a:xfrm>
-            <a:off x="1871663" y="188913"/>
-            <a:ext cx="7092950" cy="647700"/>
-          </a:xfrm>
-        </p:spPr>
-        <p:txBody>
-          <a:bodyPr/>
-          <a:lstStyle/>
-          <a:p>
-            <a:endParaRPr lang="en-US" altLang="en-US">
-              <a:solidFill>
-                <a:schemeClr val="tx1"/>
-              </a:solidFill>
-            </a:endParaRPr>
-          </a:p>
-        </p:txBody>
-      </p:sp>
-      <p:sp>
-        <p:nvSpPr>
-          <p:cNvPr id="114691" name="Rectangle 3">
-            <a:extLst>
-              <a:ext uri="{FF2B5EF4-FFF2-40B4-BE49-F238E27FC236}">
-                <a16:creationId xmlns:a16="http://schemas.microsoft.com/office/drawing/2014/main" id="{C532EC86-DEA2-C8B9-0652-CDA52A320F51}"/>
-              </a:ext>
-            </a:extLst>
-          </p:cNvPr>
-          <p:cNvSpPr>
-            <a:spLocks noGrp="1" noChangeArrowheads="1"/>
-          </p:cNvSpPr>
-          <p:nvPr>
-            <p:ph type="body" idx="1"/>
-          </p:nvPr>
-        </p:nvSpPr>
-        <p:spPr>
-          <a:xfrm>
-            <a:off x="1860550" y="908050"/>
-            <a:ext cx="7104063" cy="5761038"/>
-          </a:xfrm>
-        </p:spPr>
-        <p:txBody>
-          <a:bodyPr/>
-          <a:lstStyle/>
-          <a:p>
-            <a:endParaRPr lang="en-US" altLang="en-US"/>
-          </a:p>
-        </p:txBody>
-      </p:sp>
-    </p:spTree>
-    <p:extLst>
-      <p:ext uri="{BB962C8B-B14F-4D97-AF65-F5344CB8AC3E}">
-        <p14:creationId xmlns:p14="http://schemas.microsoft.com/office/powerpoint/2010/main" val="1443540934"/>
-      </p:ext>
-    </p:extLst>
-  </p:cSld>
-  <p:clrMapOvr>
-    <a:masterClrMapping/>
-  </p:clrMapOvr>
-</p:sld>
-</file>
-
-<file path=ppt/slides/slide6.xml><?xml version="1.0" encoding="utf-8"?>
-<p:sld xmlns:a="http://schemas.openxmlformats.org/drawingml/2006/main" xmlns:r="http://schemas.openxmlformats.org/officeDocument/2006/relationships" xmlns:p="http://schemas.openxmlformats.org/presentationml/2006/main">
-  <p:cSld>
-    <p:spTree>
-      <p:nvGrpSpPr>
-        <p:cNvPr id="1" name=""/>
-        <p:cNvGrpSpPr/>
-        <p:nvPr/>
-      </p:nvGrpSpPr>
-      <p:grpSpPr>
-        <a:xfrm>
-          <a:off x="0" y="0"/>
-          <a:ext cx="0" cy="0"/>
-          <a:chOff x="0" y="0"/>
-          <a:chExt cx="0" cy="0"/>
-        </a:xfrm>
-      </p:grpSpPr>
-      <p:sp>
-        <p:nvSpPr>
           <p:cNvPr id="2" name="Title 1">
             <a:extLst>
               <a:ext uri="{FF2B5EF4-FFF2-40B4-BE49-F238E27FC236}">
@@ -4291,7 +4234,7 @@
 </p:sld>
 </file>
 
-<file path=ppt/slides/slide7.xml><?xml version="1.0" encoding="utf-8"?>
+<file path=ppt/slides/slide16.xml><?xml version="1.0" encoding="utf-8"?>
 <p:sld xmlns:a="http://schemas.openxmlformats.org/drawingml/2006/main" xmlns:r="http://schemas.openxmlformats.org/officeDocument/2006/relationships" xmlns:p="http://schemas.openxmlformats.org/presentationml/2006/main">
   <p:cSld>
     <p:bg>
@@ -5027,7 +4970,7 @@
 </p:sld>
 </file>
 
-<file path=ppt/slides/slide8.xml><?xml version="1.0" encoding="utf-8"?>
+<file path=ppt/slides/slide17.xml><?xml version="1.0" encoding="utf-8"?>
 <p:sld xmlns:a="http://schemas.openxmlformats.org/drawingml/2006/main" xmlns:r="http://schemas.openxmlformats.org/officeDocument/2006/relationships" xmlns:p="http://schemas.openxmlformats.org/presentationml/2006/main">
   <p:cSld>
     <p:bg>
@@ -5775,6 +5718,1926 @@
 </p:sld>
 </file>
 
+<file path=ppt/slides/slide18.xml><?xml version="1.0" encoding="utf-8"?>
+<p:sld xmlns:a="http://schemas.openxmlformats.org/drawingml/2006/main" xmlns:r="http://schemas.openxmlformats.org/officeDocument/2006/relationships" xmlns:p="http://schemas.openxmlformats.org/presentationml/2006/main">
+  <p:cSld>
+    <p:spTree>
+      <p:nvGrpSpPr>
+        <p:cNvPr id="1" name=""/>
+        <p:cNvGrpSpPr/>
+        <p:nvPr/>
+      </p:nvGrpSpPr>
+      <p:grpSpPr>
+        <a:xfrm>
+          <a:off x="0" y="0"/>
+          <a:ext cx="0" cy="0"/>
+          <a:chOff x="0" y="0"/>
+          <a:chExt cx="0" cy="0"/>
+        </a:xfrm>
+      </p:grpSpPr>
+      <p:sp>
+        <p:nvSpPr>
+          <p:cNvPr id="2" name="Title 1">
+            <a:extLst>
+              <a:ext uri="{FF2B5EF4-FFF2-40B4-BE49-F238E27FC236}">
+                <a16:creationId xmlns:a16="http://schemas.microsoft.com/office/drawing/2014/main" id="{8E961674-242D-F048-BCB8-0DE82029DD70}"/>
+              </a:ext>
+            </a:extLst>
+          </p:cNvPr>
+          <p:cNvSpPr>
+            <a:spLocks noGrp="1"/>
+          </p:cNvSpPr>
+          <p:nvPr>
+            <p:ph type="title"/>
+          </p:nvPr>
+        </p:nvSpPr>
+        <p:spPr/>
+        <p:txBody>
+          <a:bodyPr/>
+          <a:lstStyle/>
+          <a:p>
+            <a:r>
+              <a:rPr lang="en-US" dirty="0" err="1"/>
+              <a:t>Pyspark</a:t>
+            </a:r>
+            <a:endParaRPr lang="en-US" dirty="0"/>
+          </a:p>
+        </p:txBody>
+      </p:sp>
+      <p:sp>
+        <p:nvSpPr>
+          <p:cNvPr id="3" name="Text Placeholder 2">
+            <a:extLst>
+              <a:ext uri="{FF2B5EF4-FFF2-40B4-BE49-F238E27FC236}">
+                <a16:creationId xmlns:a16="http://schemas.microsoft.com/office/drawing/2014/main" id="{A801A934-091D-FC2E-EAB0-68400EC103B3}"/>
+              </a:ext>
+            </a:extLst>
+          </p:cNvPr>
+          <p:cNvSpPr>
+            <a:spLocks noGrp="1"/>
+          </p:cNvSpPr>
+          <p:nvPr>
+            <p:ph type="body" idx="1"/>
+          </p:nvPr>
+        </p:nvSpPr>
+        <p:spPr>
+          <a:xfrm>
+            <a:off x="630239" y="1681163"/>
+            <a:ext cx="2874962" cy="452437"/>
+          </a:xfrm>
+        </p:spPr>
+        <p:txBody>
+          <a:bodyPr/>
+          <a:lstStyle/>
+          <a:p>
+            <a:r>
+              <a:rPr lang="en-US" dirty="0"/>
+              <a:t>Without Partition</a:t>
+            </a:r>
+          </a:p>
+        </p:txBody>
+      </p:sp>
+      <p:sp>
+        <p:nvSpPr>
+          <p:cNvPr id="4" name="Content Placeholder 3">
+            <a:extLst>
+              <a:ext uri="{FF2B5EF4-FFF2-40B4-BE49-F238E27FC236}">
+                <a16:creationId xmlns:a16="http://schemas.microsoft.com/office/drawing/2014/main" id="{0C42304B-88CA-7AFB-2FDB-0A7A5004EB2C}"/>
+              </a:ext>
+            </a:extLst>
+          </p:cNvPr>
+          <p:cNvSpPr>
+            <a:spLocks noGrp="1"/>
+          </p:cNvSpPr>
+          <p:nvPr>
+            <p:ph sz="half" idx="2"/>
+          </p:nvPr>
+        </p:nvSpPr>
+        <p:spPr>
+          <a:xfrm>
+            <a:off x="630239" y="2057400"/>
+            <a:ext cx="3332162" cy="4435475"/>
+          </a:xfrm>
+        </p:spPr>
+        <p:txBody>
+          <a:bodyPr/>
+          <a:lstStyle/>
+          <a:p>
+            <a:endParaRPr lang="en-US" sz="2400" dirty="0"/>
+          </a:p>
+          <a:p>
+            <a:r>
+              <a:rPr lang="en-US" sz="2400" dirty="0"/>
+              <a:t>To get number of incidents for each description for each violation type: </a:t>
+            </a:r>
+            <a:r>
+              <a:rPr lang="en-US" sz="2400" dirty="0">
+                <a:highlight>
+                  <a:srgbClr val="FF9900"/>
+                </a:highlight>
+              </a:rPr>
+              <a:t>6.8 Seconds</a:t>
+            </a:r>
+          </a:p>
+          <a:p>
+            <a:r>
+              <a:rPr lang="en-US" sz="2400" dirty="0"/>
+              <a:t>To get 25 locations with highest citations of "Speeding" recently: </a:t>
+            </a:r>
+            <a:r>
+              <a:rPr lang="en-US" sz="2400" dirty="0">
+                <a:highlight>
+                  <a:srgbClr val="FF9900"/>
+                </a:highlight>
+              </a:rPr>
+              <a:t>5.9 Seconds</a:t>
+            </a:r>
+          </a:p>
+        </p:txBody>
+      </p:sp>
+      <p:sp>
+        <p:nvSpPr>
+          <p:cNvPr id="5" name="Text Placeholder 4">
+            <a:extLst>
+              <a:ext uri="{FF2B5EF4-FFF2-40B4-BE49-F238E27FC236}">
+                <a16:creationId xmlns:a16="http://schemas.microsoft.com/office/drawing/2014/main" id="{3E0AE967-5144-9B6A-8CF9-E91F5B73A1BC}"/>
+              </a:ext>
+            </a:extLst>
+          </p:cNvPr>
+          <p:cNvSpPr>
+            <a:spLocks noGrp="1"/>
+          </p:cNvSpPr>
+          <p:nvPr>
+            <p:ph type="body" sz="quarter" idx="3"/>
+          </p:nvPr>
+        </p:nvSpPr>
+        <p:spPr>
+          <a:xfrm>
+            <a:off x="3962401" y="1681163"/>
+            <a:ext cx="4554537" cy="452437"/>
+          </a:xfrm>
+        </p:spPr>
+        <p:txBody>
+          <a:bodyPr/>
+          <a:lstStyle/>
+          <a:p>
+            <a:r>
+              <a:rPr lang="en-US" dirty="0"/>
+              <a:t>With Partition on </a:t>
+            </a:r>
+            <a:r>
+              <a:rPr lang="en-US" dirty="0" err="1"/>
+              <a:t>Descritpion</a:t>
+            </a:r>
+            <a:endParaRPr lang="en-US" dirty="0"/>
+          </a:p>
+        </p:txBody>
+      </p:sp>
+      <p:sp>
+        <p:nvSpPr>
+          <p:cNvPr id="6" name="Content Placeholder 5">
+            <a:extLst>
+              <a:ext uri="{FF2B5EF4-FFF2-40B4-BE49-F238E27FC236}">
+                <a16:creationId xmlns:a16="http://schemas.microsoft.com/office/drawing/2014/main" id="{92A75458-5193-83CD-07AB-4ADF3FA34095}"/>
+              </a:ext>
+            </a:extLst>
+          </p:cNvPr>
+          <p:cNvSpPr>
+            <a:spLocks noGrp="1"/>
+          </p:cNvSpPr>
+          <p:nvPr>
+            <p:ph sz="quarter" idx="4"/>
+          </p:nvPr>
+        </p:nvSpPr>
+        <p:spPr>
+          <a:xfrm>
+            <a:off x="4631053" y="2436812"/>
+            <a:ext cx="3887788" cy="4056063"/>
+          </a:xfrm>
+        </p:spPr>
+        <p:txBody>
+          <a:bodyPr/>
+          <a:lstStyle/>
+          <a:p>
+            <a:r>
+              <a:rPr lang="en-US" sz="2400" dirty="0"/>
+              <a:t>To get number of incidents for each description for each violation type: </a:t>
+            </a:r>
+            <a:r>
+              <a:rPr lang="en-US" sz="2400" dirty="0">
+                <a:highlight>
+                  <a:srgbClr val="00FF00"/>
+                </a:highlight>
+              </a:rPr>
+              <a:t>2.1 Seconds</a:t>
+            </a:r>
+          </a:p>
+          <a:p>
+            <a:r>
+              <a:rPr lang="en-US" sz="2400" dirty="0"/>
+              <a:t>To get 25 locations with highest citations of "Speeding" recently: </a:t>
+            </a:r>
+            <a:r>
+              <a:rPr lang="en-US" sz="2400" dirty="0">
+                <a:highlight>
+                  <a:srgbClr val="00FF00"/>
+                </a:highlight>
+              </a:rPr>
+              <a:t>1.6 Seconds</a:t>
+            </a:r>
+          </a:p>
+          <a:p>
+            <a:endParaRPr lang="en-US" dirty="0"/>
+          </a:p>
+        </p:txBody>
+      </p:sp>
+    </p:spTree>
+    <p:extLst>
+      <p:ext uri="{BB962C8B-B14F-4D97-AF65-F5344CB8AC3E}">
+        <p14:creationId xmlns:p14="http://schemas.microsoft.com/office/powerpoint/2010/main" val="657106904"/>
+      </p:ext>
+    </p:extLst>
+  </p:cSld>
+  <p:clrMapOvr>
+    <a:masterClrMapping/>
+  </p:clrMapOvr>
+</p:sld>
+</file>
+
+<file path=ppt/slides/slide19.xml><?xml version="1.0" encoding="utf-8"?>
+<p:sld xmlns:a="http://schemas.openxmlformats.org/drawingml/2006/main" xmlns:r="http://schemas.openxmlformats.org/officeDocument/2006/relationships" xmlns:p="http://schemas.openxmlformats.org/presentationml/2006/main">
+  <p:cSld>
+    <p:spTree>
+      <p:nvGrpSpPr>
+        <p:cNvPr id="1" name=""/>
+        <p:cNvGrpSpPr/>
+        <p:nvPr/>
+      </p:nvGrpSpPr>
+      <p:grpSpPr>
+        <a:xfrm>
+          <a:off x="0" y="0"/>
+          <a:ext cx="0" cy="0"/>
+          <a:chOff x="0" y="0"/>
+          <a:chExt cx="0" cy="0"/>
+        </a:xfrm>
+      </p:grpSpPr>
+      <p:sp>
+        <p:nvSpPr>
+          <p:cNvPr id="114690" name="Rectangle 2">
+            <a:extLst>
+              <a:ext uri="{FF2B5EF4-FFF2-40B4-BE49-F238E27FC236}">
+                <a16:creationId xmlns:a16="http://schemas.microsoft.com/office/drawing/2014/main" id="{E38F1BDF-7654-66E1-0814-7A6BC9C85A34}"/>
+              </a:ext>
+            </a:extLst>
+          </p:cNvPr>
+          <p:cNvSpPr>
+            <a:spLocks noGrp="1" noChangeArrowheads="1"/>
+          </p:cNvSpPr>
+          <p:nvPr>
+            <p:ph type="title"/>
+          </p:nvPr>
+        </p:nvSpPr>
+        <p:spPr>
+          <a:xfrm>
+            <a:off x="1871663" y="188913"/>
+            <a:ext cx="7092950" cy="647700"/>
+          </a:xfrm>
+        </p:spPr>
+        <p:txBody>
+          <a:bodyPr/>
+          <a:lstStyle/>
+          <a:p>
+            <a:endParaRPr lang="en-US" altLang="en-US">
+              <a:solidFill>
+                <a:schemeClr val="tx1"/>
+              </a:solidFill>
+            </a:endParaRPr>
+          </a:p>
+        </p:txBody>
+      </p:sp>
+      <p:sp>
+        <p:nvSpPr>
+          <p:cNvPr id="114691" name="Rectangle 3">
+            <a:extLst>
+              <a:ext uri="{FF2B5EF4-FFF2-40B4-BE49-F238E27FC236}">
+                <a16:creationId xmlns:a16="http://schemas.microsoft.com/office/drawing/2014/main" id="{C532EC86-DEA2-C8B9-0652-CDA52A320F51}"/>
+              </a:ext>
+            </a:extLst>
+          </p:cNvPr>
+          <p:cNvSpPr>
+            <a:spLocks noGrp="1" noChangeArrowheads="1"/>
+          </p:cNvSpPr>
+          <p:nvPr>
+            <p:ph type="body" idx="1"/>
+          </p:nvPr>
+        </p:nvSpPr>
+        <p:spPr>
+          <a:xfrm>
+            <a:off x="1860550" y="908050"/>
+            <a:ext cx="7104063" cy="5761038"/>
+          </a:xfrm>
+        </p:spPr>
+        <p:txBody>
+          <a:bodyPr/>
+          <a:lstStyle/>
+          <a:p>
+            <a:endParaRPr lang="en-US" altLang="en-US"/>
+          </a:p>
+        </p:txBody>
+      </p:sp>
+    </p:spTree>
+    <p:extLst>
+      <p:ext uri="{BB962C8B-B14F-4D97-AF65-F5344CB8AC3E}">
+        <p14:creationId xmlns:p14="http://schemas.microsoft.com/office/powerpoint/2010/main" val="1936378657"/>
+      </p:ext>
+    </p:extLst>
+  </p:cSld>
+  <p:clrMapOvr>
+    <a:masterClrMapping/>
+  </p:clrMapOvr>
+</p:sld>
+</file>
+
+<file path=ppt/slides/slide2.xml><?xml version="1.0" encoding="utf-8"?>
+<p:sld xmlns:a="http://schemas.openxmlformats.org/drawingml/2006/main" xmlns:r="http://schemas.openxmlformats.org/officeDocument/2006/relationships" xmlns:p="http://schemas.openxmlformats.org/presentationml/2006/main">
+  <p:cSld>
+    <p:spTree>
+      <p:nvGrpSpPr>
+        <p:cNvPr id="1" name=""/>
+        <p:cNvGrpSpPr/>
+        <p:nvPr/>
+      </p:nvGrpSpPr>
+      <p:grpSpPr>
+        <a:xfrm>
+          <a:off x="0" y="0"/>
+          <a:ext cx="0" cy="0"/>
+          <a:chOff x="0" y="0"/>
+          <a:chExt cx="0" cy="0"/>
+        </a:xfrm>
+      </p:grpSpPr>
+      <p:sp>
+        <p:nvSpPr>
+          <p:cNvPr id="36866" name="Rectangle 2">
+            <a:extLst>
+              <a:ext uri="{FF2B5EF4-FFF2-40B4-BE49-F238E27FC236}">
+                <a16:creationId xmlns:a16="http://schemas.microsoft.com/office/drawing/2014/main" id="{CDA7C01D-4B24-EB8D-EDB4-B649E153775E}"/>
+              </a:ext>
+            </a:extLst>
+          </p:cNvPr>
+          <p:cNvSpPr>
+            <a:spLocks noGrp="1" noChangeArrowheads="1"/>
+          </p:cNvSpPr>
+          <p:nvPr>
+            <p:ph type="title"/>
+          </p:nvPr>
+        </p:nvSpPr>
+        <p:spPr>
+          <a:xfrm>
+            <a:off x="1476375" y="476250"/>
+            <a:ext cx="7488238" cy="504825"/>
+          </a:xfrm>
+        </p:spPr>
+        <p:txBody>
+          <a:bodyPr/>
+          <a:lstStyle/>
+          <a:p>
+            <a:r>
+              <a:rPr lang="en-US" altLang="en-US" sz="3200" dirty="0">
+                <a:latin typeface="Tahoma" panose="020B0604030504040204" pitchFamily="34" charset="0"/>
+              </a:rPr>
+              <a:t>In Focus</a:t>
+            </a:r>
+          </a:p>
+        </p:txBody>
+      </p:sp>
+      <p:sp>
+        <p:nvSpPr>
+          <p:cNvPr id="36867" name="Rectangle 3">
+            <a:extLst>
+              <a:ext uri="{FF2B5EF4-FFF2-40B4-BE49-F238E27FC236}">
+                <a16:creationId xmlns:a16="http://schemas.microsoft.com/office/drawing/2014/main" id="{789FEF1C-AD0C-4A03-25D3-75882E410332}"/>
+              </a:ext>
+            </a:extLst>
+          </p:cNvPr>
+          <p:cNvSpPr>
+            <a:spLocks noGrp="1" noChangeArrowheads="1"/>
+          </p:cNvSpPr>
+          <p:nvPr>
+            <p:ph type="body" idx="1"/>
+          </p:nvPr>
+        </p:nvSpPr>
+        <p:spPr>
+          <a:xfrm>
+            <a:off x="1219200" y="2343151"/>
+            <a:ext cx="6769100" cy="4038599"/>
+          </a:xfrm>
+        </p:spPr>
+        <p:txBody>
+          <a:bodyPr/>
+          <a:lstStyle/>
+          <a:p>
+            <a:pPr>
+              <a:lnSpc>
+                <a:spcPct val="80000"/>
+              </a:lnSpc>
+            </a:pPr>
+            <a:r>
+              <a:rPr lang="en-US" sz="2000" b="0" i="0" dirty="0">
+                <a:solidFill>
+                  <a:srgbClr val="374151"/>
+                </a:solidFill>
+                <a:effectLst/>
+                <a:latin typeface="Times New Roman" panose="02020603050405020304" pitchFamily="18" charset="0"/>
+                <a:cs typeface="Times New Roman" panose="02020603050405020304" pitchFamily="18" charset="0"/>
+              </a:rPr>
+              <a:t>Our project delved into the landscape of traffic violations, aiming to gain a comprehensive understanding of the factors influencing outcomes, whether in the form of citations or warnings. </a:t>
+            </a:r>
+          </a:p>
+          <a:p>
+            <a:pPr>
+              <a:lnSpc>
+                <a:spcPct val="80000"/>
+              </a:lnSpc>
+            </a:pPr>
+            <a:r>
+              <a:rPr lang="en-US" sz="2000" b="0" i="0" dirty="0">
+                <a:solidFill>
+                  <a:srgbClr val="374151"/>
+                </a:solidFill>
+                <a:effectLst/>
+                <a:latin typeface="Times New Roman" panose="02020603050405020304" pitchFamily="18" charset="0"/>
+                <a:cs typeface="Times New Roman" panose="02020603050405020304" pitchFamily="18" charset="0"/>
+              </a:rPr>
+              <a:t>Our data collection process meticulously captured diverse elements of each traffic stop, including the driver's state, the make of the vehicle, and demographic information such as race and gender. </a:t>
+            </a:r>
+          </a:p>
+          <a:p>
+            <a:pPr>
+              <a:lnSpc>
+                <a:spcPct val="80000"/>
+              </a:lnSpc>
+            </a:pPr>
+            <a:r>
+              <a:rPr lang="en-US" sz="2000" b="0" i="0" dirty="0">
+                <a:solidFill>
+                  <a:srgbClr val="374151"/>
+                </a:solidFill>
+                <a:effectLst/>
+                <a:latin typeface="Times New Roman" panose="02020603050405020304" pitchFamily="18" charset="0"/>
+                <a:cs typeface="Times New Roman" panose="02020603050405020304" pitchFamily="18" charset="0"/>
+              </a:rPr>
+              <a:t>Employing a combination of statistical analysis and machine learning, we scrutinized these features to unravel correlations and patterns within the dataset. </a:t>
+            </a:r>
+          </a:p>
+          <a:p>
+            <a:pPr marL="0" indent="0">
+              <a:lnSpc>
+                <a:spcPct val="80000"/>
+              </a:lnSpc>
+              <a:buNone/>
+            </a:pPr>
+            <a:endParaRPr lang="en-US" altLang="en-US" sz="2000" dirty="0"/>
+          </a:p>
+        </p:txBody>
+      </p:sp>
+    </p:spTree>
+  </p:cSld>
+  <p:clrMapOvr>
+    <a:masterClrMapping/>
+  </p:clrMapOvr>
+</p:sld>
+</file>
+
+<file path=ppt/slides/slide20.xml><?xml version="1.0" encoding="utf-8"?>
+<p:sld xmlns:a="http://schemas.openxmlformats.org/drawingml/2006/main" xmlns:r="http://schemas.openxmlformats.org/officeDocument/2006/relationships" xmlns:p="http://schemas.openxmlformats.org/presentationml/2006/main">
+  <p:cSld>
+    <p:spTree>
+      <p:nvGrpSpPr>
+        <p:cNvPr id="1" name=""/>
+        <p:cNvGrpSpPr/>
+        <p:nvPr/>
+      </p:nvGrpSpPr>
+      <p:grpSpPr>
+        <a:xfrm>
+          <a:off x="0" y="0"/>
+          <a:ext cx="0" cy="0"/>
+          <a:chOff x="0" y="0"/>
+          <a:chExt cx="0" cy="0"/>
+        </a:xfrm>
+      </p:grpSpPr>
+      <p:sp>
+        <p:nvSpPr>
+          <p:cNvPr id="2" name="Title 1">
+            <a:extLst>
+              <a:ext uri="{FF2B5EF4-FFF2-40B4-BE49-F238E27FC236}">
+                <a16:creationId xmlns:a16="http://schemas.microsoft.com/office/drawing/2014/main" id="{65F70101-2480-4920-3D6F-424F65D6E233}"/>
+              </a:ext>
+            </a:extLst>
+          </p:cNvPr>
+          <p:cNvSpPr>
+            <a:spLocks noGrp="1"/>
+          </p:cNvSpPr>
+          <p:nvPr>
+            <p:ph type="title"/>
+          </p:nvPr>
+        </p:nvSpPr>
+        <p:spPr/>
+        <p:txBody>
+          <a:bodyPr/>
+          <a:lstStyle/>
+          <a:p>
+            <a:endParaRPr lang="en-US"/>
+          </a:p>
+        </p:txBody>
+      </p:sp>
+      <p:sp>
+        <p:nvSpPr>
+          <p:cNvPr id="3" name="Content Placeholder 2">
+            <a:extLst>
+              <a:ext uri="{FF2B5EF4-FFF2-40B4-BE49-F238E27FC236}">
+                <a16:creationId xmlns:a16="http://schemas.microsoft.com/office/drawing/2014/main" id="{27E4D1F4-BC64-FC19-216E-265BDA4AEDA4}"/>
+              </a:ext>
+            </a:extLst>
+          </p:cNvPr>
+          <p:cNvSpPr>
+            <a:spLocks noGrp="1"/>
+          </p:cNvSpPr>
+          <p:nvPr>
+            <p:ph idx="1"/>
+          </p:nvPr>
+        </p:nvSpPr>
+        <p:spPr/>
+        <p:txBody>
+          <a:bodyPr/>
+          <a:lstStyle/>
+          <a:p>
+            <a:endParaRPr lang="en-US"/>
+          </a:p>
+        </p:txBody>
+      </p:sp>
+    </p:spTree>
+    <p:extLst>
+      <p:ext uri="{BB962C8B-B14F-4D97-AF65-F5344CB8AC3E}">
+        <p14:creationId xmlns:p14="http://schemas.microsoft.com/office/powerpoint/2010/main" val="3089617898"/>
+      </p:ext>
+    </p:extLst>
+  </p:cSld>
+  <p:clrMapOvr>
+    <a:masterClrMapping/>
+  </p:clrMapOvr>
+</p:sld>
+</file>
+
+<file path=ppt/slides/slide21.xml><?xml version="1.0" encoding="utf-8"?>
+<p:sld xmlns:a="http://schemas.openxmlformats.org/drawingml/2006/main" xmlns:r="http://schemas.openxmlformats.org/officeDocument/2006/relationships" xmlns:p="http://schemas.openxmlformats.org/presentationml/2006/main">
+  <p:cSld>
+    <p:bg>
+      <p:bgPr>
+        <a:solidFill>
+          <a:schemeClr val="bg1"/>
+        </a:solidFill>
+        <a:effectLst/>
+      </p:bgPr>
+    </p:bg>
+    <p:spTree>
+      <p:nvGrpSpPr>
+        <p:cNvPr id="1" name=""/>
+        <p:cNvGrpSpPr/>
+        <p:nvPr/>
+      </p:nvGrpSpPr>
+      <p:grpSpPr>
+        <a:xfrm>
+          <a:off x="0" y="0"/>
+          <a:ext cx="0" cy="0"/>
+          <a:chOff x="0" y="0"/>
+          <a:chExt cx="0" cy="0"/>
+        </a:xfrm>
+      </p:grpSpPr>
+      <p:pic>
+        <p:nvPicPr>
+          <p:cNvPr id="114693" name="Picture 114692" descr="Graph on document with pen">
+            <a:extLst>
+              <a:ext uri="{FF2B5EF4-FFF2-40B4-BE49-F238E27FC236}">
+                <a16:creationId xmlns:a16="http://schemas.microsoft.com/office/drawing/2014/main" id="{34AFEB3B-46FB-00D7-9D72-3CCAD8FCC99F}"/>
+              </a:ext>
+            </a:extLst>
+          </p:cNvPr>
+          <p:cNvPicPr>
+            <a:picLocks noChangeAspect="1"/>
+          </p:cNvPicPr>
+          <p:nvPr/>
+        </p:nvPicPr>
+        <p:blipFill rotWithShape="1">
+          <a:blip r:embed="rId2"/>
+          <a:srcRect l="11000" r="-1" b="-1"/>
+          <a:stretch/>
+        </p:blipFill>
+        <p:spPr>
+          <a:xfrm>
+            <a:off x="20" y="10"/>
+            <a:ext cx="9143980" cy="6857990"/>
+          </a:xfrm>
+          <a:prstGeom prst="rect">
+            <a:avLst/>
+          </a:prstGeom>
+        </p:spPr>
+      </p:pic>
+      <p:sp>
+        <p:nvSpPr>
+          <p:cNvPr id="114697" name="Rectangle 114696">
+            <a:extLst>
+              <a:ext uri="{FF2B5EF4-FFF2-40B4-BE49-F238E27FC236}">
+                <a16:creationId xmlns:a16="http://schemas.microsoft.com/office/drawing/2014/main" id="{37C89E4B-3C9F-44B9-8B86-D9E3D112D8EC}"/>
+              </a:ext>
+              <a:ext uri="{C183D7F6-B498-43B3-948B-1728B52AA6E4}">
+                <adec:decorative xmlns:adec="http://schemas.microsoft.com/office/drawing/2017/decorative" val="1"/>
+              </a:ext>
+            </a:extLst>
+          </p:cNvPr>
+          <p:cNvSpPr>
+            <a:spLocks noGrp="1" noRot="1" noChangeAspect="1" noMove="1" noResize="1" noEditPoints="1" noAdjustHandles="1" noChangeArrowheads="1" noChangeShapeType="1" noTextEdit="1"/>
+          </p:cNvSpPr>
+          <p:nvPr>
+            <p:extLst>
+              <p:ext uri="{386F3935-93C4-4BCD-93E2-E3B085C9AB24}">
+                <p16:designElem xmlns:p16="http://schemas.microsoft.com/office/powerpoint/2015/main" val="1"/>
+              </p:ext>
+            </p:extLst>
+          </p:nvPr>
+        </p:nvSpPr>
+        <p:spPr>
+          <a:xfrm>
+            <a:off x="0" y="5320142"/>
+            <a:ext cx="9144000" cy="736551"/>
+          </a:xfrm>
+          <a:prstGeom prst="rect">
+            <a:avLst/>
+          </a:prstGeom>
+          <a:solidFill>
+            <a:schemeClr val="bg1">
+              <a:alpha val="93000"/>
+            </a:schemeClr>
+          </a:solidFill>
+          <a:ln>
+            <a:noFill/>
+          </a:ln>
+        </p:spPr>
+        <p:style>
+          <a:lnRef idx="2">
+            <a:schemeClr val="accent1">
+              <a:shade val="50000"/>
+            </a:schemeClr>
+          </a:lnRef>
+          <a:fillRef idx="1">
+            <a:schemeClr val="accent1"/>
+          </a:fillRef>
+          <a:effectRef idx="0">
+            <a:schemeClr val="accent1"/>
+          </a:effectRef>
+          <a:fontRef idx="minor">
+            <a:schemeClr val="lt1"/>
+          </a:fontRef>
+        </p:style>
+        <p:txBody>
+          <a:bodyPr rtlCol="0" anchor="ctr"/>
+          <a:lstStyle/>
+          <a:p>
+            <a:pPr algn="ctr"/>
+            <a:endParaRPr lang="en-US"/>
+          </a:p>
+        </p:txBody>
+      </p:sp>
+      <p:sp>
+        <p:nvSpPr>
+          <p:cNvPr id="114690" name="Rectangle 2">
+            <a:extLst>
+              <a:ext uri="{FF2B5EF4-FFF2-40B4-BE49-F238E27FC236}">
+                <a16:creationId xmlns:a16="http://schemas.microsoft.com/office/drawing/2014/main" id="{E38F1BDF-7654-66E1-0814-7A6BC9C85A34}"/>
+              </a:ext>
+            </a:extLst>
+          </p:cNvPr>
+          <p:cNvSpPr>
+            <a:spLocks noGrp="1" noChangeArrowheads="1"/>
+          </p:cNvSpPr>
+          <p:nvPr>
+            <p:ph type="title"/>
+          </p:nvPr>
+        </p:nvSpPr>
+        <p:spPr>
+          <a:xfrm>
+            <a:off x="152400" y="152400"/>
+            <a:ext cx="8408194" cy="744836"/>
+          </a:xfrm>
+        </p:spPr>
+        <p:txBody>
+          <a:bodyPr vert="horz" lIns="91440" tIns="45720" rIns="91440" bIns="45720" rtlCol="0" anchor="ctr">
+            <a:normAutofit/>
+          </a:bodyPr>
+          <a:lstStyle/>
+          <a:p>
+            <a:pPr algn="ctr">
+              <a:lnSpc>
+                <a:spcPct val="90000"/>
+              </a:lnSpc>
+            </a:pPr>
+            <a:r>
+              <a:rPr lang="en-US" altLang="en-US" sz="3100" dirty="0">
+                <a:solidFill>
+                  <a:schemeClr val="tx1">
+                    <a:lumMod val="85000"/>
+                    <a:lumOff val="15000"/>
+                  </a:schemeClr>
+                </a:solidFill>
+              </a:rPr>
+              <a:t>Conclusion </a:t>
+            </a:r>
+          </a:p>
+        </p:txBody>
+      </p:sp>
+      <p:cxnSp>
+        <p:nvCxnSpPr>
+          <p:cNvPr id="114699" name="Straight Connector 114698">
+            <a:extLst>
+              <a:ext uri="{FF2B5EF4-FFF2-40B4-BE49-F238E27FC236}">
+                <a16:creationId xmlns:a16="http://schemas.microsoft.com/office/drawing/2014/main" id="{AA2EAA10-076F-46BD-8F0F-B9A2FB77A85C}"/>
+              </a:ext>
+              <a:ext uri="{C183D7F6-B498-43B3-948B-1728B52AA6E4}">
+                <adec:decorative xmlns:adec="http://schemas.microsoft.com/office/drawing/2017/decorative" val="1"/>
+              </a:ext>
+            </a:extLst>
+          </p:cNvPr>
+          <p:cNvCxnSpPr>
+            <a:cxnSpLocks noGrp="1" noRot="1" noChangeAspect="1" noMove="1" noResize="1" noEditPoints="1" noAdjustHandles="1" noChangeArrowheads="1" noChangeShapeType="1"/>
+          </p:cNvCxnSpPr>
+          <p:nvPr>
+            <p:extLst>
+              <p:ext uri="{386F3935-93C4-4BCD-93E2-E3B085C9AB24}">
+                <p16:designElem xmlns:p16="http://schemas.microsoft.com/office/powerpoint/2015/main" val="1"/>
+              </p:ext>
+            </p:extLst>
+          </p:nvPr>
+        </p:nvCxnSpPr>
+        <p:spPr>
+          <a:xfrm>
+            <a:off x="0" y="5241983"/>
+            <a:ext cx="9144000" cy="0"/>
+          </a:xfrm>
+          <a:prstGeom prst="line">
+            <a:avLst/>
+          </a:prstGeom>
+          <a:ln w="41275">
+            <a:solidFill>
+              <a:schemeClr val="bg1">
+                <a:alpha val="90000"/>
+              </a:schemeClr>
+            </a:solidFill>
+          </a:ln>
+        </p:spPr>
+        <p:style>
+          <a:lnRef idx="1">
+            <a:schemeClr val="accent1"/>
+          </a:lnRef>
+          <a:fillRef idx="0">
+            <a:schemeClr val="accent1"/>
+          </a:fillRef>
+          <a:effectRef idx="0">
+            <a:schemeClr val="accent1"/>
+          </a:effectRef>
+          <a:fontRef idx="minor">
+            <a:schemeClr val="tx1"/>
+          </a:fontRef>
+        </p:style>
+      </p:cxnSp>
+      <p:cxnSp>
+        <p:nvCxnSpPr>
+          <p:cNvPr id="114701" name="Straight Connector 114700">
+            <a:extLst>
+              <a:ext uri="{FF2B5EF4-FFF2-40B4-BE49-F238E27FC236}">
+                <a16:creationId xmlns:a16="http://schemas.microsoft.com/office/drawing/2014/main" id="{D891E407-403B-4764-86C9-33A56D3BCAA3}"/>
+              </a:ext>
+              <a:ext uri="{C183D7F6-B498-43B3-948B-1728B52AA6E4}">
+                <adec:decorative xmlns:adec="http://schemas.microsoft.com/office/drawing/2017/decorative" val="1"/>
+              </a:ext>
+            </a:extLst>
+          </p:cNvPr>
+          <p:cNvCxnSpPr>
+            <a:cxnSpLocks noGrp="1" noRot="1" noChangeAspect="1" noMove="1" noResize="1" noEditPoints="1" noAdjustHandles="1" noChangeArrowheads="1" noChangeShapeType="1"/>
+          </p:cNvCxnSpPr>
+          <p:nvPr>
+            <p:extLst>
+              <p:ext uri="{386F3935-93C4-4BCD-93E2-E3B085C9AB24}">
+                <p16:designElem xmlns:p16="http://schemas.microsoft.com/office/powerpoint/2015/main" val="1"/>
+              </p:ext>
+            </p:extLst>
+          </p:nvPr>
+        </p:nvCxnSpPr>
+        <p:spPr>
+          <a:xfrm>
+            <a:off x="0" y="6134852"/>
+            <a:ext cx="9144000" cy="0"/>
+          </a:xfrm>
+          <a:prstGeom prst="line">
+            <a:avLst/>
+          </a:prstGeom>
+          <a:ln w="41275">
+            <a:solidFill>
+              <a:schemeClr val="bg1">
+                <a:alpha val="90000"/>
+              </a:schemeClr>
+            </a:solidFill>
+          </a:ln>
+        </p:spPr>
+        <p:style>
+          <a:lnRef idx="1">
+            <a:schemeClr val="accent1"/>
+          </a:lnRef>
+          <a:fillRef idx="0">
+            <a:schemeClr val="accent1"/>
+          </a:fillRef>
+          <a:effectRef idx="0">
+            <a:schemeClr val="accent1"/>
+          </a:effectRef>
+          <a:fontRef idx="minor">
+            <a:schemeClr val="tx1"/>
+          </a:fontRef>
+        </p:style>
+      </p:cxnSp>
+    </p:spTree>
+  </p:cSld>
+  <p:clrMapOvr>
+    <a:masterClrMapping/>
+  </p:clrMapOvr>
+</p:sld>
+</file>
+
+<file path=ppt/slides/slide3.xml><?xml version="1.0" encoding="utf-8"?>
+<p:sld xmlns:a="http://schemas.openxmlformats.org/drawingml/2006/main" xmlns:r="http://schemas.openxmlformats.org/officeDocument/2006/relationships" xmlns:p="http://schemas.openxmlformats.org/presentationml/2006/main">
+  <p:cSld>
+    <p:spTree>
+      <p:nvGrpSpPr>
+        <p:cNvPr id="1" name=""/>
+        <p:cNvGrpSpPr/>
+        <p:nvPr/>
+      </p:nvGrpSpPr>
+      <p:grpSpPr>
+        <a:xfrm>
+          <a:off x="0" y="0"/>
+          <a:ext cx="0" cy="0"/>
+          <a:chOff x="0" y="0"/>
+          <a:chExt cx="0" cy="0"/>
+        </a:xfrm>
+      </p:grpSpPr>
+      <p:sp>
+        <p:nvSpPr>
+          <p:cNvPr id="2" name="Title 1">
+            <a:extLst>
+              <a:ext uri="{FF2B5EF4-FFF2-40B4-BE49-F238E27FC236}">
+                <a16:creationId xmlns:a16="http://schemas.microsoft.com/office/drawing/2014/main" id="{4A963E3E-DD40-B135-16DF-9524C441B196}"/>
+              </a:ext>
+            </a:extLst>
+          </p:cNvPr>
+          <p:cNvSpPr>
+            <a:spLocks noGrp="1"/>
+          </p:cNvSpPr>
+          <p:nvPr>
+            <p:ph type="title"/>
+          </p:nvPr>
+        </p:nvSpPr>
+        <p:spPr/>
+        <p:txBody>
+          <a:bodyPr/>
+          <a:lstStyle/>
+          <a:p>
+            <a:r>
+              <a:rPr lang="en-US" dirty="0"/>
+              <a:t>Sources </a:t>
+            </a:r>
+          </a:p>
+        </p:txBody>
+      </p:sp>
+      <p:sp>
+        <p:nvSpPr>
+          <p:cNvPr id="3" name="Content Placeholder 2">
+            <a:extLst>
+              <a:ext uri="{FF2B5EF4-FFF2-40B4-BE49-F238E27FC236}">
+                <a16:creationId xmlns:a16="http://schemas.microsoft.com/office/drawing/2014/main" id="{55CCD306-E4F4-F79A-9346-0D8C7BFBC536}"/>
+              </a:ext>
+            </a:extLst>
+          </p:cNvPr>
+          <p:cNvSpPr>
+            <a:spLocks noGrp="1"/>
+          </p:cNvSpPr>
+          <p:nvPr>
+            <p:ph idx="1"/>
+          </p:nvPr>
+        </p:nvSpPr>
+        <p:spPr>
+          <a:xfrm>
+            <a:off x="1116013" y="1524000"/>
+            <a:ext cx="7777162" cy="4713288"/>
+          </a:xfrm>
+        </p:spPr>
+        <p:txBody>
+          <a:bodyPr/>
+          <a:lstStyle/>
+          <a:p>
+            <a:endParaRPr lang="en-US" sz="2000" dirty="0"/>
+          </a:p>
+          <a:p>
+            <a:r>
+              <a:rPr lang="en-US" sz="2000" dirty="0"/>
+              <a:t>Our data comes from Montgomery County, Maryland. The dataset contains traffic violation information from all electronic traffic violations issued in the county and is updated daily. The raw data has 1.89 million rows and 43 columns. </a:t>
+            </a:r>
+          </a:p>
+          <a:p>
+            <a:pPr marL="0" indent="0">
+              <a:buNone/>
+            </a:pPr>
+            <a:endParaRPr lang="en-US" dirty="0"/>
+          </a:p>
+          <a:p>
+            <a:r>
+              <a:rPr lang="en-US" dirty="0"/>
+              <a:t>Using </a:t>
+            </a:r>
+          </a:p>
+          <a:p>
+            <a:r>
+              <a:rPr lang="en-US" sz="2000" dirty="0">
+                <a:solidFill>
+                  <a:schemeClr val="accent6">
+                    <a:lumMod val="75000"/>
+                  </a:schemeClr>
+                </a:solidFill>
+              </a:rPr>
+              <a:t>Python/Pandas</a:t>
+            </a:r>
+          </a:p>
+          <a:p>
+            <a:r>
+              <a:rPr lang="en-US" sz="2000" dirty="0">
+                <a:solidFill>
+                  <a:schemeClr val="accent6">
+                    <a:lumMod val="75000"/>
+                  </a:schemeClr>
+                </a:solidFill>
+              </a:rPr>
+              <a:t>Tableau</a:t>
+            </a:r>
+          </a:p>
+          <a:p>
+            <a:r>
+              <a:rPr lang="en-US" sz="2000" dirty="0">
+                <a:solidFill>
+                  <a:schemeClr val="accent6">
+                    <a:lumMod val="75000"/>
+                  </a:schemeClr>
+                </a:solidFill>
+              </a:rPr>
+              <a:t>Random Forest</a:t>
+            </a:r>
+          </a:p>
+          <a:p>
+            <a:r>
+              <a:rPr lang="en-US" sz="2000" dirty="0" err="1">
+                <a:solidFill>
+                  <a:schemeClr val="accent6">
+                    <a:lumMod val="75000"/>
+                  </a:schemeClr>
+                </a:solidFill>
+              </a:rPr>
+              <a:t>Pyspark</a:t>
+            </a:r>
+            <a:endParaRPr lang="en-US" sz="2000" dirty="0">
+              <a:solidFill>
+                <a:schemeClr val="accent6">
+                  <a:lumMod val="75000"/>
+                </a:schemeClr>
+              </a:solidFill>
+            </a:endParaRPr>
+          </a:p>
+        </p:txBody>
+      </p:sp>
+    </p:spTree>
+    <p:extLst>
+      <p:ext uri="{BB962C8B-B14F-4D97-AF65-F5344CB8AC3E}">
+        <p14:creationId xmlns:p14="http://schemas.microsoft.com/office/powerpoint/2010/main" val="2635689727"/>
+      </p:ext>
+    </p:extLst>
+  </p:cSld>
+  <p:clrMapOvr>
+    <a:masterClrMapping/>
+  </p:clrMapOvr>
+</p:sld>
+</file>
+
+<file path=ppt/slides/slide4.xml><?xml version="1.0" encoding="utf-8"?>
+<p:sld xmlns:a="http://schemas.openxmlformats.org/drawingml/2006/main" xmlns:r="http://schemas.openxmlformats.org/officeDocument/2006/relationships" xmlns:p="http://schemas.openxmlformats.org/presentationml/2006/main">
+  <p:cSld>
+    <p:spTree>
+      <p:nvGrpSpPr>
+        <p:cNvPr id="1" name=""/>
+        <p:cNvGrpSpPr/>
+        <p:nvPr/>
+      </p:nvGrpSpPr>
+      <p:grpSpPr>
+        <a:xfrm>
+          <a:off x="0" y="0"/>
+          <a:ext cx="0" cy="0"/>
+          <a:chOff x="0" y="0"/>
+          <a:chExt cx="0" cy="0"/>
+        </a:xfrm>
+      </p:grpSpPr>
+      <p:sp>
+        <p:nvSpPr>
+          <p:cNvPr id="114690" name="Rectangle 2">
+            <a:extLst>
+              <a:ext uri="{FF2B5EF4-FFF2-40B4-BE49-F238E27FC236}">
+                <a16:creationId xmlns:a16="http://schemas.microsoft.com/office/drawing/2014/main" id="{E38F1BDF-7654-66E1-0814-7A6BC9C85A34}"/>
+              </a:ext>
+            </a:extLst>
+          </p:cNvPr>
+          <p:cNvSpPr>
+            <a:spLocks noGrp="1" noChangeArrowheads="1"/>
+          </p:cNvSpPr>
+          <p:nvPr>
+            <p:ph type="title"/>
+          </p:nvPr>
+        </p:nvSpPr>
+        <p:spPr>
+          <a:xfrm>
+            <a:off x="1025525" y="2438400"/>
+            <a:ext cx="7092950" cy="647700"/>
+          </a:xfrm>
+        </p:spPr>
+        <p:txBody>
+          <a:bodyPr/>
+          <a:lstStyle/>
+          <a:p>
+            <a:pPr algn="ctr"/>
+            <a:r>
+              <a:rPr lang="en-US" altLang="en-US" dirty="0">
+                <a:solidFill>
+                  <a:schemeClr val="tx1"/>
+                </a:solidFill>
+              </a:rPr>
+              <a:t>Data Cleaning</a:t>
+            </a:r>
+          </a:p>
+        </p:txBody>
+      </p:sp>
+    </p:spTree>
+    <p:extLst>
+      <p:ext uri="{BB962C8B-B14F-4D97-AF65-F5344CB8AC3E}">
+        <p14:creationId xmlns:p14="http://schemas.microsoft.com/office/powerpoint/2010/main" val="1242657746"/>
+      </p:ext>
+    </p:extLst>
+  </p:cSld>
+  <p:clrMapOvr>
+    <a:masterClrMapping/>
+  </p:clrMapOvr>
+</p:sld>
+</file>
+
+<file path=ppt/slides/slide5.xml><?xml version="1.0" encoding="utf-8"?>
+<p:sld xmlns:a="http://schemas.openxmlformats.org/drawingml/2006/main" xmlns:r="http://schemas.openxmlformats.org/officeDocument/2006/relationships" xmlns:p="http://schemas.openxmlformats.org/presentationml/2006/main">
+  <p:cSld>
+    <p:spTree>
+      <p:nvGrpSpPr>
+        <p:cNvPr id="1" name=""/>
+        <p:cNvGrpSpPr/>
+        <p:nvPr/>
+      </p:nvGrpSpPr>
+      <p:grpSpPr>
+        <a:xfrm>
+          <a:off x="0" y="0"/>
+          <a:ext cx="0" cy="0"/>
+          <a:chOff x="0" y="0"/>
+          <a:chExt cx="0" cy="0"/>
+        </a:xfrm>
+      </p:grpSpPr>
+      <p:sp>
+        <p:nvSpPr>
+          <p:cNvPr id="114690" name="Rectangle 2">
+            <a:extLst>
+              <a:ext uri="{FF2B5EF4-FFF2-40B4-BE49-F238E27FC236}">
+                <a16:creationId xmlns:a16="http://schemas.microsoft.com/office/drawing/2014/main" id="{E38F1BDF-7654-66E1-0814-7A6BC9C85A34}"/>
+              </a:ext>
+            </a:extLst>
+          </p:cNvPr>
+          <p:cNvSpPr>
+            <a:spLocks noGrp="1" noChangeArrowheads="1"/>
+          </p:cNvSpPr>
+          <p:nvPr>
+            <p:ph type="title"/>
+          </p:nvPr>
+        </p:nvSpPr>
+        <p:spPr>
+          <a:xfrm>
+            <a:off x="0" y="188913"/>
+            <a:ext cx="8964613" cy="647700"/>
+          </a:xfrm>
+        </p:spPr>
+        <p:txBody>
+          <a:bodyPr/>
+          <a:lstStyle/>
+          <a:p>
+            <a:pPr algn="ctr"/>
+            <a:r>
+              <a:rPr lang="en-US" altLang="en-US" dirty="0"/>
+              <a:t>Vehicle Makes</a:t>
+            </a:r>
+          </a:p>
+        </p:txBody>
+      </p:sp>
+      <p:sp>
+        <p:nvSpPr>
+          <p:cNvPr id="114691" name="Rectangle 3">
+            <a:extLst>
+              <a:ext uri="{FF2B5EF4-FFF2-40B4-BE49-F238E27FC236}">
+                <a16:creationId xmlns:a16="http://schemas.microsoft.com/office/drawing/2014/main" id="{C532EC86-DEA2-C8B9-0652-CDA52A320F51}"/>
+              </a:ext>
+            </a:extLst>
+          </p:cNvPr>
+          <p:cNvSpPr>
+            <a:spLocks noGrp="1" noChangeArrowheads="1"/>
+          </p:cNvSpPr>
+          <p:nvPr>
+            <p:ph type="body" idx="1"/>
+          </p:nvPr>
+        </p:nvSpPr>
+        <p:spPr>
+          <a:xfrm>
+            <a:off x="1860550" y="908050"/>
+            <a:ext cx="7104063" cy="5761038"/>
+          </a:xfrm>
+        </p:spPr>
+        <p:txBody>
+          <a:bodyPr/>
+          <a:lstStyle/>
+          <a:p>
+            <a:endParaRPr lang="en-US" altLang="en-US" dirty="0"/>
+          </a:p>
+        </p:txBody>
+      </p:sp>
+      <p:pic>
+        <p:nvPicPr>
+          <p:cNvPr id="3" name="Picture 2" descr="A graph of different colored bars&#10;&#10;Description automatically generated">
+            <a:extLst>
+              <a:ext uri="{FF2B5EF4-FFF2-40B4-BE49-F238E27FC236}">
+                <a16:creationId xmlns:a16="http://schemas.microsoft.com/office/drawing/2014/main" id="{809E70E9-89E5-AB37-6A69-A81635D3DBAD}"/>
+              </a:ext>
+            </a:extLst>
+          </p:cNvPr>
+          <p:cNvPicPr>
+            <a:picLocks noChangeAspect="1"/>
+          </p:cNvPicPr>
+          <p:nvPr/>
+        </p:nvPicPr>
+        <p:blipFill>
+          <a:blip r:embed="rId3">
+            <a:extLst>
+              <a:ext uri="{28A0092B-C50C-407E-A947-70E740481C1C}">
+                <a14:useLocalDpi xmlns:a14="http://schemas.microsoft.com/office/drawing/2010/main" val="0"/>
+              </a:ext>
+            </a:extLst>
+          </a:blip>
+          <a:stretch>
+            <a:fillRect/>
+          </a:stretch>
+        </p:blipFill>
+        <p:spPr>
+          <a:xfrm>
+            <a:off x="1695811" y="908050"/>
+            <a:ext cx="5142125" cy="2901950"/>
+          </a:xfrm>
+          <a:prstGeom prst="rect">
+            <a:avLst/>
+          </a:prstGeom>
+        </p:spPr>
+      </p:pic>
+      <p:pic>
+        <p:nvPicPr>
+          <p:cNvPr id="4" name="slide2" descr="Violations by Make">
+            <a:extLst>
+              <a:ext uri="{FF2B5EF4-FFF2-40B4-BE49-F238E27FC236}">
+                <a16:creationId xmlns:a16="http://schemas.microsoft.com/office/drawing/2014/main" id="{FD967ED5-B4AE-F69D-5E29-25F4B990A932}"/>
+              </a:ext>
+            </a:extLst>
+          </p:cNvPr>
+          <p:cNvPicPr>
+            <a:picLocks noChangeAspect="1"/>
+          </p:cNvPicPr>
+          <p:nvPr/>
+        </p:nvPicPr>
+        <p:blipFill>
+          <a:blip r:embed="rId4">
+            <a:extLst>
+              <a:ext uri="{28A0092B-C50C-407E-A947-70E740481C1C}">
+                <a14:useLocalDpi xmlns:a14="http://schemas.microsoft.com/office/drawing/2010/main" val="0"/>
+              </a:ext>
+            </a:extLst>
+          </a:blip>
+          <a:stretch>
+            <a:fillRect/>
+          </a:stretch>
+        </p:blipFill>
+        <p:spPr>
+          <a:xfrm>
+            <a:off x="1695811" y="3657600"/>
+            <a:ext cx="5466989" cy="2882268"/>
+          </a:xfrm>
+          <a:prstGeom prst="rect">
+            <a:avLst/>
+          </a:prstGeom>
+        </p:spPr>
+      </p:pic>
+    </p:spTree>
+    <p:extLst>
+      <p:ext uri="{BB962C8B-B14F-4D97-AF65-F5344CB8AC3E}">
+        <p14:creationId xmlns:p14="http://schemas.microsoft.com/office/powerpoint/2010/main" val="939099255"/>
+      </p:ext>
+    </p:extLst>
+  </p:cSld>
+  <p:clrMapOvr>
+    <a:masterClrMapping/>
+  </p:clrMapOvr>
+</p:sld>
+</file>
+
+<file path=ppt/slides/slide6.xml><?xml version="1.0" encoding="utf-8"?>
+<p:sld xmlns:a="http://schemas.openxmlformats.org/drawingml/2006/main" xmlns:r="http://schemas.openxmlformats.org/officeDocument/2006/relationships" xmlns:p="http://schemas.openxmlformats.org/presentationml/2006/main">
+  <p:cSld>
+    <p:spTree>
+      <p:nvGrpSpPr>
+        <p:cNvPr id="1" name=""/>
+        <p:cNvGrpSpPr/>
+        <p:nvPr/>
+      </p:nvGrpSpPr>
+      <p:grpSpPr>
+        <a:xfrm>
+          <a:off x="0" y="0"/>
+          <a:ext cx="0" cy="0"/>
+          <a:chOff x="0" y="0"/>
+          <a:chExt cx="0" cy="0"/>
+        </a:xfrm>
+      </p:grpSpPr>
+      <p:sp>
+        <p:nvSpPr>
+          <p:cNvPr id="114690" name="Rectangle 2">
+            <a:extLst>
+              <a:ext uri="{FF2B5EF4-FFF2-40B4-BE49-F238E27FC236}">
+                <a16:creationId xmlns:a16="http://schemas.microsoft.com/office/drawing/2014/main" id="{E38F1BDF-7654-66E1-0814-7A6BC9C85A34}"/>
+              </a:ext>
+            </a:extLst>
+          </p:cNvPr>
+          <p:cNvSpPr>
+            <a:spLocks noGrp="1" noChangeArrowheads="1"/>
+          </p:cNvSpPr>
+          <p:nvPr>
+            <p:ph type="title"/>
+          </p:nvPr>
+        </p:nvSpPr>
+        <p:spPr>
+          <a:xfrm>
+            <a:off x="300756" y="188913"/>
+            <a:ext cx="8663857" cy="647700"/>
+          </a:xfrm>
+        </p:spPr>
+        <p:txBody>
+          <a:bodyPr/>
+          <a:lstStyle/>
+          <a:p>
+            <a:pPr algn="ctr"/>
+            <a:r>
+              <a:rPr lang="en-US" altLang="en-US" dirty="0"/>
+              <a:t>In-State vs. Out of State</a:t>
+            </a:r>
+          </a:p>
+        </p:txBody>
+      </p:sp>
+      <p:sp>
+        <p:nvSpPr>
+          <p:cNvPr id="114691" name="Rectangle 3">
+            <a:extLst>
+              <a:ext uri="{FF2B5EF4-FFF2-40B4-BE49-F238E27FC236}">
+                <a16:creationId xmlns:a16="http://schemas.microsoft.com/office/drawing/2014/main" id="{C532EC86-DEA2-C8B9-0652-CDA52A320F51}"/>
+              </a:ext>
+            </a:extLst>
+          </p:cNvPr>
+          <p:cNvSpPr>
+            <a:spLocks noGrp="1" noChangeArrowheads="1"/>
+          </p:cNvSpPr>
+          <p:nvPr>
+            <p:ph type="body" idx="1"/>
+          </p:nvPr>
+        </p:nvSpPr>
+        <p:spPr>
+          <a:xfrm>
+            <a:off x="2335603" y="4649857"/>
+            <a:ext cx="2250293" cy="990600"/>
+          </a:xfrm>
+        </p:spPr>
+        <p:txBody>
+          <a:bodyPr/>
+          <a:lstStyle/>
+          <a:p>
+            <a:pPr marL="0" indent="0" algn="ctr">
+              <a:buNone/>
+            </a:pPr>
+            <a:r>
+              <a:rPr lang="en-US" altLang="en-US" sz="2000" dirty="0"/>
+              <a:t>Out of State has fewer Toyotas and Hondas.</a:t>
+            </a:r>
+          </a:p>
+          <a:p>
+            <a:pPr algn="ctr"/>
+            <a:endParaRPr lang="en-US" altLang="en-US" sz="1000" dirty="0"/>
+          </a:p>
+        </p:txBody>
+      </p:sp>
+      <p:pic>
+        <p:nvPicPr>
+          <p:cNvPr id="6" name="slide8" descr="Make Diff Pie">
+            <a:extLst>
+              <a:ext uri="{FF2B5EF4-FFF2-40B4-BE49-F238E27FC236}">
+                <a16:creationId xmlns:a16="http://schemas.microsoft.com/office/drawing/2014/main" id="{889382BD-B145-B226-0218-815E810309D7}"/>
+              </a:ext>
+            </a:extLst>
+          </p:cNvPr>
+          <p:cNvPicPr>
+            <a:picLocks noChangeAspect="1"/>
+          </p:cNvPicPr>
+          <p:nvPr/>
+        </p:nvPicPr>
+        <p:blipFill rotWithShape="1">
+          <a:blip r:embed="rId3">
+            <a:extLst>
+              <a:ext uri="{28A0092B-C50C-407E-A947-70E740481C1C}">
+                <a14:useLocalDpi xmlns:a14="http://schemas.microsoft.com/office/drawing/2010/main" val="0"/>
+              </a:ext>
+            </a:extLst>
+          </a:blip>
+          <a:srcRect l="90000" t="26940" r="3125" b="38470"/>
+          <a:stretch/>
+        </p:blipFill>
+        <p:spPr>
+          <a:xfrm>
+            <a:off x="2052537" y="1827665"/>
+            <a:ext cx="1055358" cy="2206657"/>
+          </a:xfrm>
+          <a:prstGeom prst="rect">
+            <a:avLst/>
+          </a:prstGeom>
+        </p:spPr>
+      </p:pic>
+      <p:pic>
+        <p:nvPicPr>
+          <p:cNvPr id="7" name="slide9" descr="Make Difference In/Out of State">
+            <a:extLst>
+              <a:ext uri="{FF2B5EF4-FFF2-40B4-BE49-F238E27FC236}">
+                <a16:creationId xmlns:a16="http://schemas.microsoft.com/office/drawing/2014/main" id="{1E9060C5-07FB-B70E-ED55-F685F9609F7C}"/>
+              </a:ext>
+            </a:extLst>
+          </p:cNvPr>
+          <p:cNvPicPr>
+            <a:picLocks noChangeAspect="1"/>
+          </p:cNvPicPr>
+          <p:nvPr/>
+        </p:nvPicPr>
+        <p:blipFill>
+          <a:blip r:embed="rId4">
+            <a:extLst>
+              <a:ext uri="{28A0092B-C50C-407E-A947-70E740481C1C}">
+                <a14:useLocalDpi xmlns:a14="http://schemas.microsoft.com/office/drawing/2010/main" val="0"/>
+              </a:ext>
+            </a:extLst>
+          </a:blip>
+          <a:stretch>
+            <a:fillRect/>
+          </a:stretch>
+        </p:blipFill>
+        <p:spPr>
+          <a:xfrm>
+            <a:off x="4760108" y="1713317"/>
+            <a:ext cx="4231492" cy="5004017"/>
+          </a:xfrm>
+          <a:prstGeom prst="rect">
+            <a:avLst/>
+          </a:prstGeom>
+        </p:spPr>
+      </p:pic>
+      <p:sp>
+        <p:nvSpPr>
+          <p:cNvPr id="8" name="TextBox 7">
+            <a:extLst>
+              <a:ext uri="{FF2B5EF4-FFF2-40B4-BE49-F238E27FC236}">
+                <a16:creationId xmlns:a16="http://schemas.microsoft.com/office/drawing/2014/main" id="{40B75793-3ADA-492E-0F7E-5D1BF0B968B9}"/>
+              </a:ext>
+            </a:extLst>
+          </p:cNvPr>
+          <p:cNvSpPr txBox="1"/>
+          <p:nvPr/>
+        </p:nvSpPr>
+        <p:spPr>
+          <a:xfrm>
+            <a:off x="419161" y="1679442"/>
+            <a:ext cx="1087375" cy="369332"/>
+          </a:xfrm>
+          <a:prstGeom prst="rect">
+            <a:avLst/>
+          </a:prstGeom>
+          <a:noFill/>
+        </p:spPr>
+        <p:txBody>
+          <a:bodyPr wrap="square" rtlCol="0">
+            <a:spAutoFit/>
+          </a:bodyPr>
+          <a:lstStyle/>
+          <a:p>
+            <a:pPr marL="0" marR="0" lvl="0" indent="0" algn="l" defTabSz="914400" rtl="0" eaLnBrk="1" fontAlgn="base" latinLnBrk="0" hangingPunct="1">
+              <a:lnSpc>
+                <a:spcPct val="100000"/>
+              </a:lnSpc>
+              <a:spcBef>
+                <a:spcPct val="0"/>
+              </a:spcBef>
+              <a:spcAft>
+                <a:spcPct val="0"/>
+              </a:spcAft>
+              <a:buClrTx/>
+              <a:buSzTx/>
+              <a:buFontTx/>
+              <a:buNone/>
+              <a:tabLst/>
+              <a:defRPr/>
+            </a:pPr>
+            <a:r>
+              <a:rPr kumimoji="0" lang="en-US" sz="1800" b="0" i="0" u="none" strike="noStrike" kern="1200" cap="none" spc="0" normalizeH="0" baseline="0" noProof="0" dirty="0">
+                <a:ln>
+                  <a:noFill/>
+                </a:ln>
+                <a:solidFill>
+                  <a:srgbClr val="4D4D4D"/>
+                </a:solidFill>
+                <a:effectLst/>
+                <a:uLnTx/>
+                <a:uFillTx/>
+                <a:latin typeface="Arial" panose="020B0604020202020204" pitchFamily="34" charset="0"/>
+                <a:ea typeface="+mn-ea"/>
+                <a:cs typeface="+mn-cs"/>
+              </a:rPr>
+              <a:t>In-State</a:t>
+            </a:r>
+          </a:p>
+        </p:txBody>
+      </p:sp>
+      <p:sp>
+        <p:nvSpPr>
+          <p:cNvPr id="9" name="TextBox 8">
+            <a:extLst>
+              <a:ext uri="{FF2B5EF4-FFF2-40B4-BE49-F238E27FC236}">
+                <a16:creationId xmlns:a16="http://schemas.microsoft.com/office/drawing/2014/main" id="{02AFEA1B-5920-28DE-2C24-3E1916F73AE7}"/>
+              </a:ext>
+            </a:extLst>
+          </p:cNvPr>
+          <p:cNvSpPr txBox="1"/>
+          <p:nvPr/>
+        </p:nvSpPr>
+        <p:spPr>
+          <a:xfrm>
+            <a:off x="300756" y="3737152"/>
+            <a:ext cx="1570907" cy="369332"/>
+          </a:xfrm>
+          <a:prstGeom prst="rect">
+            <a:avLst/>
+          </a:prstGeom>
+          <a:noFill/>
+        </p:spPr>
+        <p:txBody>
+          <a:bodyPr wrap="square" rtlCol="0">
+            <a:spAutoFit/>
+          </a:bodyPr>
+          <a:lstStyle/>
+          <a:p>
+            <a:pPr marL="0" marR="0" lvl="0" indent="0" algn="l" defTabSz="914400" rtl="0" eaLnBrk="1" fontAlgn="base" latinLnBrk="0" hangingPunct="1">
+              <a:lnSpc>
+                <a:spcPct val="100000"/>
+              </a:lnSpc>
+              <a:spcBef>
+                <a:spcPct val="0"/>
+              </a:spcBef>
+              <a:spcAft>
+                <a:spcPct val="0"/>
+              </a:spcAft>
+              <a:buClrTx/>
+              <a:buSzTx/>
+              <a:buFontTx/>
+              <a:buNone/>
+              <a:tabLst/>
+              <a:defRPr/>
+            </a:pPr>
+            <a:r>
+              <a:rPr kumimoji="0" lang="en-US" sz="1800" b="0" i="0" u="none" strike="noStrike" kern="1200" cap="none" spc="0" normalizeH="0" baseline="0" noProof="0" dirty="0">
+                <a:ln>
+                  <a:noFill/>
+                </a:ln>
+                <a:solidFill>
+                  <a:srgbClr val="4D4D4D"/>
+                </a:solidFill>
+                <a:effectLst/>
+                <a:uLnTx/>
+                <a:uFillTx/>
+                <a:latin typeface="Arial" panose="020B0604020202020204" pitchFamily="34" charset="0"/>
+                <a:ea typeface="+mn-ea"/>
+                <a:cs typeface="+mn-cs"/>
+              </a:rPr>
+              <a:t>Out of State</a:t>
+            </a:r>
+          </a:p>
+        </p:txBody>
+      </p:sp>
+      <p:pic>
+        <p:nvPicPr>
+          <p:cNvPr id="10" name="slide8" descr="Make Diff Pie">
+            <a:extLst>
+              <a:ext uri="{FF2B5EF4-FFF2-40B4-BE49-F238E27FC236}">
+                <a16:creationId xmlns:a16="http://schemas.microsoft.com/office/drawing/2014/main" id="{6C4BF8BD-10A2-23DC-D62A-FFF7D4B1A23C}"/>
+              </a:ext>
+            </a:extLst>
+          </p:cNvPr>
+          <p:cNvPicPr>
+            <a:picLocks noChangeAspect="1"/>
+          </p:cNvPicPr>
+          <p:nvPr/>
+        </p:nvPicPr>
+        <p:blipFill rotWithShape="1">
+          <a:blip r:embed="rId5">
+            <a:extLst>
+              <a:ext uri="{28A0092B-C50C-407E-A947-70E740481C1C}">
+                <a14:useLocalDpi xmlns:a14="http://schemas.microsoft.com/office/drawing/2010/main" val="0"/>
+              </a:ext>
+            </a:extLst>
+          </a:blip>
+          <a:srcRect l="11250" t="32705" r="67500" b="21175"/>
+          <a:stretch/>
+        </p:blipFill>
+        <p:spPr>
+          <a:xfrm>
+            <a:off x="50430" y="1986828"/>
+            <a:ext cx="1691377" cy="1591884"/>
+          </a:xfrm>
+          <a:prstGeom prst="rect">
+            <a:avLst/>
+          </a:prstGeom>
+        </p:spPr>
+      </p:pic>
+      <p:pic>
+        <p:nvPicPr>
+          <p:cNvPr id="11" name="slide8" descr="Make Diff Pie">
+            <a:extLst>
+              <a:ext uri="{FF2B5EF4-FFF2-40B4-BE49-F238E27FC236}">
+                <a16:creationId xmlns:a16="http://schemas.microsoft.com/office/drawing/2014/main" id="{B375B8B6-0785-66B3-AEEB-7393CD1963CD}"/>
+              </a:ext>
+            </a:extLst>
+          </p:cNvPr>
+          <p:cNvPicPr>
+            <a:picLocks noChangeAspect="1"/>
+          </p:cNvPicPr>
+          <p:nvPr/>
+        </p:nvPicPr>
+        <p:blipFill rotWithShape="1">
+          <a:blip r:embed="rId5">
+            <a:extLst>
+              <a:ext uri="{28A0092B-C50C-407E-A947-70E740481C1C}">
+                <a14:useLocalDpi xmlns:a14="http://schemas.microsoft.com/office/drawing/2010/main" val="0"/>
+              </a:ext>
+            </a:extLst>
+          </a:blip>
+          <a:srcRect l="63253" t="47550" r="28999" b="34739"/>
+          <a:stretch/>
+        </p:blipFill>
+        <p:spPr>
+          <a:xfrm>
+            <a:off x="117159" y="4184783"/>
+            <a:ext cx="1691378" cy="1676400"/>
+          </a:xfrm>
+          <a:prstGeom prst="rect">
+            <a:avLst/>
+          </a:prstGeom>
+        </p:spPr>
+      </p:pic>
+    </p:spTree>
+    <p:extLst>
+      <p:ext uri="{BB962C8B-B14F-4D97-AF65-F5344CB8AC3E}">
+        <p14:creationId xmlns:p14="http://schemas.microsoft.com/office/powerpoint/2010/main" val="4047129121"/>
+      </p:ext>
+    </p:extLst>
+  </p:cSld>
+  <p:clrMapOvr>
+    <a:masterClrMapping/>
+  </p:clrMapOvr>
+</p:sld>
+</file>
+
+<file path=ppt/slides/slide7.xml><?xml version="1.0" encoding="utf-8"?>
+<p:sld xmlns:a="http://schemas.openxmlformats.org/drawingml/2006/main" xmlns:r="http://schemas.openxmlformats.org/officeDocument/2006/relationships" xmlns:p="http://schemas.openxmlformats.org/presentationml/2006/main">
+  <p:cSld>
+    <p:spTree>
+      <p:nvGrpSpPr>
+        <p:cNvPr id="1" name=""/>
+        <p:cNvGrpSpPr/>
+        <p:nvPr/>
+      </p:nvGrpSpPr>
+      <p:grpSpPr>
+        <a:xfrm>
+          <a:off x="0" y="0"/>
+          <a:ext cx="0" cy="0"/>
+          <a:chOff x="0" y="0"/>
+          <a:chExt cx="0" cy="0"/>
+        </a:xfrm>
+      </p:grpSpPr>
+      <p:sp>
+        <p:nvSpPr>
+          <p:cNvPr id="114690" name="Rectangle 2">
+            <a:extLst>
+              <a:ext uri="{FF2B5EF4-FFF2-40B4-BE49-F238E27FC236}">
+                <a16:creationId xmlns:a16="http://schemas.microsoft.com/office/drawing/2014/main" id="{E38F1BDF-7654-66E1-0814-7A6BC9C85A34}"/>
+              </a:ext>
+            </a:extLst>
+          </p:cNvPr>
+          <p:cNvSpPr>
+            <a:spLocks noGrp="1" noChangeArrowheads="1"/>
+          </p:cNvSpPr>
+          <p:nvPr>
+            <p:ph type="title"/>
+          </p:nvPr>
+        </p:nvSpPr>
+        <p:spPr>
+          <a:xfrm>
+            <a:off x="228600" y="188913"/>
+            <a:ext cx="8736013" cy="647700"/>
+          </a:xfrm>
+        </p:spPr>
+        <p:txBody>
+          <a:bodyPr/>
+          <a:lstStyle/>
+          <a:p>
+            <a:pPr algn="ctr"/>
+            <a:r>
+              <a:rPr lang="en-US" altLang="en-US" dirty="0"/>
+              <a:t>Seasons</a:t>
+            </a:r>
+          </a:p>
+        </p:txBody>
+      </p:sp>
+      <p:sp>
+        <p:nvSpPr>
+          <p:cNvPr id="114691" name="Rectangle 3">
+            <a:extLst>
+              <a:ext uri="{FF2B5EF4-FFF2-40B4-BE49-F238E27FC236}">
+                <a16:creationId xmlns:a16="http://schemas.microsoft.com/office/drawing/2014/main" id="{C532EC86-DEA2-C8B9-0652-CDA52A320F51}"/>
+              </a:ext>
+            </a:extLst>
+          </p:cNvPr>
+          <p:cNvSpPr>
+            <a:spLocks noGrp="1" noChangeArrowheads="1"/>
+          </p:cNvSpPr>
+          <p:nvPr>
+            <p:ph type="body" idx="1"/>
+          </p:nvPr>
+        </p:nvSpPr>
+        <p:spPr>
+          <a:xfrm>
+            <a:off x="1860550" y="908050"/>
+            <a:ext cx="7104063" cy="5761038"/>
+          </a:xfrm>
+        </p:spPr>
+        <p:txBody>
+          <a:bodyPr/>
+          <a:lstStyle/>
+          <a:p>
+            <a:endParaRPr lang="en-US" altLang="en-US" dirty="0"/>
+          </a:p>
+        </p:txBody>
+      </p:sp>
+      <p:pic>
+        <p:nvPicPr>
+          <p:cNvPr id="2" name="slide10" descr="Citation/Warning by Month">
+            <a:extLst>
+              <a:ext uri="{FF2B5EF4-FFF2-40B4-BE49-F238E27FC236}">
+                <a16:creationId xmlns:a16="http://schemas.microsoft.com/office/drawing/2014/main" id="{541B5EC8-F819-D001-4252-8FC5BEF5E441}"/>
+              </a:ext>
+            </a:extLst>
+          </p:cNvPr>
+          <p:cNvPicPr>
+            <a:picLocks noChangeAspect="1"/>
+          </p:cNvPicPr>
+          <p:nvPr/>
+        </p:nvPicPr>
+        <p:blipFill>
+          <a:blip r:embed="rId2">
+            <a:extLst>
+              <a:ext uri="{28A0092B-C50C-407E-A947-70E740481C1C}">
+                <a14:useLocalDpi xmlns:a14="http://schemas.microsoft.com/office/drawing/2010/main" val="0"/>
+              </a:ext>
+            </a:extLst>
+          </a:blip>
+          <a:stretch>
+            <a:fillRect/>
+          </a:stretch>
+        </p:blipFill>
+        <p:spPr>
+          <a:xfrm>
+            <a:off x="1860550" y="927505"/>
+            <a:ext cx="4387850" cy="2391750"/>
+          </a:xfrm>
+          <a:prstGeom prst="rect">
+            <a:avLst/>
+          </a:prstGeom>
+        </p:spPr>
+      </p:pic>
+      <p:pic>
+        <p:nvPicPr>
+          <p:cNvPr id="3" name="slide17" descr="Accident Hours by Season">
+            <a:extLst>
+              <a:ext uri="{FF2B5EF4-FFF2-40B4-BE49-F238E27FC236}">
+                <a16:creationId xmlns:a16="http://schemas.microsoft.com/office/drawing/2014/main" id="{680BB7B9-8593-B591-D34A-E90BE61E9961}"/>
+              </a:ext>
+            </a:extLst>
+          </p:cNvPr>
+          <p:cNvPicPr>
+            <a:picLocks noChangeAspect="1"/>
+          </p:cNvPicPr>
+          <p:nvPr/>
+        </p:nvPicPr>
+        <p:blipFill>
+          <a:blip r:embed="rId3">
+            <a:extLst>
+              <a:ext uri="{28A0092B-C50C-407E-A947-70E740481C1C}">
+                <a14:useLocalDpi xmlns:a14="http://schemas.microsoft.com/office/drawing/2010/main" val="0"/>
+              </a:ext>
+            </a:extLst>
+          </a:blip>
+          <a:stretch>
+            <a:fillRect/>
+          </a:stretch>
+        </p:blipFill>
+        <p:spPr>
+          <a:xfrm>
+            <a:off x="1981200" y="3446834"/>
+            <a:ext cx="4267200" cy="2740030"/>
+          </a:xfrm>
+          <a:prstGeom prst="rect">
+            <a:avLst/>
+          </a:prstGeom>
+        </p:spPr>
+      </p:pic>
+      <p:pic>
+        <p:nvPicPr>
+          <p:cNvPr id="4" name="slide18" descr="Fatality Percent">
+            <a:extLst>
+              <a:ext uri="{FF2B5EF4-FFF2-40B4-BE49-F238E27FC236}">
+                <a16:creationId xmlns:a16="http://schemas.microsoft.com/office/drawing/2014/main" id="{F70FF1BD-B29A-D18A-89E9-E82386C79C8E}"/>
+              </a:ext>
+            </a:extLst>
+          </p:cNvPr>
+          <p:cNvPicPr>
+            <a:picLocks noChangeAspect="1"/>
+          </p:cNvPicPr>
+          <p:nvPr/>
+        </p:nvPicPr>
+        <p:blipFill rotWithShape="1">
+          <a:blip r:embed="rId4">
+            <a:extLst>
+              <a:ext uri="{28A0092B-C50C-407E-A947-70E740481C1C}">
+                <a14:useLocalDpi xmlns:a14="http://schemas.microsoft.com/office/drawing/2010/main" val="0"/>
+              </a:ext>
+            </a:extLst>
+          </a:blip>
+          <a:srcRect l="32500" t="26953" r="43125" b="21251"/>
+          <a:stretch/>
+        </p:blipFill>
+        <p:spPr>
+          <a:xfrm>
+            <a:off x="6248400" y="2133108"/>
+            <a:ext cx="2594060" cy="2391751"/>
+          </a:xfrm>
+          <a:prstGeom prst="rect">
+            <a:avLst/>
+          </a:prstGeom>
+        </p:spPr>
+      </p:pic>
+    </p:spTree>
+    <p:extLst>
+      <p:ext uri="{BB962C8B-B14F-4D97-AF65-F5344CB8AC3E}">
+        <p14:creationId xmlns:p14="http://schemas.microsoft.com/office/powerpoint/2010/main" val="842817540"/>
+      </p:ext>
+    </p:extLst>
+  </p:cSld>
+  <p:clrMapOvr>
+    <a:masterClrMapping/>
+  </p:clrMapOvr>
+</p:sld>
+</file>
+
+<file path=ppt/slides/slide8.xml><?xml version="1.0" encoding="utf-8"?>
+<p:sld xmlns:a="http://schemas.openxmlformats.org/drawingml/2006/main" xmlns:r="http://schemas.openxmlformats.org/officeDocument/2006/relationships" xmlns:p="http://schemas.openxmlformats.org/presentationml/2006/main">
+  <p:cSld>
+    <p:spTree>
+      <p:nvGrpSpPr>
+        <p:cNvPr id="1" name=""/>
+        <p:cNvGrpSpPr/>
+        <p:nvPr/>
+      </p:nvGrpSpPr>
+      <p:grpSpPr>
+        <a:xfrm>
+          <a:off x="0" y="0"/>
+          <a:ext cx="0" cy="0"/>
+          <a:chOff x="0" y="0"/>
+          <a:chExt cx="0" cy="0"/>
+        </a:xfrm>
+      </p:grpSpPr>
+      <p:sp>
+        <p:nvSpPr>
+          <p:cNvPr id="2" name="Title 1">
+            <a:extLst>
+              <a:ext uri="{FF2B5EF4-FFF2-40B4-BE49-F238E27FC236}">
+                <a16:creationId xmlns:a16="http://schemas.microsoft.com/office/drawing/2014/main" id="{65F70101-2480-4920-3D6F-424F65D6E233}"/>
+              </a:ext>
+            </a:extLst>
+          </p:cNvPr>
+          <p:cNvSpPr>
+            <a:spLocks noGrp="1"/>
+          </p:cNvSpPr>
+          <p:nvPr>
+            <p:ph type="title"/>
+          </p:nvPr>
+        </p:nvSpPr>
+        <p:spPr/>
+        <p:txBody>
+          <a:bodyPr/>
+          <a:lstStyle/>
+          <a:p>
+            <a:pPr algn="ctr"/>
+            <a:r>
+              <a:rPr lang="en-US" dirty="0"/>
+              <a:t>Peak Hours</a:t>
+            </a:r>
+          </a:p>
+        </p:txBody>
+      </p:sp>
+      <p:pic>
+        <p:nvPicPr>
+          <p:cNvPr id="4" name="slide21" descr="Hours">
+            <a:extLst>
+              <a:ext uri="{FF2B5EF4-FFF2-40B4-BE49-F238E27FC236}">
+                <a16:creationId xmlns:a16="http://schemas.microsoft.com/office/drawing/2014/main" id="{D7C79CC0-0BCB-EBF0-720A-23708D5C7E6F}"/>
+              </a:ext>
+            </a:extLst>
+          </p:cNvPr>
+          <p:cNvPicPr>
+            <a:picLocks noGrp="1" noChangeAspect="1"/>
+          </p:cNvPicPr>
+          <p:nvPr>
+            <p:ph idx="1"/>
+          </p:nvPr>
+        </p:nvPicPr>
+        <p:blipFill>
+          <a:blip r:embed="rId2">
+            <a:extLst>
+              <a:ext uri="{28A0092B-C50C-407E-A947-70E740481C1C}">
+                <a14:useLocalDpi xmlns:a14="http://schemas.microsoft.com/office/drawing/2010/main" val="0"/>
+              </a:ext>
+            </a:extLst>
+          </a:blip>
+          <a:stretch>
+            <a:fillRect/>
+          </a:stretch>
+        </p:blipFill>
+        <p:spPr>
+          <a:xfrm>
+            <a:off x="1662906" y="983733"/>
+            <a:ext cx="5818187" cy="5445135"/>
+          </a:xfrm>
+          <a:prstGeom prst="rect">
+            <a:avLst/>
+          </a:prstGeom>
+        </p:spPr>
+      </p:pic>
+    </p:spTree>
+    <p:extLst>
+      <p:ext uri="{BB962C8B-B14F-4D97-AF65-F5344CB8AC3E}">
+        <p14:creationId xmlns:p14="http://schemas.microsoft.com/office/powerpoint/2010/main" val="534405522"/>
+      </p:ext>
+    </p:extLst>
+  </p:cSld>
+  <p:clrMapOvr>
+    <a:masterClrMapping/>
+  </p:clrMapOvr>
+</p:sld>
+</file>
+
 <file path=ppt/slides/slide9.xml><?xml version="1.0" encoding="utf-8"?>
 <p:sld xmlns:a="http://schemas.openxmlformats.org/drawingml/2006/main" xmlns:r="http://schemas.openxmlformats.org/officeDocument/2006/relationships" xmlns:p="http://schemas.openxmlformats.org/presentationml/2006/main">
   <p:cSld>
@@ -5797,7 +7660,7 @@
           <p:cNvPr id="2" name="Title 1">
             <a:extLst>
               <a:ext uri="{FF2B5EF4-FFF2-40B4-BE49-F238E27FC236}">
-                <a16:creationId xmlns:a16="http://schemas.microsoft.com/office/drawing/2014/main" id="{8E961674-242D-F048-BCB8-0DE82029DD70}"/>
+                <a16:creationId xmlns:a16="http://schemas.microsoft.com/office/drawing/2014/main" id="{4AA97063-BD04-F30F-56BD-5FF0050A7DF7}"/>
               </a:ext>
             </a:extLst>
           </p:cNvPr>
@@ -5813,205 +7676,82 @@
           <a:bodyPr/>
           <a:lstStyle/>
           <a:p>
-            <a:r>
-              <a:rPr lang="en-US" dirty="0" err="1"/>
-              <a:t>Pyspark</a:t>
-            </a:r>
-            <a:endParaRPr lang="en-US" dirty="0"/>
+            <a:pPr algn="ctr"/>
+            <a:r>
+              <a:rPr lang="en-US" dirty="0"/>
+              <a:t>Accidents</a:t>
+            </a:r>
           </a:p>
         </p:txBody>
       </p:sp>
-      <p:sp>
-        <p:nvSpPr>
-          <p:cNvPr id="3" name="Text Placeholder 2">
-            <a:extLst>
-              <a:ext uri="{FF2B5EF4-FFF2-40B4-BE49-F238E27FC236}">
-                <a16:creationId xmlns:a16="http://schemas.microsoft.com/office/drawing/2014/main" id="{A801A934-091D-FC2E-EAB0-68400EC103B3}"/>
-              </a:ext>
-            </a:extLst>
-          </p:cNvPr>
-          <p:cNvSpPr>
-            <a:spLocks noGrp="1"/>
-          </p:cNvSpPr>
-          <p:nvPr>
-            <p:ph type="body" idx="1"/>
-          </p:nvPr>
-        </p:nvSpPr>
+      <p:pic>
+        <p:nvPicPr>
+          <p:cNvPr id="5" name="Content Placeholder 4">
+            <a:extLst>
+              <a:ext uri="{FF2B5EF4-FFF2-40B4-BE49-F238E27FC236}">
+                <a16:creationId xmlns:a16="http://schemas.microsoft.com/office/drawing/2014/main" id="{2FE3CF99-93E1-15D0-0397-717B0FF8A4B8}"/>
+              </a:ext>
+            </a:extLst>
+          </p:cNvPr>
+          <p:cNvPicPr>
+            <a:picLocks noGrp="1" noChangeAspect="1"/>
+          </p:cNvPicPr>
+          <p:nvPr>
+            <p:ph idx="1"/>
+          </p:nvPr>
+        </p:nvPicPr>
+        <p:blipFill>
+          <a:blip r:embed="rId2"/>
+          <a:stretch>
+            <a:fillRect/>
+          </a:stretch>
+        </p:blipFill>
         <p:spPr>
           <a:xfrm>
-            <a:off x="630239" y="1681163"/>
-            <a:ext cx="2874962" cy="452437"/>
-          </a:xfrm>
-        </p:spPr>
-        <p:txBody>
-          <a:bodyPr/>
-          <a:lstStyle/>
-          <a:p>
-            <a:r>
-              <a:rPr lang="en-US" dirty="0"/>
-              <a:t>Without Partition</a:t>
-            </a:r>
-          </a:p>
-        </p:txBody>
-      </p:sp>
-      <p:sp>
-        <p:nvSpPr>
-          <p:cNvPr id="4" name="Content Placeholder 3">
-            <a:extLst>
-              <a:ext uri="{FF2B5EF4-FFF2-40B4-BE49-F238E27FC236}">
-                <a16:creationId xmlns:a16="http://schemas.microsoft.com/office/drawing/2014/main" id="{0C42304B-88CA-7AFB-2FDB-0A7A5004EB2C}"/>
-              </a:ext>
-            </a:extLst>
-          </p:cNvPr>
-          <p:cNvSpPr>
-            <a:spLocks noGrp="1"/>
-          </p:cNvSpPr>
-          <p:nvPr>
-            <p:ph sz="half" idx="2"/>
-          </p:nvPr>
-        </p:nvSpPr>
+            <a:off x="647700" y="1524000"/>
+            <a:ext cx="7777162" cy="3145623"/>
+          </a:xfrm>
+        </p:spPr>
+      </p:pic>
+      <p:pic>
+        <p:nvPicPr>
+          <p:cNvPr id="6" name="slide12" descr="% Accidents vs % of Total Vehicles">
+            <a:extLst>
+              <a:ext uri="{FF2B5EF4-FFF2-40B4-BE49-F238E27FC236}">
+                <a16:creationId xmlns:a16="http://schemas.microsoft.com/office/drawing/2014/main" id="{8474AA59-F033-4121-E4B6-A6C41EA3BC23}"/>
+              </a:ext>
+            </a:extLst>
+          </p:cNvPr>
+          <p:cNvPicPr>
+            <a:picLocks noChangeAspect="1"/>
+          </p:cNvPicPr>
+          <p:nvPr/>
+        </p:nvPicPr>
+        <p:blipFill rotWithShape="1">
+          <a:blip r:embed="rId3">
+            <a:extLst>
+              <a:ext uri="{28A0092B-C50C-407E-A947-70E740481C1C}">
+                <a14:useLocalDpi xmlns:a14="http://schemas.microsoft.com/office/drawing/2010/main" val="0"/>
+              </a:ext>
+            </a:extLst>
+          </a:blip>
+          <a:srcRect r="6283"/>
+          <a:stretch/>
+        </p:blipFill>
         <p:spPr>
           <a:xfrm>
-            <a:off x="630239" y="2057400"/>
-            <a:ext cx="3332162" cy="4435475"/>
-          </a:xfrm>
-        </p:spPr>
-        <p:txBody>
-          <a:bodyPr/>
-          <a:lstStyle/>
-          <a:p>
-            <a:endParaRPr lang="en-US" sz="2400" dirty="0"/>
-          </a:p>
-          <a:p>
-            <a:r>
-              <a:rPr lang="en-US" sz="2400" dirty="0"/>
-              <a:t>To get number of incidents for each description for each violation type: </a:t>
-            </a:r>
-            <a:r>
-              <a:rPr lang="en-US" sz="2400" dirty="0">
-                <a:highlight>
-                  <a:srgbClr val="FF9900"/>
-                </a:highlight>
-              </a:rPr>
-              <a:t>6.8 Seconds</a:t>
-            </a:r>
-          </a:p>
-          <a:p>
-            <a:r>
-              <a:rPr lang="en-US" sz="2400" dirty="0"/>
-              <a:t>To get 25 locations with highest citations of "Speeding" recently: </a:t>
-            </a:r>
-            <a:r>
-              <a:rPr lang="en-US" sz="2400" dirty="0">
-                <a:highlight>
-                  <a:srgbClr val="FF9900"/>
-                </a:highlight>
-              </a:rPr>
-              <a:t>5.9 Seconds</a:t>
-            </a:r>
-          </a:p>
-        </p:txBody>
-      </p:sp>
-      <p:sp>
-        <p:nvSpPr>
-          <p:cNvPr id="5" name="Text Placeholder 4">
-            <a:extLst>
-              <a:ext uri="{FF2B5EF4-FFF2-40B4-BE49-F238E27FC236}">
-                <a16:creationId xmlns:a16="http://schemas.microsoft.com/office/drawing/2014/main" id="{3E0AE967-5144-9B6A-8CF9-E91F5B73A1BC}"/>
-              </a:ext>
-            </a:extLst>
-          </p:cNvPr>
-          <p:cNvSpPr>
-            <a:spLocks noGrp="1"/>
-          </p:cNvSpPr>
-          <p:nvPr>
-            <p:ph type="body" sz="quarter" idx="3"/>
-          </p:nvPr>
-        </p:nvSpPr>
-        <p:spPr>
-          <a:xfrm>
-            <a:off x="3962401" y="1681163"/>
-            <a:ext cx="4554537" cy="452437"/>
-          </a:xfrm>
-        </p:spPr>
-        <p:txBody>
-          <a:bodyPr/>
-          <a:lstStyle/>
-          <a:p>
-            <a:r>
-              <a:rPr lang="en-US" dirty="0"/>
-              <a:t>With Partition on </a:t>
-            </a:r>
-            <a:r>
-              <a:rPr lang="en-US" dirty="0" err="1"/>
-              <a:t>Descritpion</a:t>
-            </a:r>
-            <a:endParaRPr lang="en-US" dirty="0"/>
-          </a:p>
-        </p:txBody>
-      </p:sp>
-      <p:sp>
-        <p:nvSpPr>
-          <p:cNvPr id="6" name="Content Placeholder 5">
-            <a:extLst>
-              <a:ext uri="{FF2B5EF4-FFF2-40B4-BE49-F238E27FC236}">
-                <a16:creationId xmlns:a16="http://schemas.microsoft.com/office/drawing/2014/main" id="{92A75458-5193-83CD-07AB-4ADF3FA34095}"/>
-              </a:ext>
-            </a:extLst>
-          </p:cNvPr>
-          <p:cNvSpPr>
-            <a:spLocks noGrp="1"/>
-          </p:cNvSpPr>
-          <p:nvPr>
-            <p:ph sz="quarter" idx="4"/>
-          </p:nvPr>
-        </p:nvSpPr>
-        <p:spPr>
-          <a:xfrm>
-            <a:off x="4631053" y="2436812"/>
-            <a:ext cx="3887788" cy="4056063"/>
-          </a:xfrm>
-        </p:spPr>
-        <p:txBody>
-          <a:bodyPr/>
-          <a:lstStyle/>
-          <a:p>
-            <a:r>
-              <a:rPr lang="en-US" sz="2400" dirty="0"/>
-              <a:t>To get number of incidents for each description for each violation type: </a:t>
-            </a:r>
-            <a:r>
-              <a:rPr lang="en-US" sz="2400" dirty="0">
-                <a:highlight>
-                  <a:srgbClr val="00FF00"/>
-                </a:highlight>
-              </a:rPr>
-              <a:t>2.1 Seconds</a:t>
-            </a:r>
-          </a:p>
-          <a:p>
-            <a:r>
-              <a:rPr lang="en-US" sz="2400" dirty="0"/>
-              <a:t>To get 25 locations with highest citations of "Speeding" recently: </a:t>
-            </a:r>
-            <a:r>
-              <a:rPr lang="en-US" sz="2400" dirty="0">
-                <a:highlight>
-                  <a:srgbClr val="00FF00"/>
-                </a:highlight>
-              </a:rPr>
-              <a:t>1.6 Seconds</a:t>
-            </a:r>
-          </a:p>
-          <a:p>
-            <a:endParaRPr lang="en-US" dirty="0"/>
-          </a:p>
-        </p:txBody>
-      </p:sp>
+            <a:off x="719138" y="4191000"/>
+            <a:ext cx="8120062" cy="2057400"/>
+          </a:xfrm>
+          <a:prstGeom prst="rect">
+            <a:avLst/>
+          </a:prstGeom>
+        </p:spPr>
+      </p:pic>
     </p:spTree>
     <p:extLst>
       <p:ext uri="{BB962C8B-B14F-4D97-AF65-F5344CB8AC3E}">
-        <p14:creationId xmlns:p14="http://schemas.microsoft.com/office/powerpoint/2010/main" val="657106904"/>
+        <p14:creationId xmlns:p14="http://schemas.microsoft.com/office/powerpoint/2010/main" val="2430946662"/>
       </p:ext>
     </p:extLst>
   </p:cSld>

--- a/traffic_violation.pptx
+++ b/traffic_violation.pptx
@@ -4185,12 +4185,6 @@
           <a:p>
             <a:r>
               <a:rPr lang="en-US" sz="1800" dirty="0"/>
-              <a:t>Violation Type</a:t>
-            </a:r>
-          </a:p>
-          <a:p>
-            <a:r>
-              <a:rPr lang="en-US" sz="1800" dirty="0"/>
               <a:t>License Plate State Category</a:t>
             </a:r>
           </a:p>
@@ -5883,13 +5877,8 @@
           <a:p>
             <a:r>
               <a:rPr lang="en-US" dirty="0"/>
-              <a:t>With Partition on </a:t>
-            </a:r>
-            <a:r>
-              <a:rPr lang="en-US" dirty="0" err="1"/>
-              <a:t>Descritpion</a:t>
-            </a:r>
-            <a:endParaRPr lang="en-US" dirty="0"/>
+              <a:t>With Partition on Description</a:t>
+            </a:r>
           </a:p>
         </p:txBody>
       </p:sp>
@@ -6650,12 +6639,22 @@
             </a:r>
           </a:p>
           <a:p>
+            <a:r>
+              <a:rPr lang="en-US" sz="2000" dirty="0"/>
+              <a:t>Goes back to 2012.</a:t>
+            </a:r>
+          </a:p>
+          <a:p>
+            <a:r>
+              <a:rPr lang="en-US" sz="2000" dirty="0"/>
+              <a:t>Updated Daily.</a:t>
+            </a:r>
+            <a:endParaRPr lang="en-US" dirty="0"/>
+          </a:p>
+          <a:p>
             <a:pPr marL="0" indent="0">
               <a:buNone/>
             </a:pPr>
-            <a:endParaRPr lang="en-US" dirty="0"/>
-          </a:p>
-          <a:p>
             <a:r>
               <a:rPr lang="en-US" dirty="0"/>
               <a:t>Using </a:t>
@@ -6694,7 +6693,7 @@
                   </a:schemeClr>
                 </a:solidFill>
               </a:rPr>
-              <a:t>Random Forest</a:t>
+              <a:t>Machine Learning</a:t>
             </a:r>
           </a:p>
           <a:p>

--- a/traffic_violation.pptx
+++ b/traffic_violation.pptx
@@ -4155,7 +4155,7 @@
             </a:pPr>
             <a:r>
               <a:rPr lang="en-US" sz="2400" dirty="0"/>
-              <a:t>Input features used for the model:</a:t>
+              <a:t>Input features used for the models:</a:t>
             </a:r>
           </a:p>
           <a:p>
@@ -4745,12 +4745,12 @@
         <p:spPr>
           <a:xfrm>
             <a:off x="495030" y="2767106"/>
-            <a:ext cx="2160621" cy="3071906"/>
+            <a:ext cx="2160621" cy="1881094"/>
           </a:xfrm>
         </p:spPr>
         <p:txBody>
           <a:bodyPr vert="horz" lIns="91440" tIns="45720" rIns="91440" bIns="45720" rtlCol="0" anchor="t">
-            <a:normAutofit/>
+            <a:normAutofit fontScale="90000"/>
           </a:bodyPr>
           <a:lstStyle/>
           <a:p>
@@ -4760,7 +4760,7 @@
               </a:lnSpc>
             </a:pPr>
             <a:r>
-              <a:rPr lang="en-US" sz="3500" kern="1200">
+              <a:rPr lang="en-US" sz="3500" kern="1200" dirty="0">
                 <a:solidFill>
                   <a:srgbClr val="FFFFFF"/>
                 </a:solidFill>
@@ -4768,7 +4768,7 @@
                 <a:ea typeface="+mj-ea"/>
                 <a:cs typeface="+mj-cs"/>
               </a:rPr>
-              <a:t>Randon Forest - Results</a:t>
+              <a:t>Random Forest Model - Results</a:t>
             </a:r>
           </a:p>
         </p:txBody>
@@ -5496,7 +5496,7 @@
               </a:lnSpc>
             </a:pPr>
             <a:r>
-              <a:rPr lang="en-US" sz="2700" kern="1200">
+              <a:rPr lang="en-US" sz="2800" kern="1200" dirty="0">
                 <a:solidFill>
                   <a:srgbClr val="FFFFFF"/>
                 </a:solidFill>
@@ -5504,7 +5504,7 @@
                 <a:ea typeface="+mj-ea"/>
                 <a:cs typeface="+mj-cs"/>
               </a:rPr>
-              <a:t>Logistic Regression Model</a:t>
+              <a:t>Logistic Regression Model - Results</a:t>
             </a:r>
           </a:p>
         </p:txBody>
@@ -5867,7 +5867,7 @@
         </p:nvSpPr>
         <p:spPr>
           <a:xfrm>
-            <a:off x="3962401" y="1681163"/>
+            <a:off x="4251961" y="1681162"/>
             <a:ext cx="4554537" cy="452437"/>
           </a:xfrm>
         </p:spPr>
@@ -5877,7 +5877,7 @@
           <a:p>
             <a:r>
               <a:rPr lang="en-US" dirty="0"/>
-              <a:t>With Partition on Description</a:t>
+              <a:t>Partition on Description</a:t>
             </a:r>
           </a:p>
         </p:txBody>

--- a/traffic_violation.pptx
+++ b/traffic_violation.pptx
@@ -4773,42 +4773,6 @@
           </a:p>
         </p:txBody>
       </p:sp>
-      <p:pic>
-        <p:nvPicPr>
-          <p:cNvPr id="3" name="Picture 2" descr="A screenshot of a computer screen&#10;&#10;Description automatically generated">
-            <a:extLst>
-              <a:ext uri="{FF2B5EF4-FFF2-40B4-BE49-F238E27FC236}">
-                <a16:creationId xmlns:a16="http://schemas.microsoft.com/office/drawing/2014/main" id="{38AAF441-D593-C532-84F1-38F4B560FA47}"/>
-              </a:ext>
-            </a:extLst>
-          </p:cNvPr>
-          <p:cNvPicPr>
-            <a:picLocks noChangeAspect="1"/>
-          </p:cNvPicPr>
-          <p:nvPr/>
-        </p:nvPicPr>
-        <p:blipFill>
-          <a:blip r:embed="rId2">
-            <a:extLst>
-              <a:ext uri="{28A0092B-C50C-407E-A947-70E740481C1C}">
-                <a14:useLocalDpi xmlns:a14="http://schemas.microsoft.com/office/drawing/2010/main" val="0"/>
-              </a:ext>
-            </a:extLst>
-          </a:blip>
-          <a:stretch>
-            <a:fillRect/>
-          </a:stretch>
-        </p:blipFill>
-        <p:spPr>
-          <a:xfrm>
-            <a:off x="3381787" y="2209800"/>
-            <a:ext cx="5419311" cy="4140609"/>
-          </a:xfrm>
-          <a:prstGeom prst="rect">
-            <a:avLst/>
-          </a:prstGeom>
-        </p:spPr>
-      </p:pic>
       <p:sp>
         <p:nvSpPr>
           <p:cNvPr id="4" name="TextBox 3">
@@ -4951,6 +4915,36 @@
           </a:p>
         </p:txBody>
       </p:sp>
+      <p:pic>
+        <p:nvPicPr>
+          <p:cNvPr id="6" name="Picture 5">
+            <a:extLst>
+              <a:ext uri="{FF2B5EF4-FFF2-40B4-BE49-F238E27FC236}">
+                <a16:creationId xmlns:a16="http://schemas.microsoft.com/office/drawing/2014/main" id="{DFD8836A-E4EC-9EA3-290C-E7B04D2CD8D0}"/>
+              </a:ext>
+            </a:extLst>
+          </p:cNvPr>
+          <p:cNvPicPr>
+            <a:picLocks noChangeAspect="1"/>
+          </p:cNvPicPr>
+          <p:nvPr/>
+        </p:nvPicPr>
+        <p:blipFill>
+          <a:blip r:embed="rId2"/>
+          <a:stretch>
+            <a:fillRect/>
+          </a:stretch>
+        </p:blipFill>
+        <p:spPr>
+          <a:xfrm>
+            <a:off x="3571954" y="2362200"/>
+            <a:ext cx="4733846" cy="3914052"/>
+          </a:xfrm>
+          <a:prstGeom prst="rect">
+            <a:avLst/>
+          </a:prstGeom>
+        </p:spPr>
+      </p:pic>
     </p:spTree>
     <p:extLst>
       <p:ext uri="{BB962C8B-B14F-4D97-AF65-F5344CB8AC3E}">
@@ -5509,42 +5503,6 @@
           </a:p>
         </p:txBody>
       </p:sp>
-      <p:pic>
-        <p:nvPicPr>
-          <p:cNvPr id="3" name="Picture 2" descr="A screenshot of a computer screen&#10;&#10;Description automatically generated">
-            <a:extLst>
-              <a:ext uri="{FF2B5EF4-FFF2-40B4-BE49-F238E27FC236}">
-                <a16:creationId xmlns:a16="http://schemas.microsoft.com/office/drawing/2014/main" id="{34A59F63-84EC-AD24-29C4-8C6CD2E8BC97}"/>
-              </a:ext>
-            </a:extLst>
-          </p:cNvPr>
-          <p:cNvPicPr>
-            <a:picLocks noChangeAspect="1"/>
-          </p:cNvPicPr>
-          <p:nvPr/>
-        </p:nvPicPr>
-        <p:blipFill>
-          <a:blip r:embed="rId2">
-            <a:extLst>
-              <a:ext uri="{28A0092B-C50C-407E-A947-70E740481C1C}">
-                <a14:useLocalDpi xmlns:a14="http://schemas.microsoft.com/office/drawing/2010/main" val="0"/>
-              </a:ext>
-            </a:extLst>
-          </a:blip>
-          <a:stretch>
-            <a:fillRect/>
-          </a:stretch>
-        </p:blipFill>
-        <p:spPr>
-          <a:xfrm>
-            <a:off x="3407187" y="2362200"/>
-            <a:ext cx="5419311" cy="4121972"/>
-          </a:xfrm>
-          <a:prstGeom prst="rect">
-            <a:avLst/>
-          </a:prstGeom>
-        </p:spPr>
-      </p:pic>
       <p:sp>
         <p:nvSpPr>
           <p:cNvPr id="5" name="TextBox 4">
@@ -5643,7 +5601,7 @@
                 </a:solidFill>
                 <a:latin typeface="+mj-lt"/>
               </a:rPr>
-              <a:t>, Recall – 78%</a:t>
+              <a:t>, Recall – 73%</a:t>
             </a:r>
           </a:p>
           <a:p>
@@ -5691,7 +5649,7 @@
                 </a:solidFill>
                 <a:latin typeface="+mj-lt"/>
               </a:rPr>
-              <a:t>, Recall – 84%</a:t>
+              <a:t>, Recall – 89%</a:t>
             </a:r>
           </a:p>
           <a:p>
@@ -5699,6 +5657,36 @@
           </a:p>
         </p:txBody>
       </p:sp>
+      <p:pic>
+        <p:nvPicPr>
+          <p:cNvPr id="6" name="Picture 5">
+            <a:extLst>
+              <a:ext uri="{FF2B5EF4-FFF2-40B4-BE49-F238E27FC236}">
+                <a16:creationId xmlns:a16="http://schemas.microsoft.com/office/drawing/2014/main" id="{502B7FA6-C99A-8FA5-4708-F3D06FD3E354}"/>
+              </a:ext>
+            </a:extLst>
+          </p:cNvPr>
+          <p:cNvPicPr>
+            <a:picLocks noChangeAspect="1"/>
+          </p:cNvPicPr>
+          <p:nvPr/>
+        </p:nvPicPr>
+        <p:blipFill>
+          <a:blip r:embed="rId2"/>
+          <a:stretch>
+            <a:fillRect/>
+          </a:stretch>
+        </p:blipFill>
+        <p:spPr>
+          <a:xfrm>
+            <a:off x="3743105" y="2501977"/>
+            <a:ext cx="4812253" cy="3465987"/>
+          </a:xfrm>
+          <a:prstGeom prst="rect">
+            <a:avLst/>
+          </a:prstGeom>
+        </p:spPr>
+      </p:pic>
     </p:spTree>
     <p:extLst>
       <p:ext uri="{BB962C8B-B14F-4D97-AF65-F5344CB8AC3E}">
@@ -5809,16 +5797,13 @@
         </p:nvSpPr>
         <p:spPr>
           <a:xfrm>
-            <a:off x="630239" y="2057400"/>
-            <a:ext cx="3332162" cy="4435475"/>
+            <a:off x="630238" y="2240756"/>
+            <a:ext cx="3484562" cy="3702844"/>
           </a:xfrm>
         </p:spPr>
         <p:txBody>
           <a:bodyPr/>
           <a:lstStyle/>
-          <a:p>
-            <a:endParaRPr lang="en-US" sz="2400" dirty="0"/>
-          </a:p>
           <a:p>
             <a:r>
               <a:rPr lang="en-US" sz="2400" dirty="0"/>
@@ -5900,8 +5885,8 @@
         </p:nvSpPr>
         <p:spPr>
           <a:xfrm>
-            <a:off x="4631053" y="2436812"/>
-            <a:ext cx="3887788" cy="4056063"/>
+            <a:off x="4625973" y="2270124"/>
+            <a:ext cx="3887788" cy="3506788"/>
           </a:xfrm>
         </p:spPr>
         <p:txBody>
@@ -5937,6 +5922,49 @@
           </a:p>
           <a:p>
             <a:endParaRPr lang="en-US" dirty="0"/>
+          </a:p>
+        </p:txBody>
+      </p:sp>
+      <p:sp>
+        <p:nvSpPr>
+          <p:cNvPr id="8" name="TextBox 7">
+            <a:extLst>
+              <a:ext uri="{FF2B5EF4-FFF2-40B4-BE49-F238E27FC236}">
+                <a16:creationId xmlns:a16="http://schemas.microsoft.com/office/drawing/2014/main" id="{96AF2C5F-83BF-A62A-20A5-A5CC99A86ED7}"/>
+              </a:ext>
+            </a:extLst>
+          </p:cNvPr>
+          <p:cNvSpPr txBox="1"/>
+          <p:nvPr/>
+        </p:nvSpPr>
+        <p:spPr>
+          <a:xfrm>
+            <a:off x="457200" y="6172200"/>
+            <a:ext cx="7886700" cy="369332"/>
+          </a:xfrm>
+          <a:prstGeom prst="rect">
+            <a:avLst/>
+          </a:prstGeom>
+          <a:noFill/>
+        </p:spPr>
+        <p:txBody>
+          <a:bodyPr wrap="square" rtlCol="0">
+            <a:spAutoFit/>
+          </a:bodyPr>
+          <a:lstStyle/>
+          <a:p>
+            <a:r>
+              <a:rPr lang="en-US" sz="1400" b="1" dirty="0"/>
+              <a:t>Note</a:t>
+            </a:r>
+            <a:r>
+              <a:rPr lang="en-US" sz="1400" dirty="0"/>
+              <a:t>: The seconds may slightly vary each time the query is executed</a:t>
+            </a:r>
+            <a:r>
+              <a:rPr lang="en-US" dirty="0"/>
+              <a:t>.</a:t>
+            </a:r>
           </a:p>
         </p:txBody>
       </p:sp>

--- a/traffic_violation.pptx
+++ b/traffic_violation.pptx
@@ -3918,10 +3918,10 @@
       </p:sp>
       <p:pic>
         <p:nvPicPr>
-          <p:cNvPr id="4" name="slide19" descr="Total Violations by Year">
-            <a:extLst>
-              <a:ext uri="{FF2B5EF4-FFF2-40B4-BE49-F238E27FC236}">
-                <a16:creationId xmlns:a16="http://schemas.microsoft.com/office/drawing/2014/main" id="{F4576103-72C4-0483-3E54-38EBF244939C}"/>
+          <p:cNvPr id="6" name="Content Placeholder 5">
+            <a:extLst>
+              <a:ext uri="{FF2B5EF4-FFF2-40B4-BE49-F238E27FC236}">
+                <a16:creationId xmlns:a16="http://schemas.microsoft.com/office/drawing/2014/main" id="{B84CCAA1-E0DC-F29B-DEE9-9F2DEC4930C4}"/>
               </a:ext>
             </a:extLst>
           </p:cNvPr>
@@ -3933,25 +3933,16 @@
           </p:nvPr>
         </p:nvPicPr>
         <p:blipFill>
-          <a:blip r:embed="rId2">
-            <a:extLst>
-              <a:ext uri="{28A0092B-C50C-407E-A947-70E740481C1C}">
-                <a14:useLocalDpi xmlns:a14="http://schemas.microsoft.com/office/drawing/2010/main" val="0"/>
-              </a:ext>
-            </a:extLst>
-          </a:blip>
+          <a:blip r:embed="rId2"/>
           <a:stretch>
             <a:fillRect/>
           </a:stretch>
         </p:blipFill>
         <p:spPr>
           <a:xfrm>
-            <a:off x="1265577" y="1268413"/>
-            <a:ext cx="7478033" cy="4968875"/>
-          </a:xfrm>
-          <a:prstGeom prst="rect">
-            <a:avLst/>
-          </a:prstGeom>
+            <a:off x="304800" y="1697041"/>
+            <a:ext cx="8678926" cy="3865559"/>
+          </a:xfrm>
         </p:spPr>
       </p:pic>
     </p:spTree>

--- a/traffic_violation.pptx
+++ b/traffic_violation.pptx
@@ -5,10 +5,10 @@
     <p:sldMasterId id="2147483648" r:id="rId1"/>
   </p:sldMasterIdLst>
   <p:notesMasterIdLst>
-    <p:notesMasterId r:id="rId23"/>
+    <p:notesMasterId r:id="rId22"/>
   </p:notesMasterIdLst>
   <p:handoutMasterIdLst>
-    <p:handoutMasterId r:id="rId24"/>
+    <p:handoutMasterId r:id="rId23"/>
   </p:handoutMasterIdLst>
   <p:sldIdLst>
     <p:sldId id="256" r:id="rId2"/>
@@ -29,9 +29,8 @@
     <p:sldId id="272" r:id="rId17"/>
     <p:sldId id="273" r:id="rId18"/>
     <p:sldId id="271" r:id="rId19"/>
-    <p:sldId id="261" r:id="rId20"/>
-    <p:sldId id="262" r:id="rId21"/>
-    <p:sldId id="258" r:id="rId22"/>
+    <p:sldId id="262" r:id="rId20"/>
+    <p:sldId id="258" r:id="rId21"/>
   </p:sldIdLst>
   <p:sldSz cx="9144000" cy="6858000" type="screen4x3"/>
   <p:notesSz cx="6858000" cy="9144000"/>
@@ -5991,72 +5990,101 @@
       </p:grpSpPr>
       <p:sp>
         <p:nvSpPr>
-          <p:cNvPr id="114690" name="Rectangle 2">
-            <a:extLst>
-              <a:ext uri="{FF2B5EF4-FFF2-40B4-BE49-F238E27FC236}">
-                <a16:creationId xmlns:a16="http://schemas.microsoft.com/office/drawing/2014/main" id="{E38F1BDF-7654-66E1-0814-7A6BC9C85A34}"/>
+          <p:cNvPr id="2" name="Title 1">
+            <a:extLst>
+              <a:ext uri="{FF2B5EF4-FFF2-40B4-BE49-F238E27FC236}">
+                <a16:creationId xmlns:a16="http://schemas.microsoft.com/office/drawing/2014/main" id="{65F70101-2480-4920-3D6F-424F65D6E233}"/>
               </a:ext>
             </a:extLst>
           </p:cNvPr>
           <p:cNvSpPr>
-            <a:spLocks noGrp="1" noChangeArrowheads="1"/>
+            <a:spLocks noGrp="1"/>
           </p:cNvSpPr>
           <p:nvPr>
             <p:ph type="title"/>
           </p:nvPr>
         </p:nvSpPr>
-        <p:spPr>
-          <a:xfrm>
-            <a:off x="1871663" y="188913"/>
-            <a:ext cx="7092950" cy="647700"/>
-          </a:xfrm>
-        </p:spPr>
+        <p:spPr/>
         <p:txBody>
           <a:bodyPr/>
           <a:lstStyle/>
           <a:p>
-            <a:endParaRPr lang="en-US" altLang="en-US">
-              <a:solidFill>
-                <a:schemeClr val="tx1"/>
-              </a:solidFill>
-            </a:endParaRPr>
+            <a:pPr algn="ctr"/>
+            <a:r>
+              <a:rPr lang="en-US" dirty="0"/>
+              <a:t>Room for Improvement</a:t>
+            </a:r>
           </a:p>
         </p:txBody>
       </p:sp>
       <p:sp>
         <p:nvSpPr>
-          <p:cNvPr id="114691" name="Rectangle 3">
-            <a:extLst>
-              <a:ext uri="{FF2B5EF4-FFF2-40B4-BE49-F238E27FC236}">
-                <a16:creationId xmlns:a16="http://schemas.microsoft.com/office/drawing/2014/main" id="{C532EC86-DEA2-C8B9-0652-CDA52A320F51}"/>
+          <p:cNvPr id="3" name="Content Placeholder 2">
+            <a:extLst>
+              <a:ext uri="{FF2B5EF4-FFF2-40B4-BE49-F238E27FC236}">
+                <a16:creationId xmlns:a16="http://schemas.microsoft.com/office/drawing/2014/main" id="{27E4D1F4-BC64-FC19-216E-265BDA4AEDA4}"/>
               </a:ext>
             </a:extLst>
           </p:cNvPr>
           <p:cNvSpPr>
-            <a:spLocks noGrp="1" noChangeArrowheads="1"/>
+            <a:spLocks noGrp="1"/>
           </p:cNvSpPr>
           <p:nvPr>
-            <p:ph type="body" idx="1"/>
+            <p:ph idx="1"/>
           </p:nvPr>
         </p:nvSpPr>
-        <p:spPr>
-          <a:xfrm>
-            <a:off x="1860550" y="908050"/>
-            <a:ext cx="7104063" cy="5761038"/>
-          </a:xfrm>
-        </p:spPr>
+        <p:spPr/>
         <p:txBody>
           <a:bodyPr/>
           <a:lstStyle/>
           <a:p>
-            <a:endParaRPr lang="en-US" altLang="en-US"/>
+            <a:r>
+              <a:rPr lang="en-US" dirty="0"/>
+              <a:t>Get Description and Make columns even more uniform.</a:t>
+            </a:r>
+          </a:p>
+          <a:p>
+            <a:r>
+              <a:rPr lang="en-US" dirty="0"/>
+              <a:t>Use Big Data tactics to tackle our data better.</a:t>
+            </a:r>
+          </a:p>
+          <a:p>
+            <a:r>
+              <a:rPr lang="en-US" dirty="0"/>
+              <a:t>More statistical analysis between features.</a:t>
+            </a:r>
+          </a:p>
+          <a:p>
+            <a:r>
+              <a:rPr lang="en-US" dirty="0"/>
+              <a:t>Test out more models of machine learning.</a:t>
+            </a:r>
+          </a:p>
+          <a:p>
+            <a:r>
+              <a:rPr lang="en-US" dirty="0"/>
+              <a:t>Look at time series data. </a:t>
+            </a:r>
+          </a:p>
+          <a:p>
+            <a:r>
+              <a:rPr lang="en-US" dirty="0"/>
+              <a:t>Test out more combinations of features.</a:t>
+            </a:r>
+          </a:p>
+          <a:p>
+            <a:r>
+              <a:rPr lang="en-US" dirty="0"/>
+              <a:t>Target a feature to see what other predictions we could do.</a:t>
+            </a:r>
           </a:p>
         </p:txBody>
       </p:sp>
     </p:spTree>
     <p:extLst>
       <p:ext uri="{BB962C8B-B14F-4D97-AF65-F5344CB8AC3E}">
-        <p14:creationId xmlns:p14="http://schemas.microsoft.com/office/powerpoint/2010/main" val="1936378657"/>
+        <p14:creationId xmlns:p14="http://schemas.microsoft.com/office/powerpoint/2010/main" val="3089617898"/>
       </p:ext>
     </p:extLst>
   </p:cSld>
@@ -6219,86 +6247,6 @@
 <file path=ppt/slides/slide20.xml><?xml version="1.0" encoding="utf-8"?>
 <p:sld xmlns:a="http://schemas.openxmlformats.org/drawingml/2006/main" xmlns:r="http://schemas.openxmlformats.org/officeDocument/2006/relationships" xmlns:p="http://schemas.openxmlformats.org/presentationml/2006/main">
   <p:cSld>
-    <p:spTree>
-      <p:nvGrpSpPr>
-        <p:cNvPr id="1" name=""/>
-        <p:cNvGrpSpPr/>
-        <p:nvPr/>
-      </p:nvGrpSpPr>
-      <p:grpSpPr>
-        <a:xfrm>
-          <a:off x="0" y="0"/>
-          <a:ext cx="0" cy="0"/>
-          <a:chOff x="0" y="0"/>
-          <a:chExt cx="0" cy="0"/>
-        </a:xfrm>
-      </p:grpSpPr>
-      <p:sp>
-        <p:nvSpPr>
-          <p:cNvPr id="2" name="Title 1">
-            <a:extLst>
-              <a:ext uri="{FF2B5EF4-FFF2-40B4-BE49-F238E27FC236}">
-                <a16:creationId xmlns:a16="http://schemas.microsoft.com/office/drawing/2014/main" id="{65F70101-2480-4920-3D6F-424F65D6E233}"/>
-              </a:ext>
-            </a:extLst>
-          </p:cNvPr>
-          <p:cNvSpPr>
-            <a:spLocks noGrp="1"/>
-          </p:cNvSpPr>
-          <p:nvPr>
-            <p:ph type="title"/>
-          </p:nvPr>
-        </p:nvSpPr>
-        <p:spPr/>
-        <p:txBody>
-          <a:bodyPr/>
-          <a:lstStyle/>
-          <a:p>
-            <a:endParaRPr lang="en-US"/>
-          </a:p>
-        </p:txBody>
-      </p:sp>
-      <p:sp>
-        <p:nvSpPr>
-          <p:cNvPr id="3" name="Content Placeholder 2">
-            <a:extLst>
-              <a:ext uri="{FF2B5EF4-FFF2-40B4-BE49-F238E27FC236}">
-                <a16:creationId xmlns:a16="http://schemas.microsoft.com/office/drawing/2014/main" id="{27E4D1F4-BC64-FC19-216E-265BDA4AEDA4}"/>
-              </a:ext>
-            </a:extLst>
-          </p:cNvPr>
-          <p:cNvSpPr>
-            <a:spLocks noGrp="1"/>
-          </p:cNvSpPr>
-          <p:nvPr>
-            <p:ph idx="1"/>
-          </p:nvPr>
-        </p:nvSpPr>
-        <p:spPr/>
-        <p:txBody>
-          <a:bodyPr/>
-          <a:lstStyle/>
-          <a:p>
-            <a:endParaRPr lang="en-US"/>
-          </a:p>
-        </p:txBody>
-      </p:sp>
-    </p:spTree>
-    <p:extLst>
-      <p:ext uri="{BB962C8B-B14F-4D97-AF65-F5344CB8AC3E}">
-        <p14:creationId xmlns:p14="http://schemas.microsoft.com/office/powerpoint/2010/main" val="3089617898"/>
-      </p:ext>
-    </p:extLst>
-  </p:cSld>
-  <p:clrMapOvr>
-    <a:masterClrMapping/>
-  </p:clrMapOvr>
-</p:sld>
-</file>
-
-<file path=ppt/slides/slide21.xml><?xml version="1.0" encoding="utf-8"?>
-<p:sld xmlns:a="http://schemas.openxmlformats.org/drawingml/2006/main" xmlns:r="http://schemas.openxmlformats.org/officeDocument/2006/relationships" xmlns:p="http://schemas.openxmlformats.org/presentationml/2006/main">
-  <p:cSld>
     <p:bg>
       <p:bgPr>
         <a:solidFill>
@@ -6342,7 +6290,7 @@
         </p:blipFill>
         <p:spPr>
           <a:xfrm>
-            <a:off x="20" y="10"/>
+            <a:off x="-228600" y="33885"/>
             <a:ext cx="9143980" cy="6857990"/>
           </a:xfrm>
           <a:prstGeom prst="rect">
@@ -6433,7 +6381,7 @@
         </p:nvSpPr>
         <p:spPr>
           <a:xfrm>
-            <a:off x="152400" y="152400"/>
+            <a:off x="304800" y="1905000"/>
             <a:ext cx="8408194" cy="744836"/>
           </a:xfrm>
         </p:spPr>
@@ -6449,7 +6397,7 @@
               </a:lnSpc>
             </a:pPr>
             <a:r>
-              <a:rPr lang="en-US" altLang="en-US" sz="3100" dirty="0">
+              <a:rPr lang="en-US" altLang="en-US" sz="4400" dirty="0">
                 <a:solidFill>
                   <a:schemeClr val="tx1">
                     <a:lumMod val="85000"/>
@@ -6666,7 +6614,7 @@
           <a:p>
             <a:r>
               <a:rPr lang="en-US" sz="2000" dirty="0"/>
-              <a:t>Updated Daily.</a:t>
+              <a:t>The dataset was pulled on November 16, 2023.</a:t>
             </a:r>
             <a:endParaRPr lang="en-US" dirty="0"/>
           </a:p>
@@ -6784,7 +6732,7 @@
         </p:nvSpPr>
         <p:spPr>
           <a:xfrm>
-            <a:off x="1025525" y="2438400"/>
+            <a:off x="1025525" y="1752600"/>
             <a:ext cx="7092950" cy="647700"/>
           </a:xfrm>
         </p:spPr>
@@ -6804,6 +6752,51 @@
           </a:p>
         </p:txBody>
       </p:sp>
+      <p:pic>
+        <p:nvPicPr>
+          <p:cNvPr id="1026" name="Picture 2" descr="12 Cleaning Tools Every Home Needs | 2023 | Bungalow">
+            <a:extLst>
+              <a:ext uri="{FF2B5EF4-FFF2-40B4-BE49-F238E27FC236}">
+                <a16:creationId xmlns:a16="http://schemas.microsoft.com/office/drawing/2014/main" id="{9AD15FA7-6806-CAF6-190A-CE24F29BD203}"/>
+              </a:ext>
+            </a:extLst>
+          </p:cNvPr>
+          <p:cNvPicPr>
+            <a:picLocks noChangeAspect="1" noChangeArrowheads="1"/>
+          </p:cNvPicPr>
+          <p:nvPr/>
+        </p:nvPicPr>
+        <p:blipFill rotWithShape="1">
+          <a:blip r:embed="rId2">
+            <a:extLst>
+              <a:ext uri="{28A0092B-C50C-407E-A947-70E740481C1C}">
+                <a14:useLocalDpi xmlns:a14="http://schemas.microsoft.com/office/drawing/2010/main" val="0"/>
+              </a:ext>
+            </a:extLst>
+          </a:blip>
+          <a:srcRect l="33334" t="13824" r="7499" b="6208"/>
+          <a:stretch/>
+        </p:blipFill>
+        <p:spPr bwMode="auto">
+          <a:xfrm>
+            <a:off x="1162050" y="2440547"/>
+            <a:ext cx="6819900" cy="4034307"/>
+          </a:xfrm>
+          <a:prstGeom prst="rect">
+            <a:avLst/>
+          </a:prstGeom>
+          <a:noFill/>
+          <a:extLst>
+            <a:ext uri="{909E8E84-426E-40DD-AFC4-6F175D3DCCD1}">
+              <a14:hiddenFill xmlns:a14="http://schemas.microsoft.com/office/drawing/2010/main">
+                <a:solidFill>
+                  <a:srgbClr val="FFFFFF"/>
+                </a:solidFill>
+              </a14:hiddenFill>
+            </a:ext>
+          </a:extLst>
+        </p:spPr>
+      </p:pic>
     </p:spTree>
     <p:extLst>
       <p:ext uri="{BB962C8B-B14F-4D97-AF65-F5344CB8AC3E}">
